--- a/Passport_Travel_Readiness_Presentation.pptx
+++ b/Passport_Travel_Readiness_Presentation.pptx
@@ -10,6 +10,7 @@
     <p:sldId id="258" r:id="rId9"/>
     <p:sldId id="259" r:id="rId10"/>
     <p:sldId id="260" r:id="rId11"/>
+    <p:sldId id="261" r:id="rId12"/>
   </p:sldIdLst>
   <p:sldSz cx="12191695" cy="6858000" type="screen4x3"/>
   <p:notesSz cx="6858000" cy="9144000"/>
@@ -3108,8 +3109,8 @@
         </p:nvSpPr>
         <p:spPr>
           <a:xfrm>
-            <a:off x="731520" y="365760"/>
-            <a:ext cx="10058400" cy="731520"/>
+            <a:off x="731520" y="274320"/>
+            <a:ext cx="10058400" cy="640080"/>
           </a:xfrm>
           <a:prstGeom prst="rect">
             <a:avLst/>
@@ -3123,7 +3124,7 @@
           <a:lstStyle/>
           <a:p>
             <a:pPr algn="l">
-              <a:defRPr sz="3600" b="1">
+              <a:defRPr sz="3400" b="1">
                 <a:solidFill>
                   <a:srgbClr val="FFFFFF"/>
                 </a:solidFill>
@@ -3144,8 +3145,8 @@
         </p:nvSpPr>
         <p:spPr>
           <a:xfrm>
-            <a:off x="731520" y="1005840"/>
-            <a:ext cx="10058400" cy="457200"/>
+            <a:off x="731520" y="868680"/>
+            <a:ext cx="10058400" cy="365760"/>
           </a:xfrm>
           <a:prstGeom prst="rect">
             <a:avLst/>
@@ -3159,7 +3160,7 @@
           <a:lstStyle/>
           <a:p>
             <a:pPr algn="l">
-              <a:defRPr sz="1600" b="0">
+              <a:defRPr sz="1500" b="0">
                 <a:solidFill>
                   <a:srgbClr val="94A3B8"/>
                 </a:solidFill>
@@ -3167,7 +3168,7 @@
               </a:defRPr>
             </a:pPr>
             <a:r>
-              <a:t>Data Science Case Study  |  NLP  |  Visualization</a:t>
+              <a:t>Data Science  |  NLP  |  Visualization</a:t>
             </a:r>
           </a:p>
         </p:txBody>
@@ -3180,8 +3181,8 @@
         </p:nvSpPr>
         <p:spPr>
           <a:xfrm>
-            <a:off x="731520" y="1828800"/>
-            <a:ext cx="5303520" cy="2011680"/>
+            <a:off x="457200" y="1554480"/>
+            <a:ext cx="5394960" cy="2103120"/>
           </a:xfrm>
           <a:prstGeom prst="roundRect">
             <a:avLst/>
@@ -3223,8 +3224,8 @@
         </p:nvSpPr>
         <p:spPr>
           <a:xfrm>
-            <a:off x="1005840" y="1920240"/>
-            <a:ext cx="4754880" cy="457200"/>
+            <a:off x="731520" y="1645920"/>
+            <a:ext cx="4572000" cy="365760"/>
           </a:xfrm>
           <a:prstGeom prst="rect">
             <a:avLst/>
@@ -3238,7 +3239,7 @@
           <a:lstStyle/>
           <a:p>
             <a:pPr algn="l">
-              <a:defRPr sz="2200" b="1">
+              <a:defRPr sz="2000" b="1">
                 <a:solidFill>
                   <a:srgbClr val="38BDF8"/>
                 </a:solidFill>
@@ -3259,8 +3260,8 @@
         </p:nvSpPr>
         <p:spPr>
           <a:xfrm>
-            <a:off x="1005840" y="2468880"/>
-            <a:ext cx="4754880" cy="1280160"/>
+            <a:off x="731520" y="2103120"/>
+            <a:ext cx="4846320" cy="1371600"/>
           </a:xfrm>
           <a:prstGeom prst="rect">
             <a:avLst/>
@@ -3273,8 +3274,11 @@
           </a:bodyPr>
           <a:lstStyle/>
           <a:p>
-            <a:pPr algn="l">
-              <a:defRPr sz="1400" b="0">
+            <a:pPr>
+              <a:spcAft>
+                <a:spcPts val="400"/>
+              </a:spcAft>
+              <a:defRPr sz="1300">
                 <a:solidFill>
                   <a:srgbClr val="CBD5E1"/>
                 </a:solidFill>
@@ -3282,19 +3286,55 @@
               </a:defRPr>
             </a:pPr>
             <a:r>
-              <a:t>•  Airports handle millions of diverse passengers daily</a:t>
-            </a:r>
-            <a:br/>
-            <a:r>
-              <a:t>•  Inclusive travel (accessibility, medical, dietary) is often overlooked</a:t>
-            </a:r>
-            <a:br/>
-            <a:r>
-              <a:t>•  Manual feedback processing is slow and error-prone</a:t>
-            </a:r>
-            <a:br/>
-            <a:r>
-              <a:t>•  Need for automated NLP-based insights from traveler data</a:t>
+              <a:t>•  Airports handle millions of diverse travelers daily</a:t>
+            </a:r>
+          </a:p>
+          <a:p>
+            <a:pPr>
+              <a:spcAft>
+                <a:spcPts val="400"/>
+              </a:spcAft>
+              <a:defRPr sz="1300">
+                <a:solidFill>
+                  <a:srgbClr val="CBD5E1"/>
+                </a:solidFill>
+                <a:latin typeface="Segoe UI"/>
+              </a:defRPr>
+            </a:pPr>
+            <a:r>
+              <a:t>•  Inclusive travel needs are often overlooked</a:t>
+            </a:r>
+          </a:p>
+          <a:p>
+            <a:pPr>
+              <a:spcAft>
+                <a:spcPts val="400"/>
+              </a:spcAft>
+              <a:defRPr sz="1300">
+                <a:solidFill>
+                  <a:srgbClr val="CBD5E1"/>
+                </a:solidFill>
+                <a:latin typeface="Segoe UI"/>
+              </a:defRPr>
+            </a:pPr>
+            <a:r>
+              <a:t>•  Manual feedback analysis is slow &amp; error-prone</a:t>
+            </a:r>
+          </a:p>
+          <a:p>
+            <a:pPr>
+              <a:spcAft>
+                <a:spcPts val="400"/>
+              </a:spcAft>
+              <a:defRPr sz="1300">
+                <a:solidFill>
+                  <a:srgbClr val="CBD5E1"/>
+                </a:solidFill>
+                <a:latin typeface="Segoe UI"/>
+              </a:defRPr>
+            </a:pPr>
+            <a:r>
+              <a:t>•  Need for automated NLP-based travel insights</a:t>
             </a:r>
           </a:p>
         </p:txBody>
@@ -3307,8 +3347,8 @@
         </p:nvSpPr>
         <p:spPr>
           <a:xfrm>
-            <a:off x="6309360" y="1828800"/>
-            <a:ext cx="5303520" cy="2011680"/>
+            <a:off x="6217920" y="1554480"/>
+            <a:ext cx="5394960" cy="2103120"/>
           </a:xfrm>
           <a:prstGeom prst="roundRect">
             <a:avLst/>
@@ -3350,8 +3390,8 @@
         </p:nvSpPr>
         <p:spPr>
           <a:xfrm>
-            <a:off x="6583680" y="1920240"/>
-            <a:ext cx="4754880" cy="457200"/>
+            <a:off x="6492240" y="1645920"/>
+            <a:ext cx="4572000" cy="365760"/>
           </a:xfrm>
           <a:prstGeom prst="rect">
             <a:avLst/>
@@ -3365,7 +3405,7 @@
           <a:lstStyle/>
           <a:p>
             <a:pPr algn="l">
-              <a:defRPr sz="2200" b="1">
+              <a:defRPr sz="2000" b="1">
                 <a:solidFill>
                   <a:srgbClr val="FB923C"/>
                 </a:solidFill>
@@ -3386,8 +3426,8 @@
         </p:nvSpPr>
         <p:spPr>
           <a:xfrm>
-            <a:off x="6583680" y="2468880"/>
-            <a:ext cx="4754880" cy="1280160"/>
+            <a:off x="6492240" y="2103120"/>
+            <a:ext cx="4846320" cy="1371600"/>
           </a:xfrm>
           <a:prstGeom prst="rect">
             <a:avLst/>
@@ -3400,8 +3440,11 @@
           </a:bodyPr>
           <a:lstStyle/>
           <a:p>
-            <a:pPr algn="l">
-              <a:defRPr sz="1400" b="0">
+            <a:pPr>
+              <a:spcAft>
+                <a:spcPts val="400"/>
+              </a:spcAft>
+              <a:defRPr sz="1300">
                 <a:solidFill>
                   <a:srgbClr val="CBD5E1"/>
                 </a:solidFill>
@@ -3409,19 +3452,55 @@
               </a:defRPr>
             </a:pPr>
             <a:r>
-              <a:t>•  No centralized system for inclusive passenger data collection</a:t>
-            </a:r>
-            <a:br/>
-            <a:r>
-              <a:t>•  Travel feedback remains unanalyzed and unstructured</a:t>
-            </a:r>
-            <a:br/>
-            <a:r>
-              <a:t>•  Lack of automated sentiment, entity, and summary extraction</a:t>
-            </a:r>
-            <a:br/>
-            <a:r>
-              <a:t>•  No visual dashboard for travel pattern analysis</a:t>
+              <a:t>•  No system for inclusive passenger data collection</a:t>
+            </a:r>
+          </a:p>
+          <a:p>
+            <a:pPr>
+              <a:spcAft>
+                <a:spcPts val="400"/>
+              </a:spcAft>
+              <a:defRPr sz="1300">
+                <a:solidFill>
+                  <a:srgbClr val="CBD5E1"/>
+                </a:solidFill>
+                <a:latin typeface="Segoe UI"/>
+              </a:defRPr>
+            </a:pPr>
+            <a:r>
+              <a:t>•  Travel feedback remains unanalyzed</a:t>
+            </a:r>
+          </a:p>
+          <a:p>
+            <a:pPr>
+              <a:spcAft>
+                <a:spcPts val="400"/>
+              </a:spcAft>
+              <a:defRPr sz="1300">
+                <a:solidFill>
+                  <a:srgbClr val="CBD5E1"/>
+                </a:solidFill>
+                <a:latin typeface="Segoe UI"/>
+              </a:defRPr>
+            </a:pPr>
+            <a:r>
+              <a:t>•  No automated sentiment/entity/summary extraction</a:t>
+            </a:r>
+          </a:p>
+          <a:p>
+            <a:pPr>
+              <a:spcAft>
+                <a:spcPts val="400"/>
+              </a:spcAft>
+              <a:defRPr sz="1300">
+                <a:solidFill>
+                  <a:srgbClr val="CBD5E1"/>
+                </a:solidFill>
+                <a:latin typeface="Segoe UI"/>
+              </a:defRPr>
+            </a:pPr>
+            <a:r>
+              <a:t>•  No visual dashboard for travel patterns</a:t>
             </a:r>
           </a:p>
         </p:txBody>
@@ -3434,8 +3513,8 @@
         </p:nvSpPr>
         <p:spPr>
           <a:xfrm>
-            <a:off x="731520" y="4114800"/>
-            <a:ext cx="10881360" cy="2286000"/>
+            <a:off x="457200" y="3931920"/>
+            <a:ext cx="11155680" cy="2560320"/>
           </a:xfrm>
           <a:prstGeom prst="roundRect">
             <a:avLst/>
@@ -3477,8 +3556,8 @@
         </p:nvSpPr>
         <p:spPr>
           <a:xfrm>
-            <a:off x="1005840" y="4206240"/>
-            <a:ext cx="10058400" cy="457200"/>
+            <a:off x="731520" y="4023360"/>
+            <a:ext cx="10058400" cy="365760"/>
           </a:xfrm>
           <a:prstGeom prst="rect">
             <a:avLst/>
@@ -3492,7 +3571,7 @@
           <a:lstStyle/>
           <a:p>
             <a:pPr algn="l">
-              <a:defRPr sz="2200" b="1">
+              <a:defRPr sz="2000" b="1">
                 <a:solidFill>
                   <a:srgbClr val="22C55E"/>
                 </a:solidFill>
@@ -3513,8 +3592,8 @@
         </p:nvSpPr>
         <p:spPr>
           <a:xfrm>
-            <a:off x="1005840" y="4754880"/>
-            <a:ext cx="4754880" cy="1371600"/>
+            <a:off x="731520" y="4526280"/>
+            <a:ext cx="5029200" cy="1828800"/>
           </a:xfrm>
           <a:prstGeom prst="rect">
             <a:avLst/>
@@ -3527,8 +3606,11 @@
           </a:bodyPr>
           <a:lstStyle/>
           <a:p>
-            <a:pPr algn="l">
-              <a:defRPr sz="1400" b="0">
+            <a:pPr>
+              <a:spcAft>
+                <a:spcPts val="400"/>
+              </a:spcAft>
+              <a:defRPr sz="1300">
                 <a:solidFill>
                   <a:srgbClr val="CBD5E1"/>
                 </a:solidFill>
@@ -3536,19 +3618,55 @@
               </a:defRPr>
             </a:pPr>
             <a:r>
-              <a:t>•  Built a complete GUI-based data entry system with 18 fields</a:t>
-            </a:r>
-            <a:br/>
-            <a:r>
-              <a:t>•  Integrated TextBlob for real-time sentiment analysis</a:t>
-            </a:r>
-            <a:br/>
-            <a:r>
-              <a:t>•  Used SpaCy NER + Regex for entity extraction</a:t>
-            </a:r>
-            <a:br/>
-            <a:r>
-              <a:t>•  Created keyword-based text summarization pipeline</a:t>
+              <a:t>•  Built complete GUI with 18-field registration form</a:t>
+            </a:r>
+          </a:p>
+          <a:p>
+            <a:pPr>
+              <a:spcAft>
+                <a:spcPts val="400"/>
+              </a:spcAft>
+              <a:defRPr sz="1300">
+                <a:solidFill>
+                  <a:srgbClr val="CBD5E1"/>
+                </a:solidFill>
+                <a:latin typeface="Segoe UI"/>
+              </a:defRPr>
+            </a:pPr>
+            <a:r>
+              <a:t>•  TextBlob sentiment analysis pipeline</a:t>
+            </a:r>
+          </a:p>
+          <a:p>
+            <a:pPr>
+              <a:spcAft>
+                <a:spcPts val="400"/>
+              </a:spcAft>
+              <a:defRPr sz="1300">
+                <a:solidFill>
+                  <a:srgbClr val="CBD5E1"/>
+                </a:solidFill>
+                <a:latin typeface="Segoe UI"/>
+              </a:defRPr>
+            </a:pPr>
+            <a:r>
+              <a:t>•  SpaCy NER + Regex for entity extraction</a:t>
+            </a:r>
+          </a:p>
+          <a:p>
+            <a:pPr>
+              <a:spcAft>
+                <a:spcPts val="400"/>
+              </a:spcAft>
+              <a:defRPr sz="1300">
+                <a:solidFill>
+                  <a:srgbClr val="CBD5E1"/>
+                </a:solidFill>
+                <a:latin typeface="Segoe UI"/>
+              </a:defRPr>
+            </a:pPr>
+            <a:r>
+              <a:t>•  Keyword-based text summarization</a:t>
             </a:r>
           </a:p>
         </p:txBody>
@@ -3561,8 +3679,8 @@
         </p:nvSpPr>
         <p:spPr>
           <a:xfrm>
-            <a:off x="6309360" y="4754880"/>
-            <a:ext cx="4754880" cy="1371600"/>
+            <a:off x="6217920" y="4526280"/>
+            <a:ext cx="5029200" cy="1828800"/>
           </a:xfrm>
           <a:prstGeom prst="rect">
             <a:avLst/>
@@ -3575,8 +3693,11 @@
           </a:bodyPr>
           <a:lstStyle/>
           <a:p>
-            <a:pPr algn="l">
-              <a:defRPr sz="1400" b="0">
+            <a:pPr>
+              <a:spcAft>
+                <a:spcPts val="400"/>
+              </a:spcAft>
+              <a:defRPr sz="1300">
                 <a:solidFill>
                   <a:srgbClr val="CBD5E1"/>
                 </a:solidFill>
@@ -3584,19 +3705,55 @@
               </a:defRPr>
             </a:pPr>
             <a:r>
-              <a:t>•  Designed 4-plot visualization dashboard with Matplotlib</a:t>
-            </a:r>
-            <a:br/>
-            <a:r>
-              <a:t>•  Handled venv path issues for seamless subprocess launching</a:t>
-            </a:r>
-            <a:br/>
-            <a:r>
-              <a:t>•  Ensured all CSV outputs auto-generate on window open</a:t>
-            </a:r>
-            <a:br/>
-            <a:r>
-              <a:t>•  Focused on inclusive travel: accessibility, medical, dietary needs</a:t>
+              <a:t>•  4-plot Matplotlib visualization dashboard</a:t>
+            </a:r>
+          </a:p>
+          <a:p>
+            <a:pPr>
+              <a:spcAft>
+                <a:spcPts val="400"/>
+              </a:spcAft>
+              <a:defRPr sz="1300">
+                <a:solidFill>
+                  <a:srgbClr val="CBD5E1"/>
+                </a:solidFill>
+                <a:latin typeface="Segoe UI"/>
+              </a:defRPr>
+            </a:pPr>
+            <a:r>
+              <a:t>•  Auto-processing on window open</a:t>
+            </a:r>
+          </a:p>
+          <a:p>
+            <a:pPr>
+              <a:spcAft>
+                <a:spcPts val="400"/>
+              </a:spcAft>
+              <a:defRPr sz="1300">
+                <a:solidFill>
+                  <a:srgbClr val="CBD5E1"/>
+                </a:solidFill>
+                <a:latin typeface="Segoe UI"/>
+              </a:defRPr>
+            </a:pPr>
+            <a:r>
+              <a:t>•  Inclusive fields: accessibility, medical, dietary</a:t>
+            </a:r>
+          </a:p>
+          <a:p>
+            <a:pPr>
+              <a:spcAft>
+                <a:spcPts val="400"/>
+              </a:spcAft>
+              <a:defRPr sz="1300">
+                <a:solidFill>
+                  <a:srgbClr val="CBD5E1"/>
+                </a:solidFill>
+                <a:latin typeface="Segoe UI"/>
+              </a:defRPr>
+            </a:pPr>
+            <a:r>
+              <a:t>•  Clean CSV pipeline with 10 complete records</a:t>
             </a:r>
           </a:p>
         </p:txBody>
@@ -3635,8 +3792,8 @@
         </p:nvSpPr>
         <p:spPr>
           <a:xfrm>
-            <a:off x="731520" y="365760"/>
-            <a:ext cx="10058400" cy="640080"/>
+            <a:off x="731520" y="274320"/>
+            <a:ext cx="10058400" cy="548640"/>
           </a:xfrm>
           <a:prstGeom prst="rect">
             <a:avLst/>
@@ -3658,7 +3815,7 @@
               </a:defRPr>
             </a:pPr>
             <a:r>
-              <a:t>Frontend &amp; Backend Architecture</a:t>
+              <a:t>Architecture &amp; Data Flow</a:t>
             </a:r>
           </a:p>
         </p:txBody>
@@ -3671,8 +3828,8 @@
         </p:nvSpPr>
         <p:spPr>
           <a:xfrm>
-            <a:off x="731520" y="1371600"/>
-            <a:ext cx="5303520" cy="4846320"/>
+            <a:off x="457200" y="1097280"/>
+            <a:ext cx="3474720" cy="3200400"/>
           </a:xfrm>
           <a:prstGeom prst="roundRect">
             <a:avLst/>
@@ -3714,8 +3871,8 @@
         </p:nvSpPr>
         <p:spPr>
           <a:xfrm>
-            <a:off x="1005840" y="1463040"/>
-            <a:ext cx="4754880" cy="457200"/>
+            <a:off x="640080" y="1188720"/>
+            <a:ext cx="3108960" cy="365760"/>
           </a:xfrm>
           <a:prstGeom prst="rect">
             <a:avLst/>
@@ -3729,7 +3886,7 @@
           <a:lstStyle/>
           <a:p>
             <a:pPr algn="l">
-              <a:defRPr sz="2200" b="1">
+              <a:defRPr sz="1800" b="1">
                 <a:solidFill>
                   <a:srgbClr val="38BDF8"/>
                 </a:solidFill>
@@ -3737,7 +3894,7 @@
               </a:defRPr>
             </a:pPr>
             <a:r>
-              <a:t>Frontend (GUI)</a:t>
+              <a:t>Frontend</a:t>
             </a:r>
           </a:p>
         </p:txBody>
@@ -3750,8 +3907,8 @@
         </p:nvSpPr>
         <p:spPr>
           <a:xfrm>
-            <a:off x="1005840" y="2011680"/>
-            <a:ext cx="4754880" cy="4023360"/>
+            <a:off x="640080" y="1645920"/>
+            <a:ext cx="3108960" cy="2468880"/>
           </a:xfrm>
           <a:prstGeom prst="rect">
             <a:avLst/>
@@ -3764,8 +3921,11 @@
           </a:bodyPr>
           <a:lstStyle/>
           <a:p>
-            <a:pPr algn="l">
-              <a:defRPr sz="1300" b="0">
+            <a:pPr>
+              <a:spcAft>
+                <a:spcPts val="400"/>
+              </a:spcAft>
+              <a:defRPr sz="1100">
                 <a:solidFill>
                   <a:srgbClr val="CBD5E1"/>
                 </a:solidFill>
@@ -3773,53 +3933,116 @@
               </a:defRPr>
             </a:pPr>
             <a:r>
-              <a:t>Technology: Tkinter (Python)</a:t>
-            </a:r>
-            <a:br/>
-            <a:br/>
-            <a:r>
-              <a:t>•  home.py — Main dashboard with navigation buttons</a:t>
-            </a:r>
-            <a:br/>
-            <a:r>
-              <a:t>•  registration.py — Scrollable form with 18 input fields</a:t>
-            </a:r>
-            <a:br/>
-            <a:r>
-              <a:t>     (personal info, travel details, accessibility, health)</a:t>
-            </a:r>
-            <a:br/>
-            <a:r>
-              <a:t>•  feedback_gui.py — Sentiment analysis display</a:t>
-            </a:r>
-            <a:br/>
-            <a:r>
-              <a:t>•  summary_gui.py — Text summarization display</a:t>
-            </a:r>
-            <a:br/>
-            <a:r>
-              <a:t>•  ner_gui.py — Entity extraction display</a:t>
-            </a:r>
-            <a:br/>
-            <a:r>
-              <a:t>•  plot_gui.py — 4-chart visualization dashboard</a:t>
-            </a:r>
-            <a:br/>
-            <a:br/>
-            <a:r>
-              <a:t>Features:</a:t>
-            </a:r>
-            <a:br/>
-            <a:r>
-              <a:t>•  Auto-processing on window open (no extra clicks)</a:t>
-            </a:r>
-            <a:br/>
-            <a:r>
-              <a:t>•  Responsive text areas that resize on maximize</a:t>
-            </a:r>
-            <a:br/>
-            <a:r>
-              <a:t>•  Scrollable registration form for all 18 fields</a:t>
+              <a:t>Tkinter GUI Framework</a:t>
+            </a:r>
+          </a:p>
+          <a:p>
+            <a:pPr>
+              <a:spcAft>
+                <a:spcPts val="400"/>
+              </a:spcAft>
+              <a:defRPr sz="1100">
+                <a:solidFill>
+                  <a:srgbClr val="CBD5E1"/>
+                </a:solidFill>
+                <a:latin typeface="Segoe UI"/>
+              </a:defRPr>
+            </a:pPr>
+          </a:p>
+          <a:p>
+            <a:pPr>
+              <a:spcAft>
+                <a:spcPts val="400"/>
+              </a:spcAft>
+              <a:defRPr sz="1100">
+                <a:solidFill>
+                  <a:srgbClr val="CBD5E1"/>
+                </a:solidFill>
+                <a:latin typeface="Segoe UI"/>
+              </a:defRPr>
+            </a:pPr>
+            <a:r>
+              <a:t>•  home.py - Dashboard</a:t>
+            </a:r>
+          </a:p>
+          <a:p>
+            <a:pPr>
+              <a:spcAft>
+                <a:spcPts val="400"/>
+              </a:spcAft>
+              <a:defRPr sz="1100">
+                <a:solidFill>
+                  <a:srgbClr val="CBD5E1"/>
+                </a:solidFill>
+                <a:latin typeface="Segoe UI"/>
+              </a:defRPr>
+            </a:pPr>
+            <a:r>
+              <a:t>•  registration.py - Entry Form</a:t>
+            </a:r>
+          </a:p>
+          <a:p>
+            <a:pPr>
+              <a:spcAft>
+                <a:spcPts val="400"/>
+              </a:spcAft>
+              <a:defRPr sz="1100">
+                <a:solidFill>
+                  <a:srgbClr val="CBD5E1"/>
+                </a:solidFill>
+                <a:latin typeface="Segoe UI"/>
+              </a:defRPr>
+            </a:pPr>
+            <a:r>
+              <a:t>•  feedback_gui.py - Sentiment</a:t>
+            </a:r>
+          </a:p>
+          <a:p>
+            <a:pPr>
+              <a:spcAft>
+                <a:spcPts val="400"/>
+              </a:spcAft>
+              <a:defRPr sz="1100">
+                <a:solidFill>
+                  <a:srgbClr val="CBD5E1"/>
+                </a:solidFill>
+                <a:latin typeface="Segoe UI"/>
+              </a:defRPr>
+            </a:pPr>
+            <a:r>
+              <a:t>•  summary_gui.py - Summary</a:t>
+            </a:r>
+          </a:p>
+          <a:p>
+            <a:pPr>
+              <a:spcAft>
+                <a:spcPts val="400"/>
+              </a:spcAft>
+              <a:defRPr sz="1100">
+                <a:solidFill>
+                  <a:srgbClr val="CBD5E1"/>
+                </a:solidFill>
+                <a:latin typeface="Segoe UI"/>
+              </a:defRPr>
+            </a:pPr>
+            <a:r>
+              <a:t>•  ner_gui.py - NER</a:t>
+            </a:r>
+          </a:p>
+          <a:p>
+            <a:pPr>
+              <a:spcAft>
+                <a:spcPts val="400"/>
+              </a:spcAft>
+              <a:defRPr sz="1100">
+                <a:solidFill>
+                  <a:srgbClr val="CBD5E1"/>
+                </a:solidFill>
+                <a:latin typeface="Segoe UI"/>
+              </a:defRPr>
+            </a:pPr>
+            <a:r>
+              <a:t>•  plot_gui.py - Visualization</a:t>
             </a:r>
           </a:p>
         </p:txBody>
@@ -3832,8 +4055,8 @@
         </p:nvSpPr>
         <p:spPr>
           <a:xfrm>
-            <a:off x="6309360" y="1371600"/>
-            <a:ext cx="5303520" cy="4846320"/>
+            <a:off x="4206240" y="1097280"/>
+            <a:ext cx="3474720" cy="3200400"/>
           </a:xfrm>
           <a:prstGeom prst="roundRect">
             <a:avLst/>
@@ -3875,8 +4098,8 @@
         </p:nvSpPr>
         <p:spPr>
           <a:xfrm>
-            <a:off x="6583680" y="1463040"/>
-            <a:ext cx="4754880" cy="457200"/>
+            <a:off x="4389120" y="1188720"/>
+            <a:ext cx="3108960" cy="365760"/>
           </a:xfrm>
           <a:prstGeom prst="rect">
             <a:avLst/>
@@ -3890,7 +4113,7 @@
           <a:lstStyle/>
           <a:p>
             <a:pPr algn="l">
-              <a:defRPr sz="2200" b="1">
+              <a:defRPr sz="1800" b="1">
                 <a:solidFill>
                   <a:srgbClr val="22C55E"/>
                 </a:solidFill>
@@ -3898,7 +4121,7 @@
               </a:defRPr>
             </a:pPr>
             <a:r>
-              <a:t>Backend (Data Processing)</a:t>
+              <a:t>Backend</a:t>
             </a:r>
           </a:p>
         </p:txBody>
@@ -3911,8 +4134,8 @@
         </p:nvSpPr>
         <p:spPr>
           <a:xfrm>
-            <a:off x="6583680" y="2011680"/>
-            <a:ext cx="4754880" cy="4023360"/>
+            <a:off x="4389120" y="1645920"/>
+            <a:ext cx="3108960" cy="2468880"/>
           </a:xfrm>
           <a:prstGeom prst="rect">
             <a:avLst/>
@@ -3925,8 +4148,238 @@
           </a:bodyPr>
           <a:lstStyle/>
           <a:p>
+            <a:pPr>
+              <a:spcAft>
+                <a:spcPts val="400"/>
+              </a:spcAft>
+              <a:defRPr sz="1100">
+                <a:solidFill>
+                  <a:srgbClr val="CBD5E1"/>
+                </a:solidFill>
+                <a:latin typeface="Segoe UI"/>
+              </a:defRPr>
+            </a:pPr>
+            <a:r>
+              <a:t>Python Data Processing</a:t>
+            </a:r>
+          </a:p>
+          <a:p>
+            <a:pPr>
+              <a:spcAft>
+                <a:spcPts val="400"/>
+              </a:spcAft>
+              <a:defRPr sz="1100">
+                <a:solidFill>
+                  <a:srgbClr val="CBD5E1"/>
+                </a:solidFill>
+                <a:latin typeface="Segoe UI"/>
+              </a:defRPr>
+            </a:pPr>
+          </a:p>
+          <a:p>
+            <a:pPr>
+              <a:spcAft>
+                <a:spcPts val="400"/>
+              </a:spcAft>
+              <a:defRPr sz="1100">
+                <a:solidFill>
+                  <a:srgbClr val="CBD5E1"/>
+                </a:solidFill>
+                <a:latin typeface="Segoe UI"/>
+              </a:defRPr>
+            </a:pPr>
+            <a:r>
+              <a:t>•  Pandas - CSV I/O</a:t>
+            </a:r>
+          </a:p>
+          <a:p>
+            <a:pPr>
+              <a:spcAft>
+                <a:spcPts val="400"/>
+              </a:spcAft>
+              <a:defRPr sz="1100">
+                <a:solidFill>
+                  <a:srgbClr val="CBD5E1"/>
+                </a:solidFill>
+                <a:latin typeface="Segoe UI"/>
+              </a:defRPr>
+            </a:pPr>
+            <a:r>
+              <a:t>•  TextBlob - Sentiment</a:t>
+            </a:r>
+          </a:p>
+          <a:p>
+            <a:pPr>
+              <a:spcAft>
+                <a:spcPts val="400"/>
+              </a:spcAft>
+              <a:defRPr sz="1100">
+                <a:solidFill>
+                  <a:srgbClr val="CBD5E1"/>
+                </a:solidFill>
+                <a:latin typeface="Segoe UI"/>
+              </a:defRPr>
+            </a:pPr>
+            <a:r>
+              <a:t>•  SpaCy - NER</a:t>
+            </a:r>
+          </a:p>
+          <a:p>
+            <a:pPr>
+              <a:spcAft>
+                <a:spcPts val="400"/>
+              </a:spcAft>
+              <a:defRPr sz="1100">
+                <a:solidFill>
+                  <a:srgbClr val="CBD5E1"/>
+                </a:solidFill>
+                <a:latin typeface="Segoe UI"/>
+              </a:defRPr>
+            </a:pPr>
+            <a:r>
+              <a:t>•  Regex - Passport Extract</a:t>
+            </a:r>
+          </a:p>
+          <a:p>
+            <a:pPr>
+              <a:spcAft>
+                <a:spcPts val="400"/>
+              </a:spcAft>
+              <a:defRPr sz="1100">
+                <a:solidFill>
+                  <a:srgbClr val="CBD5E1"/>
+                </a:solidFill>
+                <a:latin typeface="Segoe UI"/>
+              </a:defRPr>
+            </a:pPr>
+            <a:r>
+              <a:t>•  Matplotlib - Charts</a:t>
+            </a:r>
+          </a:p>
+          <a:p>
+            <a:pPr>
+              <a:spcAft>
+                <a:spcPts val="400"/>
+              </a:spcAft>
+              <a:defRPr sz="1100">
+                <a:solidFill>
+                  <a:srgbClr val="CBD5E1"/>
+                </a:solidFill>
+                <a:latin typeface="Segoe UI"/>
+              </a:defRPr>
+            </a:pPr>
+            <a:r>
+              <a:t>•  NumPy - Numerical</a:t>
+            </a:r>
+          </a:p>
+        </p:txBody>
+      </p:sp>
+      <p:sp>
+        <p:nvSpPr>
+          <p:cNvPr id="9" name="Rounded Rectangle 8"/>
+          <p:cNvSpPr/>
+          <p:nvPr/>
+        </p:nvSpPr>
+        <p:spPr>
+          <a:xfrm>
+            <a:off x="7955279" y="1097280"/>
+            <a:ext cx="3840480" cy="3200400"/>
+          </a:xfrm>
+          <a:prstGeom prst="roundRect">
+            <a:avLst/>
+          </a:prstGeom>
+          <a:solidFill>
+            <a:srgbClr val="0F172A"/>
+          </a:solidFill>
+          <a:ln>
+            <a:noFill/>
+          </a:ln>
+        </p:spPr>
+        <p:style>
+          <a:lnRef idx="1">
+            <a:schemeClr val="accent1"/>
+          </a:lnRef>
+          <a:fillRef idx="3">
+            <a:schemeClr val="accent1"/>
+          </a:fillRef>
+          <a:effectRef idx="2">
+            <a:schemeClr val="accent1"/>
+          </a:effectRef>
+          <a:fontRef idx="minor">
+            <a:schemeClr val="lt1"/>
+          </a:fontRef>
+        </p:style>
+        <p:txBody>
+          <a:bodyPr rtlCol="0" anchor="ctr"/>
+          <a:lstStyle/>
+          <a:p>
+            <a:pPr algn="ctr"/>
+          </a:p>
+        </p:txBody>
+      </p:sp>
+      <p:sp>
+        <p:nvSpPr>
+          <p:cNvPr id="10" name="TextBox 9"/>
+          <p:cNvSpPr txBox="1"/>
+          <p:nvPr/>
+        </p:nvSpPr>
+        <p:spPr>
+          <a:xfrm>
+            <a:off x="8138160" y="1188720"/>
+            <a:ext cx="3474720" cy="365760"/>
+          </a:xfrm>
+          <a:prstGeom prst="rect">
+            <a:avLst/>
+          </a:prstGeom>
+          <a:noFill/>
+        </p:spPr>
+        <p:txBody>
+          <a:bodyPr wrap="square">
+            <a:spAutoFit/>
+          </a:bodyPr>
+          <a:lstStyle/>
+          <a:p>
             <a:pPr algn="l">
-              <a:defRPr sz="1300" b="0">
+              <a:defRPr sz="1800" b="1">
+                <a:solidFill>
+                  <a:srgbClr val="A855F7"/>
+                </a:solidFill>
+                <a:latin typeface="Segoe UI"/>
+              </a:defRPr>
+            </a:pPr>
+            <a:r>
+              <a:t>Data Flow Pipeline</a:t>
+            </a:r>
+          </a:p>
+        </p:txBody>
+      </p:sp>
+      <p:sp>
+        <p:nvSpPr>
+          <p:cNvPr id="11" name="TextBox 10"/>
+          <p:cNvSpPr txBox="1"/>
+          <p:nvPr/>
+        </p:nvSpPr>
+        <p:spPr>
+          <a:xfrm>
+            <a:off x="8138160" y="1645920"/>
+            <a:ext cx="3474720" cy="2468880"/>
+          </a:xfrm>
+          <a:prstGeom prst="rect">
+            <a:avLst/>
+          </a:prstGeom>
+          <a:noFill/>
+        </p:spPr>
+        <p:txBody>
+          <a:bodyPr wrap="square">
+            <a:spAutoFit/>
+          </a:bodyPr>
+          <a:lstStyle/>
+          <a:p>
+            <a:pPr>
+              <a:spcAft>
+                <a:spcPts val="400"/>
+              </a:spcAft>
+              <a:defRPr sz="1100">
                 <a:solidFill>
                   <a:srgbClr val="CBD5E1"/>
                 </a:solidFill>
@@ -3934,53 +4387,846 @@
               </a:defRPr>
             </a:pPr>
             <a:r>
-              <a:t>Technologies:</a:t>
-            </a:r>
-            <a:br/>
-            <a:br/>
-            <a:r>
-              <a:t>•  Pandas — Data manipulation &amp; CSV I/O</a:t>
-            </a:r>
-            <a:br/>
-            <a:r>
-              <a:t>•  TextBlob — Sentiment analysis (Positive/Negative/Neutral)</a:t>
-            </a:r>
-            <a:br/>
-            <a:r>
-              <a:t>•  SpaCy (en_core_web_sm) — Named Entity Recognition</a:t>
-            </a:r>
-            <a:br/>
-            <a:r>
-              <a:t>•  Regex — Passport number extraction</a:t>
-            </a:r>
-            <a:br/>
-            <a:r>
-              <a:t>•  Matplotlib — Data visualization (4 plot types)</a:t>
-            </a:r>
-            <a:br/>
-            <a:r>
-              <a:t>•  NumPy — Numerical computing</a:t>
-            </a:r>
-            <a:br/>
-            <a:br/>
-            <a:r>
-              <a:t>Data Pipeline:</a:t>
-            </a:r>
-            <a:br/>
-            <a:r>
-              <a:t>•  Registration → passenger_registration.csv</a:t>
-            </a:r>
-            <a:br/>
-            <a:r>
-              <a:t>•  Feedback → sentiment_analysis.csv</a:t>
-            </a:r>
-            <a:br/>
-            <a:r>
-              <a:t>•  Summary → feedback_summary.csv</a:t>
-            </a:r>
-            <a:br/>
-            <a:r>
-              <a:t>•  NER → entity_extraction.csv</a:t>
+              <a:t>Registration Form</a:t>
+            </a:r>
+          </a:p>
+          <a:p>
+            <a:pPr>
+              <a:spcAft>
+                <a:spcPts val="400"/>
+              </a:spcAft>
+              <a:defRPr sz="1100">
+                <a:solidFill>
+                  <a:srgbClr val="CBD5E1"/>
+                </a:solidFill>
+                <a:latin typeface="Segoe UI"/>
+              </a:defRPr>
+            </a:pPr>
+            <a:r>
+              <a:t>      ↓</a:t>
+            </a:r>
+          </a:p>
+          <a:p>
+            <a:pPr>
+              <a:spcAft>
+                <a:spcPts val="400"/>
+              </a:spcAft>
+              <a:defRPr sz="1100">
+                <a:solidFill>
+                  <a:srgbClr val="CBD5E1"/>
+                </a:solidFill>
+                <a:latin typeface="Segoe UI"/>
+              </a:defRPr>
+            </a:pPr>
+            <a:r>
+              <a:t>passenger_registration.csv</a:t>
+            </a:r>
+          </a:p>
+          <a:p>
+            <a:pPr>
+              <a:spcAft>
+                <a:spcPts val="400"/>
+              </a:spcAft>
+              <a:defRPr sz="1100">
+                <a:solidFill>
+                  <a:srgbClr val="CBD5E1"/>
+                </a:solidFill>
+                <a:latin typeface="Segoe UI"/>
+              </a:defRPr>
+            </a:pPr>
+            <a:r>
+              <a:t>      ↓</a:t>
+            </a:r>
+          </a:p>
+          <a:p>
+            <a:pPr>
+              <a:spcAft>
+                <a:spcPts val="400"/>
+              </a:spcAft>
+              <a:defRPr sz="1100">
+                <a:solidFill>
+                  <a:srgbClr val="CBD5E1"/>
+                </a:solidFill>
+                <a:latin typeface="Segoe UI"/>
+              </a:defRPr>
+            </a:pPr>
+            <a:r>
+              <a:t>  → sentiment_analysis.csv</a:t>
+            </a:r>
+          </a:p>
+          <a:p>
+            <a:pPr>
+              <a:spcAft>
+                <a:spcPts val="400"/>
+              </a:spcAft>
+              <a:defRPr sz="1100">
+                <a:solidFill>
+                  <a:srgbClr val="CBD5E1"/>
+                </a:solidFill>
+                <a:latin typeface="Segoe UI"/>
+              </a:defRPr>
+            </a:pPr>
+            <a:r>
+              <a:t>  → feedback_summary.csv</a:t>
+            </a:r>
+          </a:p>
+          <a:p>
+            <a:pPr>
+              <a:spcAft>
+                <a:spcPts val="400"/>
+              </a:spcAft>
+              <a:defRPr sz="1100">
+                <a:solidFill>
+                  <a:srgbClr val="CBD5E1"/>
+                </a:solidFill>
+                <a:latin typeface="Segoe UI"/>
+              </a:defRPr>
+            </a:pPr>
+            <a:r>
+              <a:t>  → entity_extraction.csv</a:t>
+            </a:r>
+          </a:p>
+          <a:p>
+            <a:pPr>
+              <a:spcAft>
+                <a:spcPts val="400"/>
+              </a:spcAft>
+              <a:defRPr sz="1100">
+                <a:solidFill>
+                  <a:srgbClr val="CBD5E1"/>
+                </a:solidFill>
+                <a:latin typeface="Segoe UI"/>
+              </a:defRPr>
+            </a:pPr>
+            <a:r>
+              <a:t>      ↓</a:t>
+            </a:r>
+          </a:p>
+          <a:p>
+            <a:pPr>
+              <a:spcAft>
+                <a:spcPts val="400"/>
+              </a:spcAft>
+              <a:defRPr sz="1100">
+                <a:solidFill>
+                  <a:srgbClr val="CBD5E1"/>
+                </a:solidFill>
+                <a:latin typeface="Segoe UI"/>
+              </a:defRPr>
+            </a:pPr>
+            <a:r>
+              <a:t>Visual Insights (4 Plots)</a:t>
+            </a:r>
+          </a:p>
+        </p:txBody>
+      </p:sp>
+      <p:sp>
+        <p:nvSpPr>
+          <p:cNvPr id="12" name="Rounded Rectangle 11"/>
+          <p:cNvSpPr/>
+          <p:nvPr/>
+        </p:nvSpPr>
+        <p:spPr>
+          <a:xfrm>
+            <a:off x="457200" y="4572000"/>
+            <a:ext cx="11338560" cy="1920240"/>
+          </a:xfrm>
+          <a:prstGeom prst="roundRect">
+            <a:avLst/>
+          </a:prstGeom>
+          <a:solidFill>
+            <a:srgbClr val="0F172A"/>
+          </a:solidFill>
+          <a:ln>
+            <a:noFill/>
+          </a:ln>
+        </p:spPr>
+        <p:style>
+          <a:lnRef idx="1">
+            <a:schemeClr val="accent1"/>
+          </a:lnRef>
+          <a:fillRef idx="3">
+            <a:schemeClr val="accent1"/>
+          </a:fillRef>
+          <a:effectRef idx="2">
+            <a:schemeClr val="accent1"/>
+          </a:effectRef>
+          <a:fontRef idx="minor">
+            <a:schemeClr val="lt1"/>
+          </a:fontRef>
+        </p:style>
+        <p:txBody>
+          <a:bodyPr rtlCol="0" anchor="ctr"/>
+          <a:lstStyle/>
+          <a:p>
+            <a:pPr algn="ctr"/>
+          </a:p>
+        </p:txBody>
+      </p:sp>
+      <p:sp>
+        <p:nvSpPr>
+          <p:cNvPr id="13" name="TextBox 12"/>
+          <p:cNvSpPr txBox="1"/>
+          <p:nvPr/>
+        </p:nvSpPr>
+        <p:spPr>
+          <a:xfrm>
+            <a:off x="731520" y="4663440"/>
+            <a:ext cx="10058400" cy="365760"/>
+          </a:xfrm>
+          <a:prstGeom prst="rect">
+            <a:avLst/>
+          </a:prstGeom>
+          <a:noFill/>
+        </p:spPr>
+        <p:txBody>
+          <a:bodyPr wrap="square">
+            <a:spAutoFit/>
+          </a:bodyPr>
+          <a:lstStyle/>
+          <a:p>
+            <a:pPr algn="l">
+              <a:defRPr sz="1800" b="1">
+                <a:solidFill>
+                  <a:srgbClr val="FB923C"/>
+                </a:solidFill>
+                <a:latin typeface="Segoe UI"/>
+              </a:defRPr>
+            </a:pPr>
+            <a:r>
+              <a:t>Tech Stack</a:t>
+            </a:r>
+          </a:p>
+        </p:txBody>
+      </p:sp>
+      <p:sp>
+        <p:nvSpPr>
+          <p:cNvPr id="14" name="Rounded Rectangle 13"/>
+          <p:cNvSpPr/>
+          <p:nvPr/>
+        </p:nvSpPr>
+        <p:spPr>
+          <a:xfrm>
+            <a:off x="731520" y="5212080"/>
+            <a:ext cx="1234440" cy="457200"/>
+          </a:xfrm>
+          <a:prstGeom prst="roundRect">
+            <a:avLst/>
+          </a:prstGeom>
+          <a:solidFill>
+            <a:srgbClr val="162134"/>
+          </a:solidFill>
+          <a:ln>
+            <a:noFill/>
+          </a:ln>
+        </p:spPr>
+        <p:style>
+          <a:lnRef idx="1">
+            <a:schemeClr val="accent1"/>
+          </a:lnRef>
+          <a:fillRef idx="3">
+            <a:schemeClr val="accent1"/>
+          </a:fillRef>
+          <a:effectRef idx="2">
+            <a:schemeClr val="accent1"/>
+          </a:effectRef>
+          <a:fontRef idx="minor">
+            <a:schemeClr val="lt1"/>
+          </a:fontRef>
+        </p:style>
+        <p:txBody>
+          <a:bodyPr rtlCol="0" anchor="ctr"/>
+          <a:lstStyle/>
+          <a:p>
+            <a:pPr algn="ctr"/>
+          </a:p>
+        </p:txBody>
+      </p:sp>
+      <p:sp>
+        <p:nvSpPr>
+          <p:cNvPr id="15" name="TextBox 14"/>
+          <p:cNvSpPr txBox="1"/>
+          <p:nvPr/>
+        </p:nvSpPr>
+        <p:spPr>
+          <a:xfrm>
+            <a:off x="731520" y="5257800"/>
+            <a:ext cx="1234440" cy="365760"/>
+          </a:xfrm>
+          <a:prstGeom prst="rect">
+            <a:avLst/>
+          </a:prstGeom>
+          <a:noFill/>
+        </p:spPr>
+        <p:txBody>
+          <a:bodyPr wrap="square">
+            <a:spAutoFit/>
+          </a:bodyPr>
+          <a:lstStyle/>
+          <a:p>
+            <a:pPr algn="ctr">
+              <a:defRPr sz="1100" b="1">
+                <a:solidFill>
+                  <a:srgbClr val="38BDF8"/>
+                </a:solidFill>
+                <a:latin typeface="Segoe UI"/>
+              </a:defRPr>
+            </a:pPr>
+            <a:r>
+              <a:t>Python 3.13</a:t>
+            </a:r>
+          </a:p>
+        </p:txBody>
+      </p:sp>
+      <p:sp>
+        <p:nvSpPr>
+          <p:cNvPr id="16" name="Rounded Rectangle 15"/>
+          <p:cNvSpPr/>
+          <p:nvPr/>
+        </p:nvSpPr>
+        <p:spPr>
+          <a:xfrm>
+            <a:off x="2148840" y="5212080"/>
+            <a:ext cx="1234440" cy="457200"/>
+          </a:xfrm>
+          <a:prstGeom prst="roundRect">
+            <a:avLst/>
+          </a:prstGeom>
+          <a:solidFill>
+            <a:srgbClr val="162134"/>
+          </a:solidFill>
+          <a:ln>
+            <a:noFill/>
+          </a:ln>
+        </p:spPr>
+        <p:style>
+          <a:lnRef idx="1">
+            <a:schemeClr val="accent1"/>
+          </a:lnRef>
+          <a:fillRef idx="3">
+            <a:schemeClr val="accent1"/>
+          </a:fillRef>
+          <a:effectRef idx="2">
+            <a:schemeClr val="accent1"/>
+          </a:effectRef>
+          <a:fontRef idx="minor">
+            <a:schemeClr val="lt1"/>
+          </a:fontRef>
+        </p:style>
+        <p:txBody>
+          <a:bodyPr rtlCol="0" anchor="ctr"/>
+          <a:lstStyle/>
+          <a:p>
+            <a:pPr algn="ctr"/>
+          </a:p>
+        </p:txBody>
+      </p:sp>
+      <p:sp>
+        <p:nvSpPr>
+          <p:cNvPr id="17" name="TextBox 16"/>
+          <p:cNvSpPr txBox="1"/>
+          <p:nvPr/>
+        </p:nvSpPr>
+        <p:spPr>
+          <a:xfrm>
+            <a:off x="2148840" y="5257800"/>
+            <a:ext cx="1234440" cy="365760"/>
+          </a:xfrm>
+          <a:prstGeom prst="rect">
+            <a:avLst/>
+          </a:prstGeom>
+          <a:noFill/>
+        </p:spPr>
+        <p:txBody>
+          <a:bodyPr wrap="square">
+            <a:spAutoFit/>
+          </a:bodyPr>
+          <a:lstStyle/>
+          <a:p>
+            <a:pPr algn="ctr">
+              <a:defRPr sz="1100" b="1">
+                <a:solidFill>
+                  <a:srgbClr val="22C55E"/>
+                </a:solidFill>
+                <a:latin typeface="Segoe UI"/>
+              </a:defRPr>
+            </a:pPr>
+            <a:r>
+              <a:t>Tkinter</a:t>
+            </a:r>
+          </a:p>
+        </p:txBody>
+      </p:sp>
+      <p:sp>
+        <p:nvSpPr>
+          <p:cNvPr id="18" name="Rounded Rectangle 17"/>
+          <p:cNvSpPr/>
+          <p:nvPr/>
+        </p:nvSpPr>
+        <p:spPr>
+          <a:xfrm>
+            <a:off x="3566160" y="5212080"/>
+            <a:ext cx="1234440" cy="457200"/>
+          </a:xfrm>
+          <a:prstGeom prst="roundRect">
+            <a:avLst/>
+          </a:prstGeom>
+          <a:solidFill>
+            <a:srgbClr val="162134"/>
+          </a:solidFill>
+          <a:ln>
+            <a:noFill/>
+          </a:ln>
+        </p:spPr>
+        <p:style>
+          <a:lnRef idx="1">
+            <a:schemeClr val="accent1"/>
+          </a:lnRef>
+          <a:fillRef idx="3">
+            <a:schemeClr val="accent1"/>
+          </a:fillRef>
+          <a:effectRef idx="2">
+            <a:schemeClr val="accent1"/>
+          </a:effectRef>
+          <a:fontRef idx="minor">
+            <a:schemeClr val="lt1"/>
+          </a:fontRef>
+        </p:style>
+        <p:txBody>
+          <a:bodyPr rtlCol="0" anchor="ctr"/>
+          <a:lstStyle/>
+          <a:p>
+            <a:pPr algn="ctr"/>
+          </a:p>
+        </p:txBody>
+      </p:sp>
+      <p:sp>
+        <p:nvSpPr>
+          <p:cNvPr id="19" name="TextBox 18"/>
+          <p:cNvSpPr txBox="1"/>
+          <p:nvPr/>
+        </p:nvSpPr>
+        <p:spPr>
+          <a:xfrm>
+            <a:off x="3566160" y="5257800"/>
+            <a:ext cx="1234440" cy="365760"/>
+          </a:xfrm>
+          <a:prstGeom prst="rect">
+            <a:avLst/>
+          </a:prstGeom>
+          <a:noFill/>
+        </p:spPr>
+        <p:txBody>
+          <a:bodyPr wrap="square">
+            <a:spAutoFit/>
+          </a:bodyPr>
+          <a:lstStyle/>
+          <a:p>
+            <a:pPr algn="ctr">
+              <a:defRPr sz="1100" b="1">
+                <a:solidFill>
+                  <a:srgbClr val="FB923C"/>
+                </a:solidFill>
+                <a:latin typeface="Segoe UI"/>
+              </a:defRPr>
+            </a:pPr>
+            <a:r>
+              <a:t>Pandas</a:t>
+            </a:r>
+          </a:p>
+        </p:txBody>
+      </p:sp>
+      <p:sp>
+        <p:nvSpPr>
+          <p:cNvPr id="20" name="Rounded Rectangle 19"/>
+          <p:cNvSpPr/>
+          <p:nvPr/>
+        </p:nvSpPr>
+        <p:spPr>
+          <a:xfrm>
+            <a:off x="4983480" y="5212080"/>
+            <a:ext cx="1234440" cy="457200"/>
+          </a:xfrm>
+          <a:prstGeom prst="roundRect">
+            <a:avLst/>
+          </a:prstGeom>
+          <a:solidFill>
+            <a:srgbClr val="162134"/>
+          </a:solidFill>
+          <a:ln>
+            <a:noFill/>
+          </a:ln>
+        </p:spPr>
+        <p:style>
+          <a:lnRef idx="1">
+            <a:schemeClr val="accent1"/>
+          </a:lnRef>
+          <a:fillRef idx="3">
+            <a:schemeClr val="accent1"/>
+          </a:fillRef>
+          <a:effectRef idx="2">
+            <a:schemeClr val="accent1"/>
+          </a:effectRef>
+          <a:fontRef idx="minor">
+            <a:schemeClr val="lt1"/>
+          </a:fontRef>
+        </p:style>
+        <p:txBody>
+          <a:bodyPr rtlCol="0" anchor="ctr"/>
+          <a:lstStyle/>
+          <a:p>
+            <a:pPr algn="ctr"/>
+          </a:p>
+        </p:txBody>
+      </p:sp>
+      <p:sp>
+        <p:nvSpPr>
+          <p:cNvPr id="21" name="TextBox 20"/>
+          <p:cNvSpPr txBox="1"/>
+          <p:nvPr/>
+        </p:nvSpPr>
+        <p:spPr>
+          <a:xfrm>
+            <a:off x="4983480" y="5257800"/>
+            <a:ext cx="1234440" cy="365760"/>
+          </a:xfrm>
+          <a:prstGeom prst="rect">
+            <a:avLst/>
+          </a:prstGeom>
+          <a:noFill/>
+        </p:spPr>
+        <p:txBody>
+          <a:bodyPr wrap="square">
+            <a:spAutoFit/>
+          </a:bodyPr>
+          <a:lstStyle/>
+          <a:p>
+            <a:pPr algn="ctr">
+              <a:defRPr sz="1100" b="1">
+                <a:solidFill>
+                  <a:srgbClr val="A855F7"/>
+                </a:solidFill>
+                <a:latin typeface="Segoe UI"/>
+              </a:defRPr>
+            </a:pPr>
+            <a:r>
+              <a:t>Matplotlib</a:t>
+            </a:r>
+          </a:p>
+        </p:txBody>
+      </p:sp>
+      <p:sp>
+        <p:nvSpPr>
+          <p:cNvPr id="22" name="Rounded Rectangle 21"/>
+          <p:cNvSpPr/>
+          <p:nvPr/>
+        </p:nvSpPr>
+        <p:spPr>
+          <a:xfrm>
+            <a:off x="6400800" y="5212080"/>
+            <a:ext cx="1234440" cy="457200"/>
+          </a:xfrm>
+          <a:prstGeom prst="roundRect">
+            <a:avLst/>
+          </a:prstGeom>
+          <a:solidFill>
+            <a:srgbClr val="162134"/>
+          </a:solidFill>
+          <a:ln>
+            <a:noFill/>
+          </a:ln>
+        </p:spPr>
+        <p:style>
+          <a:lnRef idx="1">
+            <a:schemeClr val="accent1"/>
+          </a:lnRef>
+          <a:fillRef idx="3">
+            <a:schemeClr val="accent1"/>
+          </a:fillRef>
+          <a:effectRef idx="2">
+            <a:schemeClr val="accent1"/>
+          </a:effectRef>
+          <a:fontRef idx="minor">
+            <a:schemeClr val="lt1"/>
+          </a:fontRef>
+        </p:style>
+        <p:txBody>
+          <a:bodyPr rtlCol="0" anchor="ctr"/>
+          <a:lstStyle/>
+          <a:p>
+            <a:pPr algn="ctr"/>
+          </a:p>
+        </p:txBody>
+      </p:sp>
+      <p:sp>
+        <p:nvSpPr>
+          <p:cNvPr id="23" name="TextBox 22"/>
+          <p:cNvSpPr txBox="1"/>
+          <p:nvPr/>
+        </p:nvSpPr>
+        <p:spPr>
+          <a:xfrm>
+            <a:off x="6400800" y="5257800"/>
+            <a:ext cx="1234440" cy="365760"/>
+          </a:xfrm>
+          <a:prstGeom prst="rect">
+            <a:avLst/>
+          </a:prstGeom>
+          <a:noFill/>
+        </p:spPr>
+        <p:txBody>
+          <a:bodyPr wrap="square">
+            <a:spAutoFit/>
+          </a:bodyPr>
+          <a:lstStyle/>
+          <a:p>
+            <a:pPr algn="ctr">
+              <a:defRPr sz="1100" b="1">
+                <a:solidFill>
+                  <a:srgbClr val="EF4444"/>
+                </a:solidFill>
+                <a:latin typeface="Segoe UI"/>
+              </a:defRPr>
+            </a:pPr>
+            <a:r>
+              <a:t>SpaCy</a:t>
+            </a:r>
+          </a:p>
+        </p:txBody>
+      </p:sp>
+      <p:sp>
+        <p:nvSpPr>
+          <p:cNvPr id="24" name="Rounded Rectangle 23"/>
+          <p:cNvSpPr/>
+          <p:nvPr/>
+        </p:nvSpPr>
+        <p:spPr>
+          <a:xfrm>
+            <a:off x="7818120" y="5212080"/>
+            <a:ext cx="1234440" cy="457200"/>
+          </a:xfrm>
+          <a:prstGeom prst="roundRect">
+            <a:avLst/>
+          </a:prstGeom>
+          <a:solidFill>
+            <a:srgbClr val="162134"/>
+          </a:solidFill>
+          <a:ln>
+            <a:noFill/>
+          </a:ln>
+        </p:spPr>
+        <p:style>
+          <a:lnRef idx="1">
+            <a:schemeClr val="accent1"/>
+          </a:lnRef>
+          <a:fillRef idx="3">
+            <a:schemeClr val="accent1"/>
+          </a:fillRef>
+          <a:effectRef idx="2">
+            <a:schemeClr val="accent1"/>
+          </a:effectRef>
+          <a:fontRef idx="minor">
+            <a:schemeClr val="lt1"/>
+          </a:fontRef>
+        </p:style>
+        <p:txBody>
+          <a:bodyPr rtlCol="0" anchor="ctr"/>
+          <a:lstStyle/>
+          <a:p>
+            <a:pPr algn="ctr"/>
+          </a:p>
+        </p:txBody>
+      </p:sp>
+      <p:sp>
+        <p:nvSpPr>
+          <p:cNvPr id="25" name="TextBox 24"/>
+          <p:cNvSpPr txBox="1"/>
+          <p:nvPr/>
+        </p:nvSpPr>
+        <p:spPr>
+          <a:xfrm>
+            <a:off x="7818120" y="5257800"/>
+            <a:ext cx="1234440" cy="365760"/>
+          </a:xfrm>
+          <a:prstGeom prst="rect">
+            <a:avLst/>
+          </a:prstGeom>
+          <a:noFill/>
+        </p:spPr>
+        <p:txBody>
+          <a:bodyPr wrap="square">
+            <a:spAutoFit/>
+          </a:bodyPr>
+          <a:lstStyle/>
+          <a:p>
+            <a:pPr algn="ctr">
+              <a:defRPr sz="1100" b="1">
+                <a:solidFill>
+                  <a:srgbClr val="38BDF8"/>
+                </a:solidFill>
+                <a:latin typeface="Segoe UI"/>
+              </a:defRPr>
+            </a:pPr>
+            <a:r>
+              <a:t>TextBlob</a:t>
+            </a:r>
+          </a:p>
+        </p:txBody>
+      </p:sp>
+      <p:sp>
+        <p:nvSpPr>
+          <p:cNvPr id="26" name="Rounded Rectangle 25"/>
+          <p:cNvSpPr/>
+          <p:nvPr/>
+        </p:nvSpPr>
+        <p:spPr>
+          <a:xfrm>
+            <a:off x="9235440" y="5212080"/>
+            <a:ext cx="1234440" cy="457200"/>
+          </a:xfrm>
+          <a:prstGeom prst="roundRect">
+            <a:avLst/>
+          </a:prstGeom>
+          <a:solidFill>
+            <a:srgbClr val="162134"/>
+          </a:solidFill>
+          <a:ln>
+            <a:noFill/>
+          </a:ln>
+        </p:spPr>
+        <p:style>
+          <a:lnRef idx="1">
+            <a:schemeClr val="accent1"/>
+          </a:lnRef>
+          <a:fillRef idx="3">
+            <a:schemeClr val="accent1"/>
+          </a:fillRef>
+          <a:effectRef idx="2">
+            <a:schemeClr val="accent1"/>
+          </a:effectRef>
+          <a:fontRef idx="minor">
+            <a:schemeClr val="lt1"/>
+          </a:fontRef>
+        </p:style>
+        <p:txBody>
+          <a:bodyPr rtlCol="0" anchor="ctr"/>
+          <a:lstStyle/>
+          <a:p>
+            <a:pPr algn="ctr"/>
+          </a:p>
+        </p:txBody>
+      </p:sp>
+      <p:sp>
+        <p:nvSpPr>
+          <p:cNvPr id="27" name="TextBox 26"/>
+          <p:cNvSpPr txBox="1"/>
+          <p:nvPr/>
+        </p:nvSpPr>
+        <p:spPr>
+          <a:xfrm>
+            <a:off x="9235440" y="5257800"/>
+            <a:ext cx="1234440" cy="365760"/>
+          </a:xfrm>
+          <a:prstGeom prst="rect">
+            <a:avLst/>
+          </a:prstGeom>
+          <a:noFill/>
+        </p:spPr>
+        <p:txBody>
+          <a:bodyPr wrap="square">
+            <a:spAutoFit/>
+          </a:bodyPr>
+          <a:lstStyle/>
+          <a:p>
+            <a:pPr algn="ctr">
+              <a:defRPr sz="1100" b="1">
+                <a:solidFill>
+                  <a:srgbClr val="22C55E"/>
+                </a:solidFill>
+                <a:latin typeface="Segoe UI"/>
+              </a:defRPr>
+            </a:pPr>
+            <a:r>
+              <a:t>NumPy</a:t>
+            </a:r>
+          </a:p>
+        </p:txBody>
+      </p:sp>
+      <p:sp>
+        <p:nvSpPr>
+          <p:cNvPr id="28" name="Rounded Rectangle 27"/>
+          <p:cNvSpPr/>
+          <p:nvPr/>
+        </p:nvSpPr>
+        <p:spPr>
+          <a:xfrm>
+            <a:off x="10652760" y="5212080"/>
+            <a:ext cx="1234440" cy="457200"/>
+          </a:xfrm>
+          <a:prstGeom prst="roundRect">
+            <a:avLst/>
+          </a:prstGeom>
+          <a:solidFill>
+            <a:srgbClr val="162134"/>
+          </a:solidFill>
+          <a:ln>
+            <a:noFill/>
+          </a:ln>
+        </p:spPr>
+        <p:style>
+          <a:lnRef idx="1">
+            <a:schemeClr val="accent1"/>
+          </a:lnRef>
+          <a:fillRef idx="3">
+            <a:schemeClr val="accent1"/>
+          </a:fillRef>
+          <a:effectRef idx="2">
+            <a:schemeClr val="accent1"/>
+          </a:effectRef>
+          <a:fontRef idx="minor">
+            <a:schemeClr val="lt1"/>
+          </a:fontRef>
+        </p:style>
+        <p:txBody>
+          <a:bodyPr rtlCol="0" anchor="ctr"/>
+          <a:lstStyle/>
+          <a:p>
+            <a:pPr algn="ctr"/>
+          </a:p>
+        </p:txBody>
+      </p:sp>
+      <p:sp>
+        <p:nvSpPr>
+          <p:cNvPr id="29" name="TextBox 28"/>
+          <p:cNvSpPr txBox="1"/>
+          <p:nvPr/>
+        </p:nvSpPr>
+        <p:spPr>
+          <a:xfrm>
+            <a:off x="10652760" y="5257800"/>
+            <a:ext cx="1234440" cy="365760"/>
+          </a:xfrm>
+          <a:prstGeom prst="rect">
+            <a:avLst/>
+          </a:prstGeom>
+          <a:noFill/>
+        </p:spPr>
+        <p:txBody>
+          <a:bodyPr wrap="square">
+            <a:spAutoFit/>
+          </a:bodyPr>
+          <a:lstStyle/>
+          <a:p>
+            <a:pPr algn="ctr">
+              <a:defRPr sz="1100" b="1">
+                <a:solidFill>
+                  <a:srgbClr val="FB923C"/>
+                </a:solidFill>
+                <a:latin typeface="Segoe UI"/>
+              </a:defRPr>
+            </a:pPr>
+            <a:r>
+              <a:t>Git</a:t>
             </a:r>
           </a:p>
         </p:txBody>
@@ -4019,8 +5265,8 @@
         </p:nvSpPr>
         <p:spPr>
           <a:xfrm>
-            <a:off x="731520" y="365760"/>
-            <a:ext cx="10058400" cy="640080"/>
+            <a:off x="731520" y="274320"/>
+            <a:ext cx="10058400" cy="548640"/>
           </a:xfrm>
           <a:prstGeom prst="rect">
             <a:avLst/>
@@ -4049,57 +5295,14 @@
       </p:sp>
       <p:sp>
         <p:nvSpPr>
-          <p:cNvPr id="3" name="Rounded Rectangle 2"/>
-          <p:cNvSpPr/>
-          <p:nvPr/>
-        </p:nvSpPr>
-        <p:spPr>
-          <a:xfrm>
-            <a:off x="457200" y="1188720"/>
-            <a:ext cx="5577840" cy="2560320"/>
-          </a:xfrm>
-          <a:prstGeom prst="roundRect">
-            <a:avLst/>
-          </a:prstGeom>
-          <a:solidFill>
-            <a:srgbClr val="0F172A"/>
-          </a:solidFill>
-          <a:ln>
-            <a:noFill/>
-          </a:ln>
-        </p:spPr>
-        <p:style>
-          <a:lnRef idx="1">
-            <a:schemeClr val="accent1"/>
-          </a:lnRef>
-          <a:fillRef idx="3">
-            <a:schemeClr val="accent1"/>
-          </a:fillRef>
-          <a:effectRef idx="2">
-            <a:schemeClr val="accent1"/>
-          </a:effectRef>
-          <a:fontRef idx="minor">
-            <a:schemeClr val="lt1"/>
-          </a:fontRef>
-        </p:style>
-        <p:txBody>
-          <a:bodyPr rtlCol="0" anchor="ctr"/>
-          <a:lstStyle/>
-          <a:p>
-            <a:pPr algn="ctr"/>
-          </a:p>
-        </p:txBody>
-      </p:sp>
-      <p:sp>
-        <p:nvSpPr>
-          <p:cNvPr id="4" name="TextBox 3"/>
+          <p:cNvPr id="3" name="TextBox 2"/>
           <p:cNvSpPr txBox="1"/>
           <p:nvPr/>
         </p:nvSpPr>
         <p:spPr>
           <a:xfrm>
-            <a:off x="640080" y="1280160"/>
-            <a:ext cx="5212080" cy="365760"/>
+            <a:off x="457200" y="1005840"/>
+            <a:ext cx="5486400" cy="365760"/>
           </a:xfrm>
           <a:prstGeom prst="rect">
             <a:avLst/>
@@ -4113,7 +5316,7 @@
           <a:lstStyle/>
           <a:p>
             <a:pPr algn="l">
-              <a:defRPr sz="1600" b="1">
+              <a:defRPr sz="1400" b="1">
                 <a:solidFill>
                   <a:srgbClr val="38BDF8"/>
                 </a:solidFill>
@@ -4126,6 +5329,622 @@
           </a:p>
         </p:txBody>
       </p:sp>
+      <p:graphicFrame>
+        <p:nvGraphicFramePr>
+          <p:cNvPr id="4" name="Table 3"/>
+          <p:cNvGraphicFramePr>
+            <a:graphicFrameLocks noGrp="1"/>
+          </p:cNvGraphicFramePr>
+          <p:nvPr/>
+        </p:nvGraphicFramePr>
+        <p:xfrm>
+          <a:off x="457200" y="1371600"/>
+          <a:ext cx="5577840" cy="1645919"/>
+        </p:xfrm>
+        <a:graphic>
+          <a:graphicData uri="http://schemas.openxmlformats.org/drawingml/2006/table">
+            <a:tbl>
+              <a:tblPr firstRow="1" bandRow="1">
+                <a:tableStyleId>{5C22544A-7EE6-4342-B048-85BDC9FD1C3A}</a:tableStyleId>
+              </a:tblPr>
+              <a:tblGrid>
+                <a:gridCol w="1394460"/>
+                <a:gridCol w="1394460"/>
+                <a:gridCol w="1394460"/>
+                <a:gridCol w="1394460"/>
+              </a:tblGrid>
+              <a:tr h="274319">
+                <a:tc>
+                  <a:txBody>
+                    <a:bodyPr/>
+                    <a:lstStyle/>
+                    <a:p>
+                      <a:pPr algn="ctr">
+                        <a:defRPr sz="900" b="1">
+                          <a:solidFill>
+                            <a:srgbClr val="FFFFFF"/>
+                          </a:solidFill>
+                          <a:latin typeface="Segoe UI"/>
+                        </a:defRPr>
+                      </a:pPr>
+                      <a:r>
+                        <a:t>Full_Name</a:t>
+                      </a:r>
+                    </a:p>
+                  </a:txBody>
+                  <a:tcPr anchor="ctr">
+                    <a:solidFill>
+                      <a:srgbClr val="1E3A5F"/>
+                    </a:solidFill>
+                  </a:tcPr>
+                </a:tc>
+                <a:tc>
+                  <a:txBody>
+                    <a:bodyPr/>
+                    <a:lstStyle/>
+                    <a:p>
+                      <a:pPr algn="ctr">
+                        <a:defRPr sz="900" b="1">
+                          <a:solidFill>
+                            <a:srgbClr val="FFFFFF"/>
+                          </a:solidFill>
+                          <a:latin typeface="Segoe UI"/>
+                        </a:defRPr>
+                      </a:pPr>
+                      <a:r>
+                        <a:t>Passport_Number</a:t>
+                      </a:r>
+                    </a:p>
+                  </a:txBody>
+                  <a:tcPr anchor="ctr">
+                    <a:solidFill>
+                      <a:srgbClr val="1E3A5F"/>
+                    </a:solidFill>
+                  </a:tcPr>
+                </a:tc>
+                <a:tc>
+                  <a:txBody>
+                    <a:bodyPr/>
+                    <a:lstStyle/>
+                    <a:p>
+                      <a:pPr algn="ctr">
+                        <a:defRPr sz="900" b="1">
+                          <a:solidFill>
+                            <a:srgbClr val="FFFFFF"/>
+                          </a:solidFill>
+                          <a:latin typeface="Segoe UI"/>
+                        </a:defRPr>
+                      </a:pPr>
+                      <a:r>
+                        <a:t>Destination_Country</a:t>
+                      </a:r>
+                    </a:p>
+                  </a:txBody>
+                  <a:tcPr anchor="ctr">
+                    <a:solidFill>
+                      <a:srgbClr val="1E3A5F"/>
+                    </a:solidFill>
+                  </a:tcPr>
+                </a:tc>
+                <a:tc>
+                  <a:txBody>
+                    <a:bodyPr/>
+                    <a:lstStyle/>
+                    <a:p>
+                      <a:pPr algn="ctr">
+                        <a:defRPr sz="900" b="1">
+                          <a:solidFill>
+                            <a:srgbClr val="FFFFFF"/>
+                          </a:solidFill>
+                          <a:latin typeface="Segoe UI"/>
+                        </a:defRPr>
+                      </a:pPr>
+                      <a:r>
+                        <a:t>Travel_Purpose</a:t>
+                      </a:r>
+                    </a:p>
+                  </a:txBody>
+                  <a:tcPr anchor="ctr">
+                    <a:solidFill>
+                      <a:srgbClr val="1E3A5F"/>
+                    </a:solidFill>
+                  </a:tcPr>
+                </a:tc>
+              </a:tr>
+              <a:tr h="274319">
+                <a:tc>
+                  <a:txBody>
+                    <a:bodyPr/>
+                    <a:lstStyle/>
+                    <a:p>
+                      <a:pPr algn="ctr">
+                        <a:defRPr sz="800">
+                          <a:solidFill>
+                            <a:srgbClr val="CBD5E1"/>
+                          </a:solidFill>
+                          <a:latin typeface="Segoe UI"/>
+                        </a:defRPr>
+                      </a:pPr>
+                      <a:r>
+                        <a:t>Rahul Sharma</a:t>
+                      </a:r>
+                    </a:p>
+                  </a:txBody>
+                  <a:tcPr anchor="ctr">
+                    <a:solidFill>
+                      <a:srgbClr val="0F172A"/>
+                    </a:solidFill>
+                  </a:tcPr>
+                </a:tc>
+                <a:tc>
+                  <a:txBody>
+                    <a:bodyPr/>
+                    <a:lstStyle/>
+                    <a:p>
+                      <a:pPr algn="ctr">
+                        <a:defRPr sz="800">
+                          <a:solidFill>
+                            <a:srgbClr val="CBD5E1"/>
+                          </a:solidFill>
+                          <a:latin typeface="Segoe UI"/>
+                        </a:defRPr>
+                      </a:pPr>
+                      <a:r>
+                        <a:t>P1234567</a:t>
+                      </a:r>
+                    </a:p>
+                  </a:txBody>
+                  <a:tcPr anchor="ctr">
+                    <a:solidFill>
+                      <a:srgbClr val="0F172A"/>
+                    </a:solidFill>
+                  </a:tcPr>
+                </a:tc>
+                <a:tc>
+                  <a:txBody>
+                    <a:bodyPr/>
+                    <a:lstStyle/>
+                    <a:p>
+                      <a:pPr algn="ctr">
+                        <a:defRPr sz="800">
+                          <a:solidFill>
+                            <a:srgbClr val="CBD5E1"/>
+                          </a:solidFill>
+                          <a:latin typeface="Segoe UI"/>
+                        </a:defRPr>
+                      </a:pPr>
+                      <a:r>
+                        <a:t>France</a:t>
+                      </a:r>
+                    </a:p>
+                  </a:txBody>
+                  <a:tcPr anchor="ctr">
+                    <a:solidFill>
+                      <a:srgbClr val="0F172A"/>
+                    </a:solidFill>
+                  </a:tcPr>
+                </a:tc>
+                <a:tc>
+                  <a:txBody>
+                    <a:bodyPr/>
+                    <a:lstStyle/>
+                    <a:p>
+                      <a:pPr algn="ctr">
+                        <a:defRPr sz="800">
+                          <a:solidFill>
+                            <a:srgbClr val="CBD5E1"/>
+                          </a:solidFill>
+                          <a:latin typeface="Segoe UI"/>
+                        </a:defRPr>
+                      </a:pPr>
+                      <a:r>
+                        <a:t>Tourism</a:t>
+                      </a:r>
+                    </a:p>
+                  </a:txBody>
+                  <a:tcPr anchor="ctr">
+                    <a:solidFill>
+                      <a:srgbClr val="0F172A"/>
+                    </a:solidFill>
+                  </a:tcPr>
+                </a:tc>
+              </a:tr>
+              <a:tr h="274319">
+                <a:tc>
+                  <a:txBody>
+                    <a:bodyPr/>
+                    <a:lstStyle/>
+                    <a:p>
+                      <a:pPr algn="ctr">
+                        <a:defRPr sz="800">
+                          <a:solidFill>
+                            <a:srgbClr val="CBD5E1"/>
+                          </a:solidFill>
+                          <a:latin typeface="Segoe UI"/>
+                        </a:defRPr>
+                      </a:pPr>
+                      <a:r>
+                        <a:t>Ananya Verma</a:t>
+                      </a:r>
+                    </a:p>
+                  </a:txBody>
+                  <a:tcPr anchor="ctr">
+                    <a:solidFill>
+                      <a:srgbClr val="162134"/>
+                    </a:solidFill>
+                  </a:tcPr>
+                </a:tc>
+                <a:tc>
+                  <a:txBody>
+                    <a:bodyPr/>
+                    <a:lstStyle/>
+                    <a:p>
+                      <a:pPr algn="ctr">
+                        <a:defRPr sz="800">
+                          <a:solidFill>
+                            <a:srgbClr val="CBD5E1"/>
+                          </a:solidFill>
+                          <a:latin typeface="Segoe UI"/>
+                        </a:defRPr>
+                      </a:pPr>
+                      <a:r>
+                        <a:t>P2345678</a:t>
+                      </a:r>
+                    </a:p>
+                  </a:txBody>
+                  <a:tcPr anchor="ctr">
+                    <a:solidFill>
+                      <a:srgbClr val="162134"/>
+                    </a:solidFill>
+                  </a:tcPr>
+                </a:tc>
+                <a:tc>
+                  <a:txBody>
+                    <a:bodyPr/>
+                    <a:lstStyle/>
+                    <a:p>
+                      <a:pPr algn="ctr">
+                        <a:defRPr sz="800">
+                          <a:solidFill>
+                            <a:srgbClr val="CBD5E1"/>
+                          </a:solidFill>
+                          <a:latin typeface="Segoe UI"/>
+                        </a:defRPr>
+                      </a:pPr>
+                      <a:r>
+                        <a:t>Japan</a:t>
+                      </a:r>
+                    </a:p>
+                  </a:txBody>
+                  <a:tcPr anchor="ctr">
+                    <a:solidFill>
+                      <a:srgbClr val="162134"/>
+                    </a:solidFill>
+                  </a:tcPr>
+                </a:tc>
+                <a:tc>
+                  <a:txBody>
+                    <a:bodyPr/>
+                    <a:lstStyle/>
+                    <a:p>
+                      <a:pPr algn="ctr">
+                        <a:defRPr sz="800">
+                          <a:solidFill>
+                            <a:srgbClr val="CBD5E1"/>
+                          </a:solidFill>
+                          <a:latin typeface="Segoe UI"/>
+                        </a:defRPr>
+                      </a:pPr>
+                      <a:r>
+                        <a:t>Education</a:t>
+                      </a:r>
+                    </a:p>
+                  </a:txBody>
+                  <a:tcPr anchor="ctr">
+                    <a:solidFill>
+                      <a:srgbClr val="162134"/>
+                    </a:solidFill>
+                  </a:tcPr>
+                </a:tc>
+              </a:tr>
+              <a:tr h="274319">
+                <a:tc>
+                  <a:txBody>
+                    <a:bodyPr/>
+                    <a:lstStyle/>
+                    <a:p>
+                      <a:pPr algn="ctr">
+                        <a:defRPr sz="800">
+                          <a:solidFill>
+                            <a:srgbClr val="CBD5E1"/>
+                          </a:solidFill>
+                          <a:latin typeface="Segoe UI"/>
+                        </a:defRPr>
+                      </a:pPr>
+                      <a:r>
+                        <a:t>Mohit Khan</a:t>
+                      </a:r>
+                    </a:p>
+                  </a:txBody>
+                  <a:tcPr anchor="ctr">
+                    <a:solidFill>
+                      <a:srgbClr val="0F172A"/>
+                    </a:solidFill>
+                  </a:tcPr>
+                </a:tc>
+                <a:tc>
+                  <a:txBody>
+                    <a:bodyPr/>
+                    <a:lstStyle/>
+                    <a:p>
+                      <a:pPr algn="ctr">
+                        <a:defRPr sz="800">
+                          <a:solidFill>
+                            <a:srgbClr val="CBD5E1"/>
+                          </a:solidFill>
+                          <a:latin typeface="Segoe UI"/>
+                        </a:defRPr>
+                      </a:pPr>
+                      <a:r>
+                        <a:t>P3456789</a:t>
+                      </a:r>
+                    </a:p>
+                  </a:txBody>
+                  <a:tcPr anchor="ctr">
+                    <a:solidFill>
+                      <a:srgbClr val="0F172A"/>
+                    </a:solidFill>
+                  </a:tcPr>
+                </a:tc>
+                <a:tc>
+                  <a:txBody>
+                    <a:bodyPr/>
+                    <a:lstStyle/>
+                    <a:p>
+                      <a:pPr algn="ctr">
+                        <a:defRPr sz="800">
+                          <a:solidFill>
+                            <a:srgbClr val="CBD5E1"/>
+                          </a:solidFill>
+                          <a:latin typeface="Segoe UI"/>
+                        </a:defRPr>
+                      </a:pPr>
+                      <a:r>
+                        <a:t>UAE</a:t>
+                      </a:r>
+                    </a:p>
+                  </a:txBody>
+                  <a:tcPr anchor="ctr">
+                    <a:solidFill>
+                      <a:srgbClr val="0F172A"/>
+                    </a:solidFill>
+                  </a:tcPr>
+                </a:tc>
+                <a:tc>
+                  <a:txBody>
+                    <a:bodyPr/>
+                    <a:lstStyle/>
+                    <a:p>
+                      <a:pPr algn="ctr">
+                        <a:defRPr sz="800">
+                          <a:solidFill>
+                            <a:srgbClr val="CBD5E1"/>
+                          </a:solidFill>
+                          <a:latin typeface="Segoe UI"/>
+                        </a:defRPr>
+                      </a:pPr>
+                      <a:r>
+                        <a:t>Business</a:t>
+                      </a:r>
+                    </a:p>
+                  </a:txBody>
+                  <a:tcPr anchor="ctr">
+                    <a:solidFill>
+                      <a:srgbClr val="0F172A"/>
+                    </a:solidFill>
+                  </a:tcPr>
+                </a:tc>
+              </a:tr>
+              <a:tr h="274319">
+                <a:tc>
+                  <a:txBody>
+                    <a:bodyPr/>
+                    <a:lstStyle/>
+                    <a:p>
+                      <a:pPr algn="ctr">
+                        <a:defRPr sz="800">
+                          <a:solidFill>
+                            <a:srgbClr val="CBD5E1"/>
+                          </a:solidFill>
+                          <a:latin typeface="Segoe UI"/>
+                        </a:defRPr>
+                      </a:pPr>
+                      <a:r>
+                        <a:t>Sneha Kulkarni</a:t>
+                      </a:r>
+                    </a:p>
+                  </a:txBody>
+                  <a:tcPr anchor="ctr">
+                    <a:solidFill>
+                      <a:srgbClr val="162134"/>
+                    </a:solidFill>
+                  </a:tcPr>
+                </a:tc>
+                <a:tc>
+                  <a:txBody>
+                    <a:bodyPr/>
+                    <a:lstStyle/>
+                    <a:p>
+                      <a:pPr algn="ctr">
+                        <a:defRPr sz="800">
+                          <a:solidFill>
+                            <a:srgbClr val="CBD5E1"/>
+                          </a:solidFill>
+                          <a:latin typeface="Segoe UI"/>
+                        </a:defRPr>
+                      </a:pPr>
+                      <a:r>
+                        <a:t>P4567890</a:t>
+                      </a:r>
+                    </a:p>
+                  </a:txBody>
+                  <a:tcPr anchor="ctr">
+                    <a:solidFill>
+                      <a:srgbClr val="162134"/>
+                    </a:solidFill>
+                  </a:tcPr>
+                </a:tc>
+                <a:tc>
+                  <a:txBody>
+                    <a:bodyPr/>
+                    <a:lstStyle/>
+                    <a:p>
+                      <a:pPr algn="ctr">
+                        <a:defRPr sz="800">
+                          <a:solidFill>
+                            <a:srgbClr val="CBD5E1"/>
+                          </a:solidFill>
+                          <a:latin typeface="Segoe UI"/>
+                        </a:defRPr>
+                      </a:pPr>
+                      <a:r>
+                        <a:t>Germany</a:t>
+                      </a:r>
+                    </a:p>
+                  </a:txBody>
+                  <a:tcPr anchor="ctr">
+                    <a:solidFill>
+                      <a:srgbClr val="162134"/>
+                    </a:solidFill>
+                  </a:tcPr>
+                </a:tc>
+                <a:tc>
+                  <a:txBody>
+                    <a:bodyPr/>
+                    <a:lstStyle/>
+                    <a:p>
+                      <a:pPr algn="ctr">
+                        <a:defRPr sz="800">
+                          <a:solidFill>
+                            <a:srgbClr val="CBD5E1"/>
+                          </a:solidFill>
+                          <a:latin typeface="Segoe UI"/>
+                        </a:defRPr>
+                      </a:pPr>
+                      <a:r>
+                        <a:t>Tourism</a:t>
+                      </a:r>
+                    </a:p>
+                  </a:txBody>
+                  <a:tcPr anchor="ctr">
+                    <a:solidFill>
+                      <a:srgbClr val="162134"/>
+                    </a:solidFill>
+                  </a:tcPr>
+                </a:tc>
+              </a:tr>
+              <a:tr h="274324">
+                <a:tc>
+                  <a:txBody>
+                    <a:bodyPr/>
+                    <a:lstStyle/>
+                    <a:p>
+                      <a:pPr algn="ctr">
+                        <a:defRPr sz="800">
+                          <a:solidFill>
+                            <a:srgbClr val="CBD5E1"/>
+                          </a:solidFill>
+                          <a:latin typeface="Segoe UI"/>
+                        </a:defRPr>
+                      </a:pPr>
+                      <a:r>
+                        <a:t>Amit Patel</a:t>
+                      </a:r>
+                    </a:p>
+                  </a:txBody>
+                  <a:tcPr anchor="ctr">
+                    <a:solidFill>
+                      <a:srgbClr val="0F172A"/>
+                    </a:solidFill>
+                  </a:tcPr>
+                </a:tc>
+                <a:tc>
+                  <a:txBody>
+                    <a:bodyPr/>
+                    <a:lstStyle/>
+                    <a:p>
+                      <a:pPr algn="ctr">
+                        <a:defRPr sz="800">
+                          <a:solidFill>
+                            <a:srgbClr val="CBD5E1"/>
+                          </a:solidFill>
+                          <a:latin typeface="Segoe UI"/>
+                        </a:defRPr>
+                      </a:pPr>
+                      <a:r>
+                        <a:t>P5678901</a:t>
+                      </a:r>
+                    </a:p>
+                  </a:txBody>
+                  <a:tcPr anchor="ctr">
+                    <a:solidFill>
+                      <a:srgbClr val="0F172A"/>
+                    </a:solidFill>
+                  </a:tcPr>
+                </a:tc>
+                <a:tc>
+                  <a:txBody>
+                    <a:bodyPr/>
+                    <a:lstStyle/>
+                    <a:p>
+                      <a:pPr algn="ctr">
+                        <a:defRPr sz="800">
+                          <a:solidFill>
+                            <a:srgbClr val="CBD5E1"/>
+                          </a:solidFill>
+                          <a:latin typeface="Segoe UI"/>
+                        </a:defRPr>
+                      </a:pPr>
+                      <a:r>
+                        <a:t>USA</a:t>
+                      </a:r>
+                    </a:p>
+                  </a:txBody>
+                  <a:tcPr anchor="ctr">
+                    <a:solidFill>
+                      <a:srgbClr val="0F172A"/>
+                    </a:solidFill>
+                  </a:tcPr>
+                </a:tc>
+                <a:tc>
+                  <a:txBody>
+                    <a:bodyPr/>
+                    <a:lstStyle/>
+                    <a:p>
+                      <a:pPr algn="ctr">
+                        <a:defRPr sz="800">
+                          <a:solidFill>
+                            <a:srgbClr val="CBD5E1"/>
+                          </a:solidFill>
+                          <a:latin typeface="Segoe UI"/>
+                        </a:defRPr>
+                      </a:pPr>
+                      <a:r>
+                        <a:t>Business</a:t>
+                      </a:r>
+                    </a:p>
+                  </a:txBody>
+                  <a:tcPr anchor="ctr">
+                    <a:solidFill>
+                      <a:srgbClr val="0F172A"/>
+                    </a:solidFill>
+                  </a:tcPr>
+                </a:tc>
+              </a:tr>
+            </a:tbl>
+          </a:graphicData>
+        </a:graphic>
+      </p:graphicFrame>
       <p:sp>
         <p:nvSpPr>
           <p:cNvPr id="5" name="TextBox 4"/>
@@ -4134,8 +5953,8 @@
         </p:nvSpPr>
         <p:spPr>
           <a:xfrm>
-            <a:off x="640080" y="1691640"/>
-            <a:ext cx="5212080" cy="1920240"/>
+            <a:off x="6309360" y="1005840"/>
+            <a:ext cx="5486400" cy="365760"/>
           </a:xfrm>
           <a:prstGeom prst="rect">
             <a:avLst/>
@@ -4149,90 +5968,490 @@
           <a:lstStyle/>
           <a:p>
             <a:pPr algn="l">
-              <a:defRPr sz="900" b="0">
-                <a:solidFill>
-                  <a:srgbClr val="CBD5E1"/>
-                </a:solidFill>
-                <a:latin typeface="Consolas"/>
-              </a:defRPr>
-            </a:pPr>
-            <a:r>
-              <a:t>Full_Name  |  Passport_Number  |  Destination_Country  |  Travel_Purpose  |  Group_Size</a:t>
-            </a:r>
-            <a:br/>
-            <a:r>
-              <a:t>────────────────────────────────────────────────────────────────────────────────</a:t>
-            </a:r>
-            <a:br/>
-            <a:r>
-              <a:t>Rahul Sharma  |  P1234567  |  France  |  Tourism  |  4</a:t>
-            </a:r>
-            <a:br/>
-            <a:r>
-              <a:t>Ananya Verma  |  P2345678  |  Japan  |  Education  |  1</a:t>
-            </a:r>
-            <a:br/>
-            <a:r>
-              <a:t>Mohit Khan  |  P3456789  |  UAE  |  Business  |  3</a:t>
-            </a:r>
-            <a:br/>
-            <a:r>
-              <a:t>Sneha Kulkarni  |  P4567890  |  Germany  |  Tourism  |  2</a:t>
-            </a:r>
-            <a:br/>
-            <a:r>
-              <a:t>Amit Patel  |  P5678901  |  USA  |  Business  |  5</a:t>
-            </a:r>
-            <a:br/>
-            <a:r>
-              <a:t>... and 5 more rows</a:t>
-            </a:r>
-          </a:p>
-        </p:txBody>
-      </p:sp>
-      <p:sp>
-        <p:nvSpPr>
-          <p:cNvPr id="6" name="Rounded Rectangle 5"/>
-          <p:cNvSpPr/>
+              <a:defRPr sz="1400" b="1">
+                <a:solidFill>
+                  <a:srgbClr val="22C55E"/>
+                </a:solidFill>
+                <a:latin typeface="Segoe UI"/>
+              </a:defRPr>
+            </a:pPr>
+            <a:r>
+              <a:t>sentiment_analysis.csv</a:t>
+            </a:r>
+          </a:p>
+        </p:txBody>
+      </p:sp>
+      <p:graphicFrame>
+        <p:nvGraphicFramePr>
+          <p:cNvPr id="6" name="Table 5"/>
+          <p:cNvGraphicFramePr>
+            <a:graphicFrameLocks noGrp="1"/>
+          </p:cNvGraphicFramePr>
           <p:nvPr/>
-        </p:nvSpPr>
-        <p:spPr>
-          <a:xfrm>
-            <a:off x="6217920" y="1188720"/>
-            <a:ext cx="5577840" cy="2560320"/>
-          </a:xfrm>
-          <a:prstGeom prst="roundRect">
-            <a:avLst/>
-          </a:prstGeom>
-          <a:solidFill>
-            <a:srgbClr val="0F172A"/>
-          </a:solidFill>
-          <a:ln>
-            <a:noFill/>
-          </a:ln>
-        </p:spPr>
-        <p:style>
-          <a:lnRef idx="1">
-            <a:schemeClr val="accent1"/>
-          </a:lnRef>
-          <a:fillRef idx="3">
-            <a:schemeClr val="accent1"/>
-          </a:fillRef>
-          <a:effectRef idx="2">
-            <a:schemeClr val="accent1"/>
-          </a:effectRef>
-          <a:fontRef idx="minor">
-            <a:schemeClr val="lt1"/>
-          </a:fontRef>
-        </p:style>
-        <p:txBody>
-          <a:bodyPr rtlCol="0" anchor="ctr"/>
-          <a:lstStyle/>
-          <a:p>
-            <a:pPr algn="ctr"/>
-          </a:p>
-        </p:txBody>
-      </p:sp>
+        </p:nvGraphicFramePr>
+        <p:xfrm>
+          <a:off x="6309360" y="1371600"/>
+          <a:ext cx="5577840" cy="1645919"/>
+        </p:xfrm>
+        <a:graphic>
+          <a:graphicData uri="http://schemas.openxmlformats.org/drawingml/2006/table">
+            <a:tbl>
+              <a:tblPr firstRow="1" bandRow="1">
+                <a:tableStyleId>{5C22544A-7EE6-4342-B048-85BDC9FD1C3A}</a:tableStyleId>
+              </a:tblPr>
+              <a:tblGrid>
+                <a:gridCol w="1859280"/>
+                <a:gridCol w="1859280"/>
+                <a:gridCol w="1859280"/>
+              </a:tblGrid>
+              <a:tr h="274319">
+                <a:tc>
+                  <a:txBody>
+                    <a:bodyPr/>
+                    <a:lstStyle/>
+                    <a:p>
+                      <a:pPr algn="ctr">
+                        <a:defRPr sz="900" b="1">
+                          <a:solidFill>
+                            <a:srgbClr val="FFFFFF"/>
+                          </a:solidFill>
+                          <a:latin typeface="Segoe UI"/>
+                        </a:defRPr>
+                      </a:pPr>
+                      <a:r>
+                        <a:t>Full_Name</a:t>
+                      </a:r>
+                    </a:p>
+                  </a:txBody>
+                  <a:tcPr anchor="ctr">
+                    <a:solidFill>
+                      <a:srgbClr val="1E3A5F"/>
+                    </a:solidFill>
+                  </a:tcPr>
+                </a:tc>
+                <a:tc>
+                  <a:txBody>
+                    <a:bodyPr/>
+                    <a:lstStyle/>
+                    <a:p>
+                      <a:pPr algn="ctr">
+                        <a:defRPr sz="900" b="1">
+                          <a:solidFill>
+                            <a:srgbClr val="FFFFFF"/>
+                          </a:solidFill>
+                          <a:latin typeface="Segoe UI"/>
+                        </a:defRPr>
+                      </a:pPr>
+                      <a:r>
+                        <a:t>Destination_Country</a:t>
+                      </a:r>
+                    </a:p>
+                  </a:txBody>
+                  <a:tcPr anchor="ctr">
+                    <a:solidFill>
+                      <a:srgbClr val="1E3A5F"/>
+                    </a:solidFill>
+                  </a:tcPr>
+                </a:tc>
+                <a:tc>
+                  <a:txBody>
+                    <a:bodyPr/>
+                    <a:lstStyle/>
+                    <a:p>
+                      <a:pPr algn="ctr">
+                        <a:defRPr sz="900" b="1">
+                          <a:solidFill>
+                            <a:srgbClr val="FFFFFF"/>
+                          </a:solidFill>
+                          <a:latin typeface="Segoe UI"/>
+                        </a:defRPr>
+                      </a:pPr>
+                      <a:r>
+                        <a:t>Sentiment</a:t>
+                      </a:r>
+                    </a:p>
+                  </a:txBody>
+                  <a:tcPr anchor="ctr">
+                    <a:solidFill>
+                      <a:srgbClr val="1E3A5F"/>
+                    </a:solidFill>
+                  </a:tcPr>
+                </a:tc>
+              </a:tr>
+              <a:tr h="274319">
+                <a:tc>
+                  <a:txBody>
+                    <a:bodyPr/>
+                    <a:lstStyle/>
+                    <a:p>
+                      <a:pPr algn="ctr">
+                        <a:defRPr sz="800">
+                          <a:solidFill>
+                            <a:srgbClr val="CBD5E1"/>
+                          </a:solidFill>
+                          <a:latin typeface="Segoe UI"/>
+                        </a:defRPr>
+                      </a:pPr>
+                      <a:r>
+                        <a:t>Rahul Sharma</a:t>
+                      </a:r>
+                    </a:p>
+                  </a:txBody>
+                  <a:tcPr anchor="ctr">
+                    <a:solidFill>
+                      <a:srgbClr val="0F172A"/>
+                    </a:solidFill>
+                  </a:tcPr>
+                </a:tc>
+                <a:tc>
+                  <a:txBody>
+                    <a:bodyPr/>
+                    <a:lstStyle/>
+                    <a:p>
+                      <a:pPr algn="ctr">
+                        <a:defRPr sz="800">
+                          <a:solidFill>
+                            <a:srgbClr val="CBD5E1"/>
+                          </a:solidFill>
+                          <a:latin typeface="Segoe UI"/>
+                        </a:defRPr>
+                      </a:pPr>
+                      <a:r>
+                        <a:t>France</a:t>
+                      </a:r>
+                    </a:p>
+                  </a:txBody>
+                  <a:tcPr anchor="ctr">
+                    <a:solidFill>
+                      <a:srgbClr val="0F172A"/>
+                    </a:solidFill>
+                  </a:tcPr>
+                </a:tc>
+                <a:tc>
+                  <a:txBody>
+                    <a:bodyPr/>
+                    <a:lstStyle/>
+                    <a:p>
+                      <a:pPr algn="ctr">
+                        <a:defRPr sz="800">
+                          <a:solidFill>
+                            <a:srgbClr val="CBD5E1"/>
+                          </a:solidFill>
+                          <a:latin typeface="Segoe UI"/>
+                        </a:defRPr>
+                      </a:pPr>
+                      <a:r>
+                        <a:t>Positive</a:t>
+                      </a:r>
+                    </a:p>
+                  </a:txBody>
+                  <a:tcPr anchor="ctr">
+                    <a:solidFill>
+                      <a:srgbClr val="0F172A"/>
+                    </a:solidFill>
+                  </a:tcPr>
+                </a:tc>
+              </a:tr>
+              <a:tr h="274319">
+                <a:tc>
+                  <a:txBody>
+                    <a:bodyPr/>
+                    <a:lstStyle/>
+                    <a:p>
+                      <a:pPr algn="ctr">
+                        <a:defRPr sz="800">
+                          <a:solidFill>
+                            <a:srgbClr val="CBD5E1"/>
+                          </a:solidFill>
+                          <a:latin typeface="Segoe UI"/>
+                        </a:defRPr>
+                      </a:pPr>
+                      <a:r>
+                        <a:t>Ananya Verma</a:t>
+                      </a:r>
+                    </a:p>
+                  </a:txBody>
+                  <a:tcPr anchor="ctr">
+                    <a:solidFill>
+                      <a:srgbClr val="162134"/>
+                    </a:solidFill>
+                  </a:tcPr>
+                </a:tc>
+                <a:tc>
+                  <a:txBody>
+                    <a:bodyPr/>
+                    <a:lstStyle/>
+                    <a:p>
+                      <a:pPr algn="ctr">
+                        <a:defRPr sz="800">
+                          <a:solidFill>
+                            <a:srgbClr val="CBD5E1"/>
+                          </a:solidFill>
+                          <a:latin typeface="Segoe UI"/>
+                        </a:defRPr>
+                      </a:pPr>
+                      <a:r>
+                        <a:t>Japan</a:t>
+                      </a:r>
+                    </a:p>
+                  </a:txBody>
+                  <a:tcPr anchor="ctr">
+                    <a:solidFill>
+                      <a:srgbClr val="162134"/>
+                    </a:solidFill>
+                  </a:tcPr>
+                </a:tc>
+                <a:tc>
+                  <a:txBody>
+                    <a:bodyPr/>
+                    <a:lstStyle/>
+                    <a:p>
+                      <a:pPr algn="ctr">
+                        <a:defRPr sz="800">
+                          <a:solidFill>
+                            <a:srgbClr val="CBD5E1"/>
+                          </a:solidFill>
+                          <a:latin typeface="Segoe UI"/>
+                        </a:defRPr>
+                      </a:pPr>
+                      <a:r>
+                        <a:t>Neutral</a:t>
+                      </a:r>
+                    </a:p>
+                  </a:txBody>
+                  <a:tcPr anchor="ctr">
+                    <a:solidFill>
+                      <a:srgbClr val="162134"/>
+                    </a:solidFill>
+                  </a:tcPr>
+                </a:tc>
+              </a:tr>
+              <a:tr h="274319">
+                <a:tc>
+                  <a:txBody>
+                    <a:bodyPr/>
+                    <a:lstStyle/>
+                    <a:p>
+                      <a:pPr algn="ctr">
+                        <a:defRPr sz="800">
+                          <a:solidFill>
+                            <a:srgbClr val="CBD5E1"/>
+                          </a:solidFill>
+                          <a:latin typeface="Segoe UI"/>
+                        </a:defRPr>
+                      </a:pPr>
+                      <a:r>
+                        <a:t>Mohit Khan</a:t>
+                      </a:r>
+                    </a:p>
+                  </a:txBody>
+                  <a:tcPr anchor="ctr">
+                    <a:solidFill>
+                      <a:srgbClr val="0F172A"/>
+                    </a:solidFill>
+                  </a:tcPr>
+                </a:tc>
+                <a:tc>
+                  <a:txBody>
+                    <a:bodyPr/>
+                    <a:lstStyle/>
+                    <a:p>
+                      <a:pPr algn="ctr">
+                        <a:defRPr sz="800">
+                          <a:solidFill>
+                            <a:srgbClr val="CBD5E1"/>
+                          </a:solidFill>
+                          <a:latin typeface="Segoe UI"/>
+                        </a:defRPr>
+                      </a:pPr>
+                      <a:r>
+                        <a:t>UAE</a:t>
+                      </a:r>
+                    </a:p>
+                  </a:txBody>
+                  <a:tcPr anchor="ctr">
+                    <a:solidFill>
+                      <a:srgbClr val="0F172A"/>
+                    </a:solidFill>
+                  </a:tcPr>
+                </a:tc>
+                <a:tc>
+                  <a:txBody>
+                    <a:bodyPr/>
+                    <a:lstStyle/>
+                    <a:p>
+                      <a:pPr algn="ctr">
+                        <a:defRPr sz="800">
+                          <a:solidFill>
+                            <a:srgbClr val="CBD5E1"/>
+                          </a:solidFill>
+                          <a:latin typeface="Segoe UI"/>
+                        </a:defRPr>
+                      </a:pPr>
+                      <a:r>
+                        <a:t>Neutral</a:t>
+                      </a:r>
+                    </a:p>
+                  </a:txBody>
+                  <a:tcPr anchor="ctr">
+                    <a:solidFill>
+                      <a:srgbClr val="0F172A"/>
+                    </a:solidFill>
+                  </a:tcPr>
+                </a:tc>
+              </a:tr>
+              <a:tr h="274319">
+                <a:tc>
+                  <a:txBody>
+                    <a:bodyPr/>
+                    <a:lstStyle/>
+                    <a:p>
+                      <a:pPr algn="ctr">
+                        <a:defRPr sz="800">
+                          <a:solidFill>
+                            <a:srgbClr val="CBD5E1"/>
+                          </a:solidFill>
+                          <a:latin typeface="Segoe UI"/>
+                        </a:defRPr>
+                      </a:pPr>
+                      <a:r>
+                        <a:t>Sneha Kulkarni</a:t>
+                      </a:r>
+                    </a:p>
+                  </a:txBody>
+                  <a:tcPr anchor="ctr">
+                    <a:solidFill>
+                      <a:srgbClr val="162134"/>
+                    </a:solidFill>
+                  </a:tcPr>
+                </a:tc>
+                <a:tc>
+                  <a:txBody>
+                    <a:bodyPr/>
+                    <a:lstStyle/>
+                    <a:p>
+                      <a:pPr algn="ctr">
+                        <a:defRPr sz="800">
+                          <a:solidFill>
+                            <a:srgbClr val="CBD5E1"/>
+                          </a:solidFill>
+                          <a:latin typeface="Segoe UI"/>
+                        </a:defRPr>
+                      </a:pPr>
+                      <a:r>
+                        <a:t>Germany</a:t>
+                      </a:r>
+                    </a:p>
+                  </a:txBody>
+                  <a:tcPr anchor="ctr">
+                    <a:solidFill>
+                      <a:srgbClr val="162134"/>
+                    </a:solidFill>
+                  </a:tcPr>
+                </a:tc>
+                <a:tc>
+                  <a:txBody>
+                    <a:bodyPr/>
+                    <a:lstStyle/>
+                    <a:p>
+                      <a:pPr algn="ctr">
+                        <a:defRPr sz="800">
+                          <a:solidFill>
+                            <a:srgbClr val="CBD5E1"/>
+                          </a:solidFill>
+                          <a:latin typeface="Segoe UI"/>
+                        </a:defRPr>
+                      </a:pPr>
+                      <a:r>
+                        <a:t>Positive</a:t>
+                      </a:r>
+                    </a:p>
+                  </a:txBody>
+                  <a:tcPr anchor="ctr">
+                    <a:solidFill>
+                      <a:srgbClr val="162134"/>
+                    </a:solidFill>
+                  </a:tcPr>
+                </a:tc>
+              </a:tr>
+              <a:tr h="274324">
+                <a:tc>
+                  <a:txBody>
+                    <a:bodyPr/>
+                    <a:lstStyle/>
+                    <a:p>
+                      <a:pPr algn="ctr">
+                        <a:defRPr sz="800">
+                          <a:solidFill>
+                            <a:srgbClr val="CBD5E1"/>
+                          </a:solidFill>
+                          <a:latin typeface="Segoe UI"/>
+                        </a:defRPr>
+                      </a:pPr>
+                      <a:r>
+                        <a:t>Amit Patel</a:t>
+                      </a:r>
+                    </a:p>
+                  </a:txBody>
+                  <a:tcPr anchor="ctr">
+                    <a:solidFill>
+                      <a:srgbClr val="0F172A"/>
+                    </a:solidFill>
+                  </a:tcPr>
+                </a:tc>
+                <a:tc>
+                  <a:txBody>
+                    <a:bodyPr/>
+                    <a:lstStyle/>
+                    <a:p>
+                      <a:pPr algn="ctr">
+                        <a:defRPr sz="800">
+                          <a:solidFill>
+                            <a:srgbClr val="CBD5E1"/>
+                          </a:solidFill>
+                          <a:latin typeface="Segoe UI"/>
+                        </a:defRPr>
+                      </a:pPr>
+                      <a:r>
+                        <a:t>USA</a:t>
+                      </a:r>
+                    </a:p>
+                  </a:txBody>
+                  <a:tcPr anchor="ctr">
+                    <a:solidFill>
+                      <a:srgbClr val="0F172A"/>
+                    </a:solidFill>
+                  </a:tcPr>
+                </a:tc>
+                <a:tc>
+                  <a:txBody>
+                    <a:bodyPr/>
+                    <a:lstStyle/>
+                    <a:p>
+                      <a:pPr algn="ctr">
+                        <a:defRPr sz="800">
+                          <a:solidFill>
+                            <a:srgbClr val="CBD5E1"/>
+                          </a:solidFill>
+                          <a:latin typeface="Segoe UI"/>
+                        </a:defRPr>
+                      </a:pPr>
+                      <a:r>
+                        <a:t>Negative</a:t>
+                      </a:r>
+                    </a:p>
+                  </a:txBody>
+                  <a:tcPr anchor="ctr">
+                    <a:solidFill>
+                      <a:srgbClr val="0F172A"/>
+                    </a:solidFill>
+                  </a:tcPr>
+                </a:tc>
+              </a:tr>
+            </a:tbl>
+          </a:graphicData>
+        </a:graphic>
+      </p:graphicFrame>
       <p:sp>
         <p:nvSpPr>
           <p:cNvPr id="7" name="TextBox 6"/>
@@ -4241,8 +6460,8 @@
         </p:nvSpPr>
         <p:spPr>
           <a:xfrm>
-            <a:off x="6400800" y="1280160"/>
-            <a:ext cx="5212080" cy="365760"/>
+            <a:off x="457200" y="3840480"/>
+            <a:ext cx="5486400" cy="365760"/>
           </a:xfrm>
           <a:prstGeom prst="rect">
             <a:avLst/>
@@ -4256,29 +6475,355 @@
           <a:lstStyle/>
           <a:p>
             <a:pPr algn="l">
-              <a:defRPr sz="1600" b="1">
-                <a:solidFill>
-                  <a:srgbClr val="22C55E"/>
-                </a:solidFill>
-                <a:latin typeface="Segoe UI"/>
-              </a:defRPr>
-            </a:pPr>
-            <a:r>
-              <a:t>sentiment_analysis.csv</a:t>
-            </a:r>
-          </a:p>
-        </p:txBody>
-      </p:sp>
-      <p:sp>
-        <p:nvSpPr>
-          <p:cNvPr id="8" name="TextBox 7"/>
+              <a:defRPr sz="1400" b="1">
+                <a:solidFill>
+                  <a:srgbClr val="FB923C"/>
+                </a:solidFill>
+                <a:latin typeface="Segoe UI"/>
+              </a:defRPr>
+            </a:pPr>
+            <a:r>
+              <a:t>feedback_summary.csv</a:t>
+            </a:r>
+          </a:p>
+        </p:txBody>
+      </p:sp>
+      <p:graphicFrame>
+        <p:nvGraphicFramePr>
+          <p:cNvPr id="8" name="Table 7"/>
+          <p:cNvGraphicFramePr>
+            <a:graphicFrameLocks noGrp="1"/>
+          </p:cNvGraphicFramePr>
+          <p:nvPr/>
+        </p:nvGraphicFramePr>
+        <p:xfrm>
+          <a:off x="457200" y="4206240"/>
+          <a:ext cx="5577840" cy="1645919"/>
+        </p:xfrm>
+        <a:graphic>
+          <a:graphicData uri="http://schemas.openxmlformats.org/drawingml/2006/table">
+            <a:tbl>
+              <a:tblPr firstRow="1" bandRow="1">
+                <a:tableStyleId>{5C22544A-7EE6-4342-B048-85BDC9FD1C3A}</a:tableStyleId>
+              </a:tblPr>
+              <a:tblGrid>
+                <a:gridCol w="2788920"/>
+                <a:gridCol w="2788920"/>
+              </a:tblGrid>
+              <a:tr h="274319">
+                <a:tc>
+                  <a:txBody>
+                    <a:bodyPr/>
+                    <a:lstStyle/>
+                    <a:p>
+                      <a:pPr algn="ctr">
+                        <a:defRPr sz="900" b="1">
+                          <a:solidFill>
+                            <a:srgbClr val="FFFFFF"/>
+                          </a:solidFill>
+                          <a:latin typeface="Segoe UI"/>
+                        </a:defRPr>
+                      </a:pPr>
+                      <a:r>
+                        <a:t>Full_Name</a:t>
+                      </a:r>
+                    </a:p>
+                  </a:txBody>
+                  <a:tcPr anchor="ctr">
+                    <a:solidFill>
+                      <a:srgbClr val="1E3A5F"/>
+                    </a:solidFill>
+                  </a:tcPr>
+                </a:tc>
+                <a:tc>
+                  <a:txBody>
+                    <a:bodyPr/>
+                    <a:lstStyle/>
+                    <a:p>
+                      <a:pPr algn="ctr">
+                        <a:defRPr sz="900" b="1">
+                          <a:solidFill>
+                            <a:srgbClr val="FFFFFF"/>
+                          </a:solidFill>
+                          <a:latin typeface="Segoe UI"/>
+                        </a:defRPr>
+                      </a:pPr>
+                      <a:r>
+                        <a:t>Summary</a:t>
+                      </a:r>
+                    </a:p>
+                  </a:txBody>
+                  <a:tcPr anchor="ctr">
+                    <a:solidFill>
+                      <a:srgbClr val="1E3A5F"/>
+                    </a:solidFill>
+                  </a:tcPr>
+                </a:tc>
+              </a:tr>
+              <a:tr h="274319">
+                <a:tc>
+                  <a:txBody>
+                    <a:bodyPr/>
+                    <a:lstStyle/>
+                    <a:p>
+                      <a:pPr algn="ctr">
+                        <a:defRPr sz="800">
+                          <a:solidFill>
+                            <a:srgbClr val="CBD5E1"/>
+                          </a:solidFill>
+                          <a:latin typeface="Segoe UI"/>
+                        </a:defRPr>
+                      </a:pPr>
+                      <a:r>
+                        <a:t>Rahul Sharma</a:t>
+                      </a:r>
+                    </a:p>
+                  </a:txBody>
+                  <a:tcPr anchor="ctr">
+                    <a:solidFill>
+                      <a:srgbClr val="0F172A"/>
+                    </a:solidFill>
+                  </a:tcPr>
+                </a:tc>
+                <a:tc>
+                  <a:txBody>
+                    <a:bodyPr/>
+                    <a:lstStyle/>
+                    <a:p>
+                      <a:pPr algn="ctr">
+                        <a:defRPr sz="800">
+                          <a:solidFill>
+                            <a:srgbClr val="CBD5E1"/>
+                          </a:solidFill>
+                          <a:latin typeface="Segoe UI"/>
+                        </a:defRPr>
+                      </a:pPr>
+                      <a:r>
+                        <a:t>Key points: smooth, security</a:t>
+                      </a:r>
+                    </a:p>
+                  </a:txBody>
+                  <a:tcPr anchor="ctr">
+                    <a:solidFill>
+                      <a:srgbClr val="0F172A"/>
+                    </a:solidFill>
+                  </a:tcPr>
+                </a:tc>
+              </a:tr>
+              <a:tr h="274319">
+                <a:tc>
+                  <a:txBody>
+                    <a:bodyPr/>
+                    <a:lstStyle/>
+                    <a:p>
+                      <a:pPr algn="ctr">
+                        <a:defRPr sz="800">
+                          <a:solidFill>
+                            <a:srgbClr val="CBD5E1"/>
+                          </a:solidFill>
+                          <a:latin typeface="Segoe UI"/>
+                        </a:defRPr>
+                      </a:pPr>
+                      <a:r>
+                        <a:t>Ananya Verma</a:t>
+                      </a:r>
+                    </a:p>
+                  </a:txBody>
+                  <a:tcPr anchor="ctr">
+                    <a:solidFill>
+                      <a:srgbClr val="162134"/>
+                    </a:solidFill>
+                  </a:tcPr>
+                </a:tc>
+                <a:tc>
+                  <a:txBody>
+                    <a:bodyPr/>
+                    <a:lstStyle/>
+                    <a:p>
+                      <a:pPr algn="ctr">
+                        <a:defRPr sz="800">
+                          <a:solidFill>
+                            <a:srgbClr val="CBD5E1"/>
+                          </a:solidFill>
+                          <a:latin typeface="Segoe UI"/>
+                        </a:defRPr>
+                      </a:pPr>
+                      <a:r>
+                        <a:t>Key points: helpful</a:t>
+                      </a:r>
+                    </a:p>
+                  </a:txBody>
+                  <a:tcPr anchor="ctr">
+                    <a:solidFill>
+                      <a:srgbClr val="162134"/>
+                    </a:solidFill>
+                  </a:tcPr>
+                </a:tc>
+              </a:tr>
+              <a:tr h="274319">
+                <a:tc>
+                  <a:txBody>
+                    <a:bodyPr/>
+                    <a:lstStyle/>
+                    <a:p>
+                      <a:pPr algn="ctr">
+                        <a:defRPr sz="800">
+                          <a:solidFill>
+                            <a:srgbClr val="CBD5E1"/>
+                          </a:solidFill>
+                          <a:latin typeface="Segoe UI"/>
+                        </a:defRPr>
+                      </a:pPr>
+                      <a:r>
+                        <a:t>Mohit Khan</a:t>
+                      </a:r>
+                    </a:p>
+                  </a:txBody>
+                  <a:tcPr anchor="ctr">
+                    <a:solidFill>
+                      <a:srgbClr val="0F172A"/>
+                    </a:solidFill>
+                  </a:tcPr>
+                </a:tc>
+                <a:tc>
+                  <a:txBody>
+                    <a:bodyPr/>
+                    <a:lstStyle/>
+                    <a:p>
+                      <a:pPr algn="ctr">
+                        <a:defRPr sz="800">
+                          <a:solidFill>
+                            <a:srgbClr val="CBD5E1"/>
+                          </a:solidFill>
+                          <a:latin typeface="Segoe UI"/>
+                        </a:defRPr>
+                      </a:pPr>
+                      <a:r>
+                        <a:t>Key points: baggage</a:t>
+                      </a:r>
+                    </a:p>
+                  </a:txBody>
+                  <a:tcPr anchor="ctr">
+                    <a:solidFill>
+                      <a:srgbClr val="0F172A"/>
+                    </a:solidFill>
+                  </a:tcPr>
+                </a:tc>
+              </a:tr>
+              <a:tr h="274319">
+                <a:tc>
+                  <a:txBody>
+                    <a:bodyPr/>
+                    <a:lstStyle/>
+                    <a:p>
+                      <a:pPr algn="ctr">
+                        <a:defRPr sz="800">
+                          <a:solidFill>
+                            <a:srgbClr val="CBD5E1"/>
+                          </a:solidFill>
+                          <a:latin typeface="Segoe UI"/>
+                        </a:defRPr>
+                      </a:pPr>
+                      <a:r>
+                        <a:t>Sneha Kulkarni</a:t>
+                      </a:r>
+                    </a:p>
+                  </a:txBody>
+                  <a:tcPr anchor="ctr">
+                    <a:solidFill>
+                      <a:srgbClr val="162134"/>
+                    </a:solidFill>
+                  </a:tcPr>
+                </a:tc>
+                <a:tc>
+                  <a:txBody>
+                    <a:bodyPr/>
+                    <a:lstStyle/>
+                    <a:p>
+                      <a:pPr algn="ctr">
+                        <a:defRPr sz="800">
+                          <a:solidFill>
+                            <a:srgbClr val="CBD5E1"/>
+                          </a:solidFill>
+                          <a:latin typeface="Segoe UI"/>
+                        </a:defRPr>
+                      </a:pPr>
+                      <a:r>
+                        <a:t>Key points: quick</a:t>
+                      </a:r>
+                    </a:p>
+                  </a:txBody>
+                  <a:tcPr anchor="ctr">
+                    <a:solidFill>
+                      <a:srgbClr val="162134"/>
+                    </a:solidFill>
+                  </a:tcPr>
+                </a:tc>
+              </a:tr>
+              <a:tr h="274324">
+                <a:tc>
+                  <a:txBody>
+                    <a:bodyPr/>
+                    <a:lstStyle/>
+                    <a:p>
+                      <a:pPr algn="ctr">
+                        <a:defRPr sz="800">
+                          <a:solidFill>
+                            <a:srgbClr val="CBD5E1"/>
+                          </a:solidFill>
+                          <a:latin typeface="Segoe UI"/>
+                        </a:defRPr>
+                      </a:pPr>
+                      <a:r>
+                        <a:t>Amit Patel</a:t>
+                      </a:r>
+                    </a:p>
+                  </a:txBody>
+                  <a:tcPr anchor="ctr">
+                    <a:solidFill>
+                      <a:srgbClr val="0F172A"/>
+                    </a:solidFill>
+                  </a:tcPr>
+                </a:tc>
+                <a:tc>
+                  <a:txBody>
+                    <a:bodyPr/>
+                    <a:lstStyle/>
+                    <a:p>
+                      <a:pPr algn="ctr">
+                        <a:defRPr sz="800">
+                          <a:solidFill>
+                            <a:srgbClr val="CBD5E1"/>
+                          </a:solidFill>
+                          <a:latin typeface="Segoe UI"/>
+                        </a:defRPr>
+                      </a:pPr>
+                      <a:r>
+                        <a:t>Key points: baggage</a:t>
+                      </a:r>
+                    </a:p>
+                  </a:txBody>
+                  <a:tcPr anchor="ctr">
+                    <a:solidFill>
+                      <a:srgbClr val="0F172A"/>
+                    </a:solidFill>
+                  </a:tcPr>
+                </a:tc>
+              </a:tr>
+            </a:tbl>
+          </a:graphicData>
+        </a:graphic>
+      </p:graphicFrame>
+      <p:sp>
+        <p:nvSpPr>
+          <p:cNvPr id="9" name="TextBox 8"/>
           <p:cNvSpPr txBox="1"/>
           <p:nvPr/>
         </p:nvSpPr>
         <p:spPr>
           <a:xfrm>
-            <a:off x="6400800" y="1691640"/>
-            <a:ext cx="5212080" cy="1920240"/>
+            <a:off x="6309360" y="3840480"/>
+            <a:ext cx="5486400" cy="365760"/>
           </a:xfrm>
           <a:prstGeom prst="rect">
             <a:avLst/>
@@ -4292,333 +6837,495 @@
           <a:lstStyle/>
           <a:p>
             <a:pPr algn="l">
-              <a:defRPr sz="900" b="0">
-                <a:solidFill>
-                  <a:srgbClr val="CBD5E1"/>
-                </a:solidFill>
-                <a:latin typeface="Consolas"/>
-              </a:defRPr>
-            </a:pPr>
-            <a:r>
-              <a:t>Full_Name  |  Destination_Country  |  Sentiment</a:t>
-            </a:r>
-            <a:br/>
-            <a:r>
-              <a:t>───────────────────────────────────────────────</a:t>
-            </a:r>
-            <a:br/>
-            <a:r>
-              <a:t>Rahul Sharma  |  France  |  Positive</a:t>
-            </a:r>
-            <a:br/>
-            <a:r>
-              <a:t>Ananya Verma  |  Japan  |  Neutral</a:t>
-            </a:r>
-            <a:br/>
-            <a:r>
-              <a:t>Mohit Khan  |  UAE  |  Neutral</a:t>
-            </a:r>
-            <a:br/>
-            <a:r>
-              <a:t>Sneha Kulkarni  |  Germany  |  Positive</a:t>
-            </a:r>
-            <a:br/>
-            <a:r>
-              <a:t>Amit Patel  |  USA  |  Negative</a:t>
-            </a:r>
-            <a:br/>
-            <a:r>
-              <a:t>... and 5 more rows</a:t>
-            </a:r>
-          </a:p>
-        </p:txBody>
-      </p:sp>
-      <p:sp>
-        <p:nvSpPr>
-          <p:cNvPr id="9" name="Rounded Rectangle 8"/>
-          <p:cNvSpPr/>
+              <a:defRPr sz="1400" b="1">
+                <a:solidFill>
+                  <a:srgbClr val="A855F7"/>
+                </a:solidFill>
+                <a:latin typeface="Segoe UI"/>
+              </a:defRPr>
+            </a:pPr>
+            <a:r>
+              <a:t>entity_extraction.csv</a:t>
+            </a:r>
+          </a:p>
+        </p:txBody>
+      </p:sp>
+      <p:graphicFrame>
+        <p:nvGraphicFramePr>
+          <p:cNvPr id="10" name="Table 9"/>
+          <p:cNvGraphicFramePr>
+            <a:graphicFrameLocks noGrp="1"/>
+          </p:cNvGraphicFramePr>
           <p:nvPr/>
-        </p:nvSpPr>
-        <p:spPr>
-          <a:xfrm>
-            <a:off x="457200" y="3931920"/>
-            <a:ext cx="5577840" cy="2560320"/>
-          </a:xfrm>
-          <a:prstGeom prst="roundRect">
-            <a:avLst/>
-          </a:prstGeom>
-          <a:solidFill>
-            <a:srgbClr val="0F172A"/>
-          </a:solidFill>
-          <a:ln>
-            <a:noFill/>
-          </a:ln>
-        </p:spPr>
-        <p:style>
-          <a:lnRef idx="1">
-            <a:schemeClr val="accent1"/>
-          </a:lnRef>
-          <a:fillRef idx="3">
-            <a:schemeClr val="accent1"/>
-          </a:fillRef>
-          <a:effectRef idx="2">
-            <a:schemeClr val="accent1"/>
-          </a:effectRef>
-          <a:fontRef idx="minor">
-            <a:schemeClr val="lt1"/>
-          </a:fontRef>
-        </p:style>
-        <p:txBody>
-          <a:bodyPr rtlCol="0" anchor="ctr"/>
-          <a:lstStyle/>
-          <a:p>
-            <a:pPr algn="ctr"/>
-          </a:p>
-        </p:txBody>
-      </p:sp>
-      <p:sp>
-        <p:nvSpPr>
-          <p:cNvPr id="10" name="TextBox 9"/>
-          <p:cNvSpPr txBox="1"/>
-          <p:nvPr/>
-        </p:nvSpPr>
-        <p:spPr>
-          <a:xfrm>
-            <a:off x="640080" y="4023360"/>
-            <a:ext cx="5212080" cy="365760"/>
-          </a:xfrm>
-          <a:prstGeom prst="rect">
-            <a:avLst/>
-          </a:prstGeom>
-          <a:noFill/>
-        </p:spPr>
-        <p:txBody>
-          <a:bodyPr wrap="square">
-            <a:spAutoFit/>
-          </a:bodyPr>
-          <a:lstStyle/>
-          <a:p>
-            <a:pPr algn="l">
-              <a:defRPr sz="1600" b="1">
-                <a:solidFill>
-                  <a:srgbClr val="FB923C"/>
-                </a:solidFill>
-                <a:latin typeface="Segoe UI"/>
-              </a:defRPr>
-            </a:pPr>
-            <a:r>
-              <a:t>feedback_summary.csv</a:t>
-            </a:r>
-          </a:p>
-        </p:txBody>
-      </p:sp>
-      <p:sp>
-        <p:nvSpPr>
-          <p:cNvPr id="11" name="TextBox 10"/>
-          <p:cNvSpPr txBox="1"/>
-          <p:nvPr/>
-        </p:nvSpPr>
-        <p:spPr>
-          <a:xfrm>
-            <a:off x="640080" y="4434840"/>
-            <a:ext cx="5212080" cy="1920240"/>
-          </a:xfrm>
-          <a:prstGeom prst="rect">
-            <a:avLst/>
-          </a:prstGeom>
-          <a:noFill/>
-        </p:spPr>
-        <p:txBody>
-          <a:bodyPr wrap="square">
-            <a:spAutoFit/>
-          </a:bodyPr>
-          <a:lstStyle/>
-          <a:p>
-            <a:pPr algn="l">
-              <a:defRPr sz="900" b="0">
-                <a:solidFill>
-                  <a:srgbClr val="CBD5E1"/>
-                </a:solidFill>
-                <a:latin typeface="Consolas"/>
-              </a:defRPr>
-            </a:pPr>
-            <a:r>
-              <a:t>Full_Name  |  Travel_Feedback  |  Summary</a:t>
-            </a:r>
-            <a:br/>
-            <a:r>
-              <a:t>─────────────────────────────────────────</a:t>
-            </a:r>
-            <a:br/>
-            <a:r>
-              <a:t>Rahul Sharma  |  Travelling with fami  |  Key points: smooth, </a:t>
-            </a:r>
-            <a:br/>
-            <a:r>
-              <a:t>Ananya Verma  |  Solo travel experien  |  Key points: helpful</a:t>
-            </a:r>
-            <a:br/>
-            <a:r>
-              <a:t>Mohit Khan  |  Business travel was   |  Key points: baggage</a:t>
-            </a:r>
-            <a:br/>
-            <a:r>
-              <a:t>Sneha Kulkarni  |  Couple travel was co  |  Key points: quick</a:t>
-            </a:r>
-            <a:br/>
-            <a:r>
-              <a:t>Amit Patel  |  Group travel took lo  |  Key points: baggage</a:t>
-            </a:r>
-            <a:br/>
-            <a:r>
-              <a:t>... and 5 more rows</a:t>
-            </a:r>
-          </a:p>
-        </p:txBody>
-      </p:sp>
-      <p:sp>
-        <p:nvSpPr>
-          <p:cNvPr id="12" name="Rounded Rectangle 11"/>
-          <p:cNvSpPr/>
-          <p:nvPr/>
-        </p:nvSpPr>
-        <p:spPr>
-          <a:xfrm>
-            <a:off x="6217920" y="3931920"/>
-            <a:ext cx="5577840" cy="2560320"/>
-          </a:xfrm>
-          <a:prstGeom prst="roundRect">
-            <a:avLst/>
-          </a:prstGeom>
-          <a:solidFill>
-            <a:srgbClr val="0F172A"/>
-          </a:solidFill>
-          <a:ln>
-            <a:noFill/>
-          </a:ln>
-        </p:spPr>
-        <p:style>
-          <a:lnRef idx="1">
-            <a:schemeClr val="accent1"/>
-          </a:lnRef>
-          <a:fillRef idx="3">
-            <a:schemeClr val="accent1"/>
-          </a:fillRef>
-          <a:effectRef idx="2">
-            <a:schemeClr val="accent1"/>
-          </a:effectRef>
-          <a:fontRef idx="minor">
-            <a:schemeClr val="lt1"/>
-          </a:fontRef>
-        </p:style>
-        <p:txBody>
-          <a:bodyPr rtlCol="0" anchor="ctr"/>
-          <a:lstStyle/>
-          <a:p>
-            <a:pPr algn="ctr"/>
-          </a:p>
-        </p:txBody>
-      </p:sp>
-      <p:sp>
-        <p:nvSpPr>
-          <p:cNvPr id="13" name="TextBox 12"/>
-          <p:cNvSpPr txBox="1"/>
-          <p:nvPr/>
-        </p:nvSpPr>
-        <p:spPr>
-          <a:xfrm>
-            <a:off x="6400800" y="4023360"/>
-            <a:ext cx="5212080" cy="365760"/>
-          </a:xfrm>
-          <a:prstGeom prst="rect">
-            <a:avLst/>
-          </a:prstGeom>
-          <a:noFill/>
-        </p:spPr>
-        <p:txBody>
-          <a:bodyPr wrap="square">
-            <a:spAutoFit/>
-          </a:bodyPr>
-          <a:lstStyle/>
-          <a:p>
-            <a:pPr algn="l">
-              <a:defRPr sz="1600" b="1">
-                <a:solidFill>
-                  <a:srgbClr val="A855F7"/>
-                </a:solidFill>
-                <a:latin typeface="Segoe UI"/>
-              </a:defRPr>
-            </a:pPr>
-            <a:r>
-              <a:t>entity_extraction.csv</a:t>
-            </a:r>
-          </a:p>
-        </p:txBody>
-      </p:sp>
-      <p:sp>
-        <p:nvSpPr>
-          <p:cNvPr id="14" name="TextBox 13"/>
-          <p:cNvSpPr txBox="1"/>
-          <p:nvPr/>
-        </p:nvSpPr>
-        <p:spPr>
-          <a:xfrm>
-            <a:off x="6400800" y="4434840"/>
-            <a:ext cx="5212080" cy="1920240"/>
-          </a:xfrm>
-          <a:prstGeom prst="rect">
-            <a:avLst/>
-          </a:prstGeom>
-          <a:noFill/>
-        </p:spPr>
-        <p:txBody>
-          <a:bodyPr wrap="square">
-            <a:spAutoFit/>
-          </a:bodyPr>
-          <a:lstStyle/>
-          <a:p>
-            <a:pPr algn="l">
-              <a:defRPr sz="900" b="0">
-                <a:solidFill>
-                  <a:srgbClr val="CBD5E1"/>
-                </a:solidFill>
-                <a:latin typeface="Consolas"/>
-              </a:defRPr>
-            </a:pPr>
-            <a:r>
-              <a:t>Entity  |  Type</a:t>
-            </a:r>
-            <a:br/>
-            <a:r>
-              <a:t>───────────────</a:t>
-            </a:r>
-            <a:br/>
-            <a:r>
-              <a:t>Rahul Sharma  |  PERSON</a:t>
-            </a:r>
-            <a:br/>
-            <a:r>
-              <a:t>France  |  GPE</a:t>
-            </a:r>
-            <a:br/>
-            <a:r>
-              <a:t>P1234567  |  PASSPORT_NUMBER</a:t>
-            </a:r>
-            <a:br/>
-            <a:r>
-              <a:t>Ananya  |  GPE</a:t>
-            </a:r>
-            <a:br/>
-            <a:r>
-              <a:t>Japan  |  GPE</a:t>
-            </a:r>
-            <a:br/>
-            <a:r>
-              <a:t>... and 24 more rows</a:t>
-            </a:r>
-          </a:p>
-        </p:txBody>
-      </p:sp>
+        </p:nvGraphicFramePr>
+        <p:xfrm>
+          <a:off x="6309360" y="4206240"/>
+          <a:ext cx="5577840" cy="2468879"/>
+        </p:xfrm>
+        <a:graphic>
+          <a:graphicData uri="http://schemas.openxmlformats.org/drawingml/2006/table">
+            <a:tbl>
+              <a:tblPr firstRow="1" bandRow="1">
+                <a:tableStyleId>{5C22544A-7EE6-4342-B048-85BDC9FD1C3A}</a:tableStyleId>
+              </a:tblPr>
+              <a:tblGrid>
+                <a:gridCol w="2788920"/>
+                <a:gridCol w="2788920"/>
+              </a:tblGrid>
+              <a:tr h="274319">
+                <a:tc>
+                  <a:txBody>
+                    <a:bodyPr/>
+                    <a:lstStyle/>
+                    <a:p>
+                      <a:pPr algn="ctr">
+                        <a:defRPr sz="900" b="1">
+                          <a:solidFill>
+                            <a:srgbClr val="FFFFFF"/>
+                          </a:solidFill>
+                          <a:latin typeface="Segoe UI"/>
+                        </a:defRPr>
+                      </a:pPr>
+                      <a:r>
+                        <a:t>Entity</a:t>
+                      </a:r>
+                    </a:p>
+                  </a:txBody>
+                  <a:tcPr anchor="ctr">
+                    <a:solidFill>
+                      <a:srgbClr val="1E3A5F"/>
+                    </a:solidFill>
+                  </a:tcPr>
+                </a:tc>
+                <a:tc>
+                  <a:txBody>
+                    <a:bodyPr/>
+                    <a:lstStyle/>
+                    <a:p>
+                      <a:pPr algn="ctr">
+                        <a:defRPr sz="900" b="1">
+                          <a:solidFill>
+                            <a:srgbClr val="FFFFFF"/>
+                          </a:solidFill>
+                          <a:latin typeface="Segoe UI"/>
+                        </a:defRPr>
+                      </a:pPr>
+                      <a:r>
+                        <a:t>Type</a:t>
+                      </a:r>
+                    </a:p>
+                  </a:txBody>
+                  <a:tcPr anchor="ctr">
+                    <a:solidFill>
+                      <a:srgbClr val="1E3A5F"/>
+                    </a:solidFill>
+                  </a:tcPr>
+                </a:tc>
+              </a:tr>
+              <a:tr h="274319">
+                <a:tc>
+                  <a:txBody>
+                    <a:bodyPr/>
+                    <a:lstStyle/>
+                    <a:p>
+                      <a:pPr algn="ctr">
+                        <a:defRPr sz="800">
+                          <a:solidFill>
+                            <a:srgbClr val="CBD5E1"/>
+                          </a:solidFill>
+                          <a:latin typeface="Segoe UI"/>
+                        </a:defRPr>
+                      </a:pPr>
+                      <a:r>
+                        <a:t>Rahul Sharma</a:t>
+                      </a:r>
+                    </a:p>
+                  </a:txBody>
+                  <a:tcPr anchor="ctr">
+                    <a:solidFill>
+                      <a:srgbClr val="0F172A"/>
+                    </a:solidFill>
+                  </a:tcPr>
+                </a:tc>
+                <a:tc>
+                  <a:txBody>
+                    <a:bodyPr/>
+                    <a:lstStyle/>
+                    <a:p>
+                      <a:pPr algn="ctr">
+                        <a:defRPr sz="800">
+                          <a:solidFill>
+                            <a:srgbClr val="CBD5E1"/>
+                          </a:solidFill>
+                          <a:latin typeface="Segoe UI"/>
+                        </a:defRPr>
+                      </a:pPr>
+                      <a:r>
+                        <a:t>PERSON</a:t>
+                      </a:r>
+                    </a:p>
+                  </a:txBody>
+                  <a:tcPr anchor="ctr">
+                    <a:solidFill>
+                      <a:srgbClr val="0F172A"/>
+                    </a:solidFill>
+                  </a:tcPr>
+                </a:tc>
+              </a:tr>
+              <a:tr h="274319">
+                <a:tc>
+                  <a:txBody>
+                    <a:bodyPr/>
+                    <a:lstStyle/>
+                    <a:p>
+                      <a:pPr algn="ctr">
+                        <a:defRPr sz="800">
+                          <a:solidFill>
+                            <a:srgbClr val="CBD5E1"/>
+                          </a:solidFill>
+                          <a:latin typeface="Segoe UI"/>
+                        </a:defRPr>
+                      </a:pPr>
+                      <a:r>
+                        <a:t>France</a:t>
+                      </a:r>
+                    </a:p>
+                  </a:txBody>
+                  <a:tcPr anchor="ctr">
+                    <a:solidFill>
+                      <a:srgbClr val="162134"/>
+                    </a:solidFill>
+                  </a:tcPr>
+                </a:tc>
+                <a:tc>
+                  <a:txBody>
+                    <a:bodyPr/>
+                    <a:lstStyle/>
+                    <a:p>
+                      <a:pPr algn="ctr">
+                        <a:defRPr sz="800">
+                          <a:solidFill>
+                            <a:srgbClr val="CBD5E1"/>
+                          </a:solidFill>
+                          <a:latin typeface="Segoe UI"/>
+                        </a:defRPr>
+                      </a:pPr>
+                      <a:r>
+                        <a:t>GPE</a:t>
+                      </a:r>
+                    </a:p>
+                  </a:txBody>
+                  <a:tcPr anchor="ctr">
+                    <a:solidFill>
+                      <a:srgbClr val="162134"/>
+                    </a:solidFill>
+                  </a:tcPr>
+                </a:tc>
+              </a:tr>
+              <a:tr h="274319">
+                <a:tc>
+                  <a:txBody>
+                    <a:bodyPr/>
+                    <a:lstStyle/>
+                    <a:p>
+                      <a:pPr algn="ctr">
+                        <a:defRPr sz="800">
+                          <a:solidFill>
+                            <a:srgbClr val="CBD5E1"/>
+                          </a:solidFill>
+                          <a:latin typeface="Segoe UI"/>
+                        </a:defRPr>
+                      </a:pPr>
+                      <a:r>
+                        <a:t>P1234567</a:t>
+                      </a:r>
+                    </a:p>
+                  </a:txBody>
+                  <a:tcPr anchor="ctr">
+                    <a:solidFill>
+                      <a:srgbClr val="0F172A"/>
+                    </a:solidFill>
+                  </a:tcPr>
+                </a:tc>
+                <a:tc>
+                  <a:txBody>
+                    <a:bodyPr/>
+                    <a:lstStyle/>
+                    <a:p>
+                      <a:pPr algn="ctr">
+                        <a:defRPr sz="800">
+                          <a:solidFill>
+                            <a:srgbClr val="CBD5E1"/>
+                          </a:solidFill>
+                          <a:latin typeface="Segoe UI"/>
+                        </a:defRPr>
+                      </a:pPr>
+                      <a:r>
+                        <a:t>PASSPORT_NUMBER</a:t>
+                      </a:r>
+                    </a:p>
+                  </a:txBody>
+                  <a:tcPr anchor="ctr">
+                    <a:solidFill>
+                      <a:srgbClr val="0F172A"/>
+                    </a:solidFill>
+                  </a:tcPr>
+                </a:tc>
+              </a:tr>
+              <a:tr h="274319">
+                <a:tc>
+                  <a:txBody>
+                    <a:bodyPr/>
+                    <a:lstStyle/>
+                    <a:p>
+                      <a:pPr algn="ctr">
+                        <a:defRPr sz="800">
+                          <a:solidFill>
+                            <a:srgbClr val="CBD5E1"/>
+                          </a:solidFill>
+                          <a:latin typeface="Segoe UI"/>
+                        </a:defRPr>
+                      </a:pPr>
+                      <a:r>
+                        <a:t>Ananya</a:t>
+                      </a:r>
+                    </a:p>
+                  </a:txBody>
+                  <a:tcPr anchor="ctr">
+                    <a:solidFill>
+                      <a:srgbClr val="162134"/>
+                    </a:solidFill>
+                  </a:tcPr>
+                </a:tc>
+                <a:tc>
+                  <a:txBody>
+                    <a:bodyPr/>
+                    <a:lstStyle/>
+                    <a:p>
+                      <a:pPr algn="ctr">
+                        <a:defRPr sz="800">
+                          <a:solidFill>
+                            <a:srgbClr val="CBD5E1"/>
+                          </a:solidFill>
+                          <a:latin typeface="Segoe UI"/>
+                        </a:defRPr>
+                      </a:pPr>
+                      <a:r>
+                        <a:t>GPE</a:t>
+                      </a:r>
+                    </a:p>
+                  </a:txBody>
+                  <a:tcPr anchor="ctr">
+                    <a:solidFill>
+                      <a:srgbClr val="162134"/>
+                    </a:solidFill>
+                  </a:tcPr>
+                </a:tc>
+              </a:tr>
+              <a:tr h="274319">
+                <a:tc>
+                  <a:txBody>
+                    <a:bodyPr/>
+                    <a:lstStyle/>
+                    <a:p>
+                      <a:pPr algn="ctr">
+                        <a:defRPr sz="800">
+                          <a:solidFill>
+                            <a:srgbClr val="CBD5E1"/>
+                          </a:solidFill>
+                          <a:latin typeface="Segoe UI"/>
+                        </a:defRPr>
+                      </a:pPr>
+                      <a:r>
+                        <a:t>Japan</a:t>
+                      </a:r>
+                    </a:p>
+                  </a:txBody>
+                  <a:tcPr anchor="ctr">
+                    <a:solidFill>
+                      <a:srgbClr val="0F172A"/>
+                    </a:solidFill>
+                  </a:tcPr>
+                </a:tc>
+                <a:tc>
+                  <a:txBody>
+                    <a:bodyPr/>
+                    <a:lstStyle/>
+                    <a:p>
+                      <a:pPr algn="ctr">
+                        <a:defRPr sz="800">
+                          <a:solidFill>
+                            <a:srgbClr val="CBD5E1"/>
+                          </a:solidFill>
+                          <a:latin typeface="Segoe UI"/>
+                        </a:defRPr>
+                      </a:pPr>
+                      <a:r>
+                        <a:t>GPE</a:t>
+                      </a:r>
+                    </a:p>
+                  </a:txBody>
+                  <a:tcPr anchor="ctr">
+                    <a:solidFill>
+                      <a:srgbClr val="0F172A"/>
+                    </a:solidFill>
+                  </a:tcPr>
+                </a:tc>
+              </a:tr>
+              <a:tr h="274319">
+                <a:tc>
+                  <a:txBody>
+                    <a:bodyPr/>
+                    <a:lstStyle/>
+                    <a:p>
+                      <a:pPr algn="ctr">
+                        <a:defRPr sz="800">
+                          <a:solidFill>
+                            <a:srgbClr val="CBD5E1"/>
+                          </a:solidFill>
+                          <a:latin typeface="Segoe UI"/>
+                        </a:defRPr>
+                      </a:pPr>
+                      <a:r>
+                        <a:t>P2345678</a:t>
+                      </a:r>
+                    </a:p>
+                  </a:txBody>
+                  <a:tcPr anchor="ctr">
+                    <a:solidFill>
+                      <a:srgbClr val="162134"/>
+                    </a:solidFill>
+                  </a:tcPr>
+                </a:tc>
+                <a:tc>
+                  <a:txBody>
+                    <a:bodyPr/>
+                    <a:lstStyle/>
+                    <a:p>
+                      <a:pPr algn="ctr">
+                        <a:defRPr sz="800">
+                          <a:solidFill>
+                            <a:srgbClr val="CBD5E1"/>
+                          </a:solidFill>
+                          <a:latin typeface="Segoe UI"/>
+                        </a:defRPr>
+                      </a:pPr>
+                      <a:r>
+                        <a:t>PASSPORT_NUMBER</a:t>
+                      </a:r>
+                    </a:p>
+                  </a:txBody>
+                  <a:tcPr anchor="ctr">
+                    <a:solidFill>
+                      <a:srgbClr val="162134"/>
+                    </a:solidFill>
+                  </a:tcPr>
+                </a:tc>
+              </a:tr>
+              <a:tr h="274319">
+                <a:tc>
+                  <a:txBody>
+                    <a:bodyPr/>
+                    <a:lstStyle/>
+                    <a:p>
+                      <a:pPr algn="ctr">
+                        <a:defRPr sz="800">
+                          <a:solidFill>
+                            <a:srgbClr val="CBD5E1"/>
+                          </a:solidFill>
+                          <a:latin typeface="Segoe UI"/>
+                        </a:defRPr>
+                      </a:pPr>
+                      <a:r>
+                        <a:t>Mohit Khan</a:t>
+                      </a:r>
+                    </a:p>
+                  </a:txBody>
+                  <a:tcPr anchor="ctr">
+                    <a:solidFill>
+                      <a:srgbClr val="0F172A"/>
+                    </a:solidFill>
+                  </a:tcPr>
+                </a:tc>
+                <a:tc>
+                  <a:txBody>
+                    <a:bodyPr/>
+                    <a:lstStyle/>
+                    <a:p>
+                      <a:pPr algn="ctr">
+                        <a:defRPr sz="800">
+                          <a:solidFill>
+                            <a:srgbClr val="CBD5E1"/>
+                          </a:solidFill>
+                          <a:latin typeface="Segoe UI"/>
+                        </a:defRPr>
+                      </a:pPr>
+                      <a:r>
+                        <a:t>PERSON</a:t>
+                      </a:r>
+                    </a:p>
+                  </a:txBody>
+                  <a:tcPr anchor="ctr">
+                    <a:solidFill>
+                      <a:srgbClr val="0F172A"/>
+                    </a:solidFill>
+                  </a:tcPr>
+                </a:tc>
+              </a:tr>
+              <a:tr h="274327">
+                <a:tc>
+                  <a:txBody>
+                    <a:bodyPr/>
+                    <a:lstStyle/>
+                    <a:p>
+                      <a:pPr algn="ctr">
+                        <a:defRPr sz="800">
+                          <a:solidFill>
+                            <a:srgbClr val="CBD5E1"/>
+                          </a:solidFill>
+                          <a:latin typeface="Segoe UI"/>
+                        </a:defRPr>
+                      </a:pPr>
+                      <a:r>
+                        <a:t>UAE</a:t>
+                      </a:r>
+                    </a:p>
+                  </a:txBody>
+                  <a:tcPr anchor="ctr">
+                    <a:solidFill>
+                      <a:srgbClr val="162134"/>
+                    </a:solidFill>
+                  </a:tcPr>
+                </a:tc>
+                <a:tc>
+                  <a:txBody>
+                    <a:bodyPr/>
+                    <a:lstStyle/>
+                    <a:p>
+                      <a:pPr algn="ctr">
+                        <a:defRPr sz="800">
+                          <a:solidFill>
+                            <a:srgbClr val="CBD5E1"/>
+                          </a:solidFill>
+                          <a:latin typeface="Segoe UI"/>
+                        </a:defRPr>
+                      </a:pPr>
+                      <a:r>
+                        <a:t>GPE</a:t>
+                      </a:r>
+                    </a:p>
+                  </a:txBody>
+                  <a:tcPr anchor="ctr">
+                    <a:solidFill>
+                      <a:srgbClr val="162134"/>
+                    </a:solidFill>
+                  </a:tcPr>
+                </a:tc>
+              </a:tr>
+            </a:tbl>
+          </a:graphicData>
+        </a:graphic>
+      </p:graphicFrame>
     </p:spTree>
   </p:cSld>
   <p:clrMapOvr>
@@ -4653,8 +7360,8 @@
         </p:nvSpPr>
         <p:spPr>
           <a:xfrm>
-            <a:off x="731520" y="365760"/>
-            <a:ext cx="10058400" cy="640080"/>
+            <a:off x="731520" y="274320"/>
+            <a:ext cx="10058400" cy="548640"/>
           </a:xfrm>
           <a:prstGeom prst="rect">
             <a:avLst/>
@@ -4676,7 +7383,7 @@
               </a:defRPr>
             </a:pPr>
             <a:r>
-              <a:t>GUI Screenshots</a:t>
+              <a:t>Application GUI</a:t>
             </a:r>
           </a:p>
         </p:txBody>
@@ -4689,7 +7396,7 @@
         </p:nvSpPr>
         <p:spPr>
           <a:xfrm>
-            <a:off x="731520" y="1005840"/>
+            <a:off x="731520" y="777240"/>
             <a:ext cx="10058400" cy="365760"/>
           </a:xfrm>
           <a:prstGeom prst="rect">
@@ -4704,7 +7411,7 @@
           <a:lstStyle/>
           <a:p>
             <a:pPr algn="l">
-              <a:defRPr sz="1400" b="0">
+              <a:defRPr sz="1300" b="0">
                 <a:solidFill>
                   <a:srgbClr val="94A3B8"/>
                 </a:solidFill>
@@ -4712,7 +7419,7 @@
               </a:defRPr>
             </a:pPr>
             <a:r>
-              <a:t>Paste your screenshots below — replace the placeholders</a:t>
+              <a:t>Replace placeholders with your screenshots</a:t>
             </a:r>
           </a:p>
         </p:txBody>
@@ -4725,8 +7432,8 @@
         </p:nvSpPr>
         <p:spPr>
           <a:xfrm>
-            <a:off x="457200" y="1554480"/>
-            <a:ext cx="3474720" cy="2286000"/>
+            <a:off x="457200" y="1371600"/>
+            <a:ext cx="3566160" cy="2286000"/>
           </a:xfrm>
           <a:prstGeom prst="roundRect">
             <a:avLst/>
@@ -4762,92 +7469,20 @@
       </p:sp>
       <p:sp>
         <p:nvSpPr>
-          <p:cNvPr id="5" name="TextBox 4"/>
-          <p:cNvSpPr txBox="1"/>
+          <p:cNvPr id="5" name="Rectangle 4"/>
+          <p:cNvSpPr/>
           <p:nvPr/>
         </p:nvSpPr>
         <p:spPr>
           <a:xfrm>
-            <a:off x="457200" y="2377440"/>
-            <a:ext cx="3474720" cy="457200"/>
+            <a:off x="457200" y="1371600"/>
+            <a:ext cx="3566160" cy="54864"/>
           </a:xfrm>
           <a:prstGeom prst="rect">
             <a:avLst/>
           </a:prstGeom>
-          <a:noFill/>
-        </p:spPr>
-        <p:txBody>
-          <a:bodyPr wrap="square">
-            <a:spAutoFit/>
-          </a:bodyPr>
-          <a:lstStyle/>
-          <a:p>
-            <a:pPr algn="ctr">
-              <a:defRPr sz="1400" b="1">
-                <a:solidFill>
-                  <a:srgbClr val="38BDF8"/>
-                </a:solidFill>
-                <a:latin typeface="Segoe UI"/>
-              </a:defRPr>
-            </a:pPr>
-            <a:r>
-              <a:t>Home Dashboard</a:t>
-            </a:r>
-          </a:p>
-        </p:txBody>
-      </p:sp>
-      <p:sp>
-        <p:nvSpPr>
-          <p:cNvPr id="6" name="TextBox 5"/>
-          <p:cNvSpPr txBox="1"/>
-          <p:nvPr/>
-        </p:nvSpPr>
-        <p:spPr>
-          <a:xfrm>
-            <a:off x="457200" y="2834639"/>
-            <a:ext cx="3474720" cy="457200"/>
-          </a:xfrm>
-          <a:prstGeom prst="rect">
-            <a:avLst/>
-          </a:prstGeom>
-          <a:noFill/>
-        </p:spPr>
-        <p:txBody>
-          <a:bodyPr wrap="square">
-            <a:spAutoFit/>
-          </a:bodyPr>
-          <a:lstStyle/>
-          <a:p>
-            <a:pPr algn="ctr">
-              <a:defRPr sz="1100" b="0">
-                <a:solidFill>
-                  <a:srgbClr val="94A3B8"/>
-                </a:solidFill>
-                <a:latin typeface="Segoe UI"/>
-              </a:defRPr>
-            </a:pPr>
-            <a:r>
-              <a:t>[Paste Screenshot Here]</a:t>
-            </a:r>
-          </a:p>
-        </p:txBody>
-      </p:sp>
-      <p:sp>
-        <p:nvSpPr>
-          <p:cNvPr id="7" name="Rounded Rectangle 6"/>
-          <p:cNvSpPr/>
-          <p:nvPr/>
-        </p:nvSpPr>
-        <p:spPr>
-          <a:xfrm>
-            <a:off x="4114800" y="1554480"/>
-            <a:ext cx="3474720" cy="2286000"/>
-          </a:xfrm>
-          <a:prstGeom prst="roundRect">
-            <a:avLst/>
-          </a:prstGeom>
           <a:solidFill>
-            <a:srgbClr val="0F172A"/>
+            <a:srgbClr val="38BDF8"/>
           </a:solidFill>
           <a:ln>
             <a:noFill/>
@@ -4877,14 +7512,14 @@
       </p:sp>
       <p:sp>
         <p:nvSpPr>
-          <p:cNvPr id="8" name="TextBox 7"/>
+          <p:cNvPr id="6" name="TextBox 5"/>
           <p:cNvSpPr txBox="1"/>
           <p:nvPr/>
         </p:nvSpPr>
         <p:spPr>
           <a:xfrm>
-            <a:off x="4114800" y="2377440"/>
-            <a:ext cx="3474720" cy="457200"/>
+            <a:off x="457200" y="2103120"/>
+            <a:ext cx="3566160" cy="365760"/>
           </a:xfrm>
           <a:prstGeom prst="rect">
             <a:avLst/>
@@ -4898,7 +7533,7 @@
           <a:lstStyle/>
           <a:p>
             <a:pPr algn="ctr">
-              <a:defRPr sz="1400" b="1">
+              <a:defRPr sz="1500" b="1">
                 <a:solidFill>
                   <a:srgbClr val="38BDF8"/>
                 </a:solidFill>
@@ -4906,21 +7541,21 @@
               </a:defRPr>
             </a:pPr>
             <a:r>
-              <a:t>Passenger Entry Form</a:t>
-            </a:r>
-          </a:p>
-        </p:txBody>
-      </p:sp>
-      <p:sp>
-        <p:nvSpPr>
-          <p:cNvPr id="9" name="TextBox 8"/>
+              <a:t>Home Dashboard</a:t>
+            </a:r>
+          </a:p>
+        </p:txBody>
+      </p:sp>
+      <p:sp>
+        <p:nvSpPr>
+          <p:cNvPr id="7" name="TextBox 6"/>
           <p:cNvSpPr txBox="1"/>
           <p:nvPr/>
         </p:nvSpPr>
         <p:spPr>
           <a:xfrm>
-            <a:off x="4114800" y="2834639"/>
-            <a:ext cx="3474720" cy="457200"/>
+            <a:off x="457200" y="2514600"/>
+            <a:ext cx="3566160" cy="274320"/>
           </a:xfrm>
           <a:prstGeom prst="rect">
             <a:avLst/>
@@ -4934,7 +7569,7 @@
           <a:lstStyle/>
           <a:p>
             <a:pPr algn="ctr">
-              <a:defRPr sz="1100" b="0">
+              <a:defRPr sz="1000" b="0">
                 <a:solidFill>
                   <a:srgbClr val="94A3B8"/>
                 </a:solidFill>
@@ -4942,21 +7577,57 @@
               </a:defRPr>
             </a:pPr>
             <a:r>
-              <a:t>[Paste Screenshot Here]</a:t>
-            </a:r>
-          </a:p>
-        </p:txBody>
-      </p:sp>
-      <p:sp>
-        <p:nvSpPr>
-          <p:cNvPr id="10" name="Rounded Rectangle 9"/>
+              <a:t>Main navigation hub</a:t>
+            </a:r>
+          </a:p>
+        </p:txBody>
+      </p:sp>
+      <p:sp>
+        <p:nvSpPr>
+          <p:cNvPr id="8" name="TextBox 7"/>
+          <p:cNvSpPr txBox="1"/>
+          <p:nvPr/>
+        </p:nvSpPr>
+        <p:spPr>
+          <a:xfrm>
+            <a:off x="457200" y="2926080"/>
+            <a:ext cx="3566160" cy="274320"/>
+          </a:xfrm>
+          <a:prstGeom prst="rect">
+            <a:avLst/>
+          </a:prstGeom>
+          <a:noFill/>
+        </p:spPr>
+        <p:txBody>
+          <a:bodyPr wrap="square">
+            <a:spAutoFit/>
+          </a:bodyPr>
+          <a:lstStyle/>
+          <a:p>
+            <a:pPr algn="ctr">
+              <a:defRPr sz="1000" b="0">
+                <a:solidFill>
+                  <a:srgbClr val="475569"/>
+                </a:solidFill>
+                <a:latin typeface="Segoe UI"/>
+              </a:defRPr>
+            </a:pPr>
+            <a:r>
+              <a:t>[Paste Screenshot]</a:t>
+            </a:r>
+          </a:p>
+        </p:txBody>
+      </p:sp>
+      <p:sp>
+        <p:nvSpPr>
+          <p:cNvPr id="9" name="Rounded Rectangle 8"/>
           <p:cNvSpPr/>
           <p:nvPr/>
         </p:nvSpPr>
         <p:spPr>
           <a:xfrm>
-            <a:off x="7772400" y="1554480"/>
-            <a:ext cx="3474720" cy="2286000"/>
+            <a:off x="4206240" y="1371600"/>
+            <a:ext cx="3566160" cy="2286000"/>
           </a:xfrm>
           <a:prstGeom prst="roundRect">
             <a:avLst/>
@@ -4992,92 +7663,20 @@
       </p:sp>
       <p:sp>
         <p:nvSpPr>
-          <p:cNvPr id="11" name="TextBox 10"/>
-          <p:cNvSpPr txBox="1"/>
+          <p:cNvPr id="10" name="Rectangle 9"/>
+          <p:cNvSpPr/>
           <p:nvPr/>
         </p:nvSpPr>
         <p:spPr>
           <a:xfrm>
-            <a:off x="7772400" y="2377440"/>
-            <a:ext cx="3474720" cy="457200"/>
+            <a:off x="4206240" y="1371600"/>
+            <a:ext cx="3566160" cy="54864"/>
           </a:xfrm>
           <a:prstGeom prst="rect">
             <a:avLst/>
           </a:prstGeom>
-          <a:noFill/>
-        </p:spPr>
-        <p:txBody>
-          <a:bodyPr wrap="square">
-            <a:spAutoFit/>
-          </a:bodyPr>
-          <a:lstStyle/>
-          <a:p>
-            <a:pPr algn="ctr">
-              <a:defRPr sz="1400" b="1">
-                <a:solidFill>
-                  <a:srgbClr val="38BDF8"/>
-                </a:solidFill>
-                <a:latin typeface="Segoe UI"/>
-              </a:defRPr>
-            </a:pPr>
-            <a:r>
-              <a:t>Feedback Analysis</a:t>
-            </a:r>
-          </a:p>
-        </p:txBody>
-      </p:sp>
-      <p:sp>
-        <p:nvSpPr>
-          <p:cNvPr id="12" name="TextBox 11"/>
-          <p:cNvSpPr txBox="1"/>
-          <p:nvPr/>
-        </p:nvSpPr>
-        <p:spPr>
-          <a:xfrm>
-            <a:off x="7772400" y="2834639"/>
-            <a:ext cx="3474720" cy="457200"/>
-          </a:xfrm>
-          <a:prstGeom prst="rect">
-            <a:avLst/>
-          </a:prstGeom>
-          <a:noFill/>
-        </p:spPr>
-        <p:txBody>
-          <a:bodyPr wrap="square">
-            <a:spAutoFit/>
-          </a:bodyPr>
-          <a:lstStyle/>
-          <a:p>
-            <a:pPr algn="ctr">
-              <a:defRPr sz="1100" b="0">
-                <a:solidFill>
-                  <a:srgbClr val="94A3B8"/>
-                </a:solidFill>
-                <a:latin typeface="Segoe UI"/>
-              </a:defRPr>
-            </a:pPr>
-            <a:r>
-              <a:t>[Paste Screenshot Here]</a:t>
-            </a:r>
-          </a:p>
-        </p:txBody>
-      </p:sp>
-      <p:sp>
-        <p:nvSpPr>
-          <p:cNvPr id="13" name="Rounded Rectangle 12"/>
-          <p:cNvSpPr/>
-          <p:nvPr/>
-        </p:nvSpPr>
-        <p:spPr>
-          <a:xfrm>
-            <a:off x="457200" y="4114800"/>
-            <a:ext cx="3474720" cy="2286000"/>
-          </a:xfrm>
-          <a:prstGeom prst="roundRect">
-            <a:avLst/>
-          </a:prstGeom>
           <a:solidFill>
-            <a:srgbClr val="0F172A"/>
+            <a:srgbClr val="22C55E"/>
           </a:solidFill>
           <a:ln>
             <a:noFill/>
@@ -5107,14 +7706,14 @@
       </p:sp>
       <p:sp>
         <p:nvSpPr>
-          <p:cNvPr id="14" name="TextBox 13"/>
+          <p:cNvPr id="11" name="TextBox 10"/>
           <p:cNvSpPr txBox="1"/>
           <p:nvPr/>
         </p:nvSpPr>
         <p:spPr>
           <a:xfrm>
-            <a:off x="457200" y="4937760"/>
-            <a:ext cx="3474720" cy="457200"/>
+            <a:off x="4206240" y="2103120"/>
+            <a:ext cx="3566160" cy="365760"/>
           </a:xfrm>
           <a:prstGeom prst="rect">
             <a:avLst/>
@@ -5128,29 +7727,29 @@
           <a:lstStyle/>
           <a:p>
             <a:pPr algn="ctr">
-              <a:defRPr sz="1400" b="1">
-                <a:solidFill>
-                  <a:srgbClr val="38BDF8"/>
-                </a:solidFill>
-                <a:latin typeface="Segoe UI"/>
-              </a:defRPr>
-            </a:pPr>
-            <a:r>
-              <a:t>Text Summarization</a:t>
-            </a:r>
-          </a:p>
-        </p:txBody>
-      </p:sp>
-      <p:sp>
-        <p:nvSpPr>
-          <p:cNvPr id="15" name="TextBox 14"/>
+              <a:defRPr sz="1500" b="1">
+                <a:solidFill>
+                  <a:srgbClr val="22C55E"/>
+                </a:solidFill>
+                <a:latin typeface="Segoe UI"/>
+              </a:defRPr>
+            </a:pPr>
+            <a:r>
+              <a:t>Passenger Entry</a:t>
+            </a:r>
+          </a:p>
+        </p:txBody>
+      </p:sp>
+      <p:sp>
+        <p:nvSpPr>
+          <p:cNvPr id="12" name="TextBox 11"/>
           <p:cNvSpPr txBox="1"/>
           <p:nvPr/>
         </p:nvSpPr>
         <p:spPr>
           <a:xfrm>
-            <a:off x="457200" y="5394960"/>
-            <a:ext cx="3474720" cy="457200"/>
+            <a:off x="4206240" y="2514600"/>
+            <a:ext cx="3566160" cy="274320"/>
           </a:xfrm>
           <a:prstGeom prst="rect">
             <a:avLst/>
@@ -5164,7 +7763,7 @@
           <a:lstStyle/>
           <a:p>
             <a:pPr algn="ctr">
-              <a:defRPr sz="1100" b="0">
+              <a:defRPr sz="1000" b="0">
                 <a:solidFill>
                   <a:srgbClr val="94A3B8"/>
                 </a:solidFill>
@@ -5172,21 +7771,57 @@
               </a:defRPr>
             </a:pPr>
             <a:r>
-              <a:t>[Paste Screenshot Here]</a:t>
-            </a:r>
-          </a:p>
-        </p:txBody>
-      </p:sp>
-      <p:sp>
-        <p:nvSpPr>
-          <p:cNvPr id="16" name="Rounded Rectangle 15"/>
+              <a:t>18-field registration form</a:t>
+            </a:r>
+          </a:p>
+        </p:txBody>
+      </p:sp>
+      <p:sp>
+        <p:nvSpPr>
+          <p:cNvPr id="13" name="TextBox 12"/>
+          <p:cNvSpPr txBox="1"/>
+          <p:nvPr/>
+        </p:nvSpPr>
+        <p:spPr>
+          <a:xfrm>
+            <a:off x="4206240" y="2926080"/>
+            <a:ext cx="3566160" cy="274320"/>
+          </a:xfrm>
+          <a:prstGeom prst="rect">
+            <a:avLst/>
+          </a:prstGeom>
+          <a:noFill/>
+        </p:spPr>
+        <p:txBody>
+          <a:bodyPr wrap="square">
+            <a:spAutoFit/>
+          </a:bodyPr>
+          <a:lstStyle/>
+          <a:p>
+            <a:pPr algn="ctr">
+              <a:defRPr sz="1000" b="0">
+                <a:solidFill>
+                  <a:srgbClr val="475569"/>
+                </a:solidFill>
+                <a:latin typeface="Segoe UI"/>
+              </a:defRPr>
+            </a:pPr>
+            <a:r>
+              <a:t>[Paste Screenshot]</a:t>
+            </a:r>
+          </a:p>
+        </p:txBody>
+      </p:sp>
+      <p:sp>
+        <p:nvSpPr>
+          <p:cNvPr id="14" name="Rounded Rectangle 13"/>
           <p:cNvSpPr/>
           <p:nvPr/>
         </p:nvSpPr>
         <p:spPr>
           <a:xfrm>
-            <a:off x="4114800" y="4114800"/>
-            <a:ext cx="3474720" cy="2286000"/>
+            <a:off x="7955279" y="1371600"/>
+            <a:ext cx="3566160" cy="2286000"/>
           </a:xfrm>
           <a:prstGeom prst="roundRect">
             <a:avLst/>
@@ -5222,92 +7857,20 @@
       </p:sp>
       <p:sp>
         <p:nvSpPr>
-          <p:cNvPr id="17" name="TextBox 16"/>
-          <p:cNvSpPr txBox="1"/>
+          <p:cNvPr id="15" name="Rectangle 14"/>
+          <p:cNvSpPr/>
           <p:nvPr/>
         </p:nvSpPr>
         <p:spPr>
           <a:xfrm>
-            <a:off x="4114800" y="4937760"/>
-            <a:ext cx="3474720" cy="457200"/>
+            <a:off x="7955279" y="1371600"/>
+            <a:ext cx="3566160" cy="54864"/>
           </a:xfrm>
           <a:prstGeom prst="rect">
             <a:avLst/>
           </a:prstGeom>
-          <a:noFill/>
-        </p:spPr>
-        <p:txBody>
-          <a:bodyPr wrap="square">
-            <a:spAutoFit/>
-          </a:bodyPr>
-          <a:lstStyle/>
-          <a:p>
-            <a:pPr algn="ctr">
-              <a:defRPr sz="1400" b="1">
-                <a:solidFill>
-                  <a:srgbClr val="38BDF8"/>
-                </a:solidFill>
-                <a:latin typeface="Segoe UI"/>
-              </a:defRPr>
-            </a:pPr>
-            <a:r>
-              <a:t>NER + Regex</a:t>
-            </a:r>
-          </a:p>
-        </p:txBody>
-      </p:sp>
-      <p:sp>
-        <p:nvSpPr>
-          <p:cNvPr id="18" name="TextBox 17"/>
-          <p:cNvSpPr txBox="1"/>
-          <p:nvPr/>
-        </p:nvSpPr>
-        <p:spPr>
-          <a:xfrm>
-            <a:off x="4114800" y="5394960"/>
-            <a:ext cx="3474720" cy="457200"/>
-          </a:xfrm>
-          <a:prstGeom prst="rect">
-            <a:avLst/>
-          </a:prstGeom>
-          <a:noFill/>
-        </p:spPr>
-        <p:txBody>
-          <a:bodyPr wrap="square">
-            <a:spAutoFit/>
-          </a:bodyPr>
-          <a:lstStyle/>
-          <a:p>
-            <a:pPr algn="ctr">
-              <a:defRPr sz="1100" b="0">
-                <a:solidFill>
-                  <a:srgbClr val="94A3B8"/>
-                </a:solidFill>
-                <a:latin typeface="Segoe UI"/>
-              </a:defRPr>
-            </a:pPr>
-            <a:r>
-              <a:t>[Paste Screenshot Here]</a:t>
-            </a:r>
-          </a:p>
-        </p:txBody>
-      </p:sp>
-      <p:sp>
-        <p:nvSpPr>
-          <p:cNvPr id="19" name="Rounded Rectangle 18"/>
-          <p:cNvSpPr/>
-          <p:nvPr/>
-        </p:nvSpPr>
-        <p:spPr>
-          <a:xfrm>
-            <a:off x="7772400" y="4114800"/>
-            <a:ext cx="3474720" cy="2286000"/>
-          </a:xfrm>
-          <a:prstGeom prst="roundRect">
-            <a:avLst/>
-          </a:prstGeom>
           <a:solidFill>
-            <a:srgbClr val="0F172A"/>
+            <a:srgbClr val="FB923C"/>
           </a:solidFill>
           <a:ln>
             <a:noFill/>
@@ -5337,14 +7900,14 @@
       </p:sp>
       <p:sp>
         <p:nvSpPr>
-          <p:cNvPr id="20" name="TextBox 19"/>
+          <p:cNvPr id="16" name="TextBox 15"/>
           <p:cNvSpPr txBox="1"/>
           <p:nvPr/>
         </p:nvSpPr>
         <p:spPr>
           <a:xfrm>
-            <a:off x="7772400" y="4937760"/>
-            <a:ext cx="3474720" cy="457200"/>
+            <a:off x="7955279" y="2103120"/>
+            <a:ext cx="3566160" cy="365760"/>
           </a:xfrm>
           <a:prstGeom prst="rect">
             <a:avLst/>
@@ -5358,29 +7921,29 @@
           <a:lstStyle/>
           <a:p>
             <a:pPr algn="ctr">
-              <a:defRPr sz="1400" b="1">
-                <a:solidFill>
-                  <a:srgbClr val="38BDF8"/>
-                </a:solidFill>
-                <a:latin typeface="Segoe UI"/>
-              </a:defRPr>
-            </a:pPr>
-            <a:r>
-              <a:t>Visual Insights</a:t>
-            </a:r>
-          </a:p>
-        </p:txBody>
-      </p:sp>
-      <p:sp>
-        <p:nvSpPr>
-          <p:cNvPr id="21" name="TextBox 20"/>
+              <a:defRPr sz="1500" b="1">
+                <a:solidFill>
+                  <a:srgbClr val="FB923C"/>
+                </a:solidFill>
+                <a:latin typeface="Segoe UI"/>
+              </a:defRPr>
+            </a:pPr>
+            <a:r>
+              <a:t>Feedback Analysis</a:t>
+            </a:r>
+          </a:p>
+        </p:txBody>
+      </p:sp>
+      <p:sp>
+        <p:nvSpPr>
+          <p:cNvPr id="17" name="TextBox 16"/>
           <p:cNvSpPr txBox="1"/>
           <p:nvPr/>
         </p:nvSpPr>
         <p:spPr>
           <a:xfrm>
-            <a:off x="7772400" y="5394960"/>
-            <a:ext cx="3474720" cy="457200"/>
+            <a:off x="7955279" y="2514600"/>
+            <a:ext cx="3566160" cy="274320"/>
           </a:xfrm>
           <a:prstGeom prst="rect">
             <a:avLst/>
@@ -5394,7 +7957,7 @@
           <a:lstStyle/>
           <a:p>
             <a:pPr algn="ctr">
-              <a:defRPr sz="1100" b="0">
+              <a:defRPr sz="1000" b="0">
                 <a:solidFill>
                   <a:srgbClr val="94A3B8"/>
                 </a:solidFill>
@@ -5402,7 +7965,625 @@
               </a:defRPr>
             </a:pPr>
             <a:r>
-              <a:t>[Paste Screenshot Here]</a:t>
+              <a:t>TextBlob sentiment results</a:t>
+            </a:r>
+          </a:p>
+        </p:txBody>
+      </p:sp>
+      <p:sp>
+        <p:nvSpPr>
+          <p:cNvPr id="18" name="TextBox 17"/>
+          <p:cNvSpPr txBox="1"/>
+          <p:nvPr/>
+        </p:nvSpPr>
+        <p:spPr>
+          <a:xfrm>
+            <a:off x="7955279" y="2926080"/>
+            <a:ext cx="3566160" cy="274320"/>
+          </a:xfrm>
+          <a:prstGeom prst="rect">
+            <a:avLst/>
+          </a:prstGeom>
+          <a:noFill/>
+        </p:spPr>
+        <p:txBody>
+          <a:bodyPr wrap="square">
+            <a:spAutoFit/>
+          </a:bodyPr>
+          <a:lstStyle/>
+          <a:p>
+            <a:pPr algn="ctr">
+              <a:defRPr sz="1000" b="0">
+                <a:solidFill>
+                  <a:srgbClr val="475569"/>
+                </a:solidFill>
+                <a:latin typeface="Segoe UI"/>
+              </a:defRPr>
+            </a:pPr>
+            <a:r>
+              <a:t>[Paste Screenshot]</a:t>
+            </a:r>
+          </a:p>
+        </p:txBody>
+      </p:sp>
+      <p:sp>
+        <p:nvSpPr>
+          <p:cNvPr id="19" name="Rounded Rectangle 18"/>
+          <p:cNvSpPr/>
+          <p:nvPr/>
+        </p:nvSpPr>
+        <p:spPr>
+          <a:xfrm>
+            <a:off x="457200" y="3931920"/>
+            <a:ext cx="3566160" cy="2286000"/>
+          </a:xfrm>
+          <a:prstGeom prst="roundRect">
+            <a:avLst/>
+          </a:prstGeom>
+          <a:solidFill>
+            <a:srgbClr val="0F172A"/>
+          </a:solidFill>
+          <a:ln>
+            <a:noFill/>
+          </a:ln>
+        </p:spPr>
+        <p:style>
+          <a:lnRef idx="1">
+            <a:schemeClr val="accent1"/>
+          </a:lnRef>
+          <a:fillRef idx="3">
+            <a:schemeClr val="accent1"/>
+          </a:fillRef>
+          <a:effectRef idx="2">
+            <a:schemeClr val="accent1"/>
+          </a:effectRef>
+          <a:fontRef idx="minor">
+            <a:schemeClr val="lt1"/>
+          </a:fontRef>
+        </p:style>
+        <p:txBody>
+          <a:bodyPr rtlCol="0" anchor="ctr"/>
+          <a:lstStyle/>
+          <a:p>
+            <a:pPr algn="ctr"/>
+          </a:p>
+        </p:txBody>
+      </p:sp>
+      <p:sp>
+        <p:nvSpPr>
+          <p:cNvPr id="20" name="Rectangle 19"/>
+          <p:cNvSpPr/>
+          <p:nvPr/>
+        </p:nvSpPr>
+        <p:spPr>
+          <a:xfrm>
+            <a:off x="457200" y="3931920"/>
+            <a:ext cx="3566160" cy="54864"/>
+          </a:xfrm>
+          <a:prstGeom prst="rect">
+            <a:avLst/>
+          </a:prstGeom>
+          <a:solidFill>
+            <a:srgbClr val="A855F7"/>
+          </a:solidFill>
+          <a:ln>
+            <a:noFill/>
+          </a:ln>
+        </p:spPr>
+        <p:style>
+          <a:lnRef idx="1">
+            <a:schemeClr val="accent1"/>
+          </a:lnRef>
+          <a:fillRef idx="3">
+            <a:schemeClr val="accent1"/>
+          </a:fillRef>
+          <a:effectRef idx="2">
+            <a:schemeClr val="accent1"/>
+          </a:effectRef>
+          <a:fontRef idx="minor">
+            <a:schemeClr val="lt1"/>
+          </a:fontRef>
+        </p:style>
+        <p:txBody>
+          <a:bodyPr rtlCol="0" anchor="ctr"/>
+          <a:lstStyle/>
+          <a:p>
+            <a:pPr algn="ctr"/>
+          </a:p>
+        </p:txBody>
+      </p:sp>
+      <p:sp>
+        <p:nvSpPr>
+          <p:cNvPr id="21" name="TextBox 20"/>
+          <p:cNvSpPr txBox="1"/>
+          <p:nvPr/>
+        </p:nvSpPr>
+        <p:spPr>
+          <a:xfrm>
+            <a:off x="457200" y="4663440"/>
+            <a:ext cx="3566160" cy="365760"/>
+          </a:xfrm>
+          <a:prstGeom prst="rect">
+            <a:avLst/>
+          </a:prstGeom>
+          <a:noFill/>
+        </p:spPr>
+        <p:txBody>
+          <a:bodyPr wrap="square">
+            <a:spAutoFit/>
+          </a:bodyPr>
+          <a:lstStyle/>
+          <a:p>
+            <a:pPr algn="ctr">
+              <a:defRPr sz="1500" b="1">
+                <a:solidFill>
+                  <a:srgbClr val="A855F7"/>
+                </a:solidFill>
+                <a:latin typeface="Segoe UI"/>
+              </a:defRPr>
+            </a:pPr>
+            <a:r>
+              <a:t>Text Summarization</a:t>
+            </a:r>
+          </a:p>
+        </p:txBody>
+      </p:sp>
+      <p:sp>
+        <p:nvSpPr>
+          <p:cNvPr id="22" name="TextBox 21"/>
+          <p:cNvSpPr txBox="1"/>
+          <p:nvPr/>
+        </p:nvSpPr>
+        <p:spPr>
+          <a:xfrm>
+            <a:off x="457200" y="5074920"/>
+            <a:ext cx="3566160" cy="274320"/>
+          </a:xfrm>
+          <a:prstGeom prst="rect">
+            <a:avLst/>
+          </a:prstGeom>
+          <a:noFill/>
+        </p:spPr>
+        <p:txBody>
+          <a:bodyPr wrap="square">
+            <a:spAutoFit/>
+          </a:bodyPr>
+          <a:lstStyle/>
+          <a:p>
+            <a:pPr algn="ctr">
+              <a:defRPr sz="1000" b="0">
+                <a:solidFill>
+                  <a:srgbClr val="94A3B8"/>
+                </a:solidFill>
+                <a:latin typeface="Segoe UI"/>
+              </a:defRPr>
+            </a:pPr>
+            <a:r>
+              <a:t>Keyword-based summaries</a:t>
+            </a:r>
+          </a:p>
+        </p:txBody>
+      </p:sp>
+      <p:sp>
+        <p:nvSpPr>
+          <p:cNvPr id="23" name="TextBox 22"/>
+          <p:cNvSpPr txBox="1"/>
+          <p:nvPr/>
+        </p:nvSpPr>
+        <p:spPr>
+          <a:xfrm>
+            <a:off x="457200" y="5486400"/>
+            <a:ext cx="3566160" cy="274320"/>
+          </a:xfrm>
+          <a:prstGeom prst="rect">
+            <a:avLst/>
+          </a:prstGeom>
+          <a:noFill/>
+        </p:spPr>
+        <p:txBody>
+          <a:bodyPr wrap="square">
+            <a:spAutoFit/>
+          </a:bodyPr>
+          <a:lstStyle/>
+          <a:p>
+            <a:pPr algn="ctr">
+              <a:defRPr sz="1000" b="0">
+                <a:solidFill>
+                  <a:srgbClr val="475569"/>
+                </a:solidFill>
+                <a:latin typeface="Segoe UI"/>
+              </a:defRPr>
+            </a:pPr>
+            <a:r>
+              <a:t>[Paste Screenshot]</a:t>
+            </a:r>
+          </a:p>
+        </p:txBody>
+      </p:sp>
+      <p:sp>
+        <p:nvSpPr>
+          <p:cNvPr id="24" name="Rounded Rectangle 23"/>
+          <p:cNvSpPr/>
+          <p:nvPr/>
+        </p:nvSpPr>
+        <p:spPr>
+          <a:xfrm>
+            <a:off x="4206240" y="3931920"/>
+            <a:ext cx="3566160" cy="2286000"/>
+          </a:xfrm>
+          <a:prstGeom prst="roundRect">
+            <a:avLst/>
+          </a:prstGeom>
+          <a:solidFill>
+            <a:srgbClr val="0F172A"/>
+          </a:solidFill>
+          <a:ln>
+            <a:noFill/>
+          </a:ln>
+        </p:spPr>
+        <p:style>
+          <a:lnRef idx="1">
+            <a:schemeClr val="accent1"/>
+          </a:lnRef>
+          <a:fillRef idx="3">
+            <a:schemeClr val="accent1"/>
+          </a:fillRef>
+          <a:effectRef idx="2">
+            <a:schemeClr val="accent1"/>
+          </a:effectRef>
+          <a:fontRef idx="minor">
+            <a:schemeClr val="lt1"/>
+          </a:fontRef>
+        </p:style>
+        <p:txBody>
+          <a:bodyPr rtlCol="0" anchor="ctr"/>
+          <a:lstStyle/>
+          <a:p>
+            <a:pPr algn="ctr"/>
+          </a:p>
+        </p:txBody>
+      </p:sp>
+      <p:sp>
+        <p:nvSpPr>
+          <p:cNvPr id="25" name="Rectangle 24"/>
+          <p:cNvSpPr/>
+          <p:nvPr/>
+        </p:nvSpPr>
+        <p:spPr>
+          <a:xfrm>
+            <a:off x="4206240" y="3931920"/>
+            <a:ext cx="3566160" cy="54864"/>
+          </a:xfrm>
+          <a:prstGeom prst="rect">
+            <a:avLst/>
+          </a:prstGeom>
+          <a:solidFill>
+            <a:srgbClr val="EF4444"/>
+          </a:solidFill>
+          <a:ln>
+            <a:noFill/>
+          </a:ln>
+        </p:spPr>
+        <p:style>
+          <a:lnRef idx="1">
+            <a:schemeClr val="accent1"/>
+          </a:lnRef>
+          <a:fillRef idx="3">
+            <a:schemeClr val="accent1"/>
+          </a:fillRef>
+          <a:effectRef idx="2">
+            <a:schemeClr val="accent1"/>
+          </a:effectRef>
+          <a:fontRef idx="minor">
+            <a:schemeClr val="lt1"/>
+          </a:fontRef>
+        </p:style>
+        <p:txBody>
+          <a:bodyPr rtlCol="0" anchor="ctr"/>
+          <a:lstStyle/>
+          <a:p>
+            <a:pPr algn="ctr"/>
+          </a:p>
+        </p:txBody>
+      </p:sp>
+      <p:sp>
+        <p:nvSpPr>
+          <p:cNvPr id="26" name="TextBox 25"/>
+          <p:cNvSpPr txBox="1"/>
+          <p:nvPr/>
+        </p:nvSpPr>
+        <p:spPr>
+          <a:xfrm>
+            <a:off x="4206240" y="4663440"/>
+            <a:ext cx="3566160" cy="365760"/>
+          </a:xfrm>
+          <a:prstGeom prst="rect">
+            <a:avLst/>
+          </a:prstGeom>
+          <a:noFill/>
+        </p:spPr>
+        <p:txBody>
+          <a:bodyPr wrap="square">
+            <a:spAutoFit/>
+          </a:bodyPr>
+          <a:lstStyle/>
+          <a:p>
+            <a:pPr algn="ctr">
+              <a:defRPr sz="1500" b="1">
+                <a:solidFill>
+                  <a:srgbClr val="EF4444"/>
+                </a:solidFill>
+                <a:latin typeface="Segoe UI"/>
+              </a:defRPr>
+            </a:pPr>
+            <a:r>
+              <a:t>NER + Regex</a:t>
+            </a:r>
+          </a:p>
+        </p:txBody>
+      </p:sp>
+      <p:sp>
+        <p:nvSpPr>
+          <p:cNvPr id="27" name="TextBox 26"/>
+          <p:cNvSpPr txBox="1"/>
+          <p:nvPr/>
+        </p:nvSpPr>
+        <p:spPr>
+          <a:xfrm>
+            <a:off x="4206240" y="5074920"/>
+            <a:ext cx="3566160" cy="274320"/>
+          </a:xfrm>
+          <a:prstGeom prst="rect">
+            <a:avLst/>
+          </a:prstGeom>
+          <a:noFill/>
+        </p:spPr>
+        <p:txBody>
+          <a:bodyPr wrap="square">
+            <a:spAutoFit/>
+          </a:bodyPr>
+          <a:lstStyle/>
+          <a:p>
+            <a:pPr algn="ctr">
+              <a:defRPr sz="1000" b="0">
+                <a:solidFill>
+                  <a:srgbClr val="94A3B8"/>
+                </a:solidFill>
+                <a:latin typeface="Segoe UI"/>
+              </a:defRPr>
+            </a:pPr>
+            <a:r>
+              <a:t>Entity extraction output</a:t>
+            </a:r>
+          </a:p>
+        </p:txBody>
+      </p:sp>
+      <p:sp>
+        <p:nvSpPr>
+          <p:cNvPr id="28" name="TextBox 27"/>
+          <p:cNvSpPr txBox="1"/>
+          <p:nvPr/>
+        </p:nvSpPr>
+        <p:spPr>
+          <a:xfrm>
+            <a:off x="4206240" y="5486400"/>
+            <a:ext cx="3566160" cy="274320"/>
+          </a:xfrm>
+          <a:prstGeom prst="rect">
+            <a:avLst/>
+          </a:prstGeom>
+          <a:noFill/>
+        </p:spPr>
+        <p:txBody>
+          <a:bodyPr wrap="square">
+            <a:spAutoFit/>
+          </a:bodyPr>
+          <a:lstStyle/>
+          <a:p>
+            <a:pPr algn="ctr">
+              <a:defRPr sz="1000" b="0">
+                <a:solidFill>
+                  <a:srgbClr val="475569"/>
+                </a:solidFill>
+                <a:latin typeface="Segoe UI"/>
+              </a:defRPr>
+            </a:pPr>
+            <a:r>
+              <a:t>[Paste Screenshot]</a:t>
+            </a:r>
+          </a:p>
+        </p:txBody>
+      </p:sp>
+      <p:sp>
+        <p:nvSpPr>
+          <p:cNvPr id="29" name="Rounded Rectangle 28"/>
+          <p:cNvSpPr/>
+          <p:nvPr/>
+        </p:nvSpPr>
+        <p:spPr>
+          <a:xfrm>
+            <a:off x="7955279" y="3931920"/>
+            <a:ext cx="3566160" cy="2286000"/>
+          </a:xfrm>
+          <a:prstGeom prst="roundRect">
+            <a:avLst/>
+          </a:prstGeom>
+          <a:solidFill>
+            <a:srgbClr val="0F172A"/>
+          </a:solidFill>
+          <a:ln>
+            <a:noFill/>
+          </a:ln>
+        </p:spPr>
+        <p:style>
+          <a:lnRef idx="1">
+            <a:schemeClr val="accent1"/>
+          </a:lnRef>
+          <a:fillRef idx="3">
+            <a:schemeClr val="accent1"/>
+          </a:fillRef>
+          <a:effectRef idx="2">
+            <a:schemeClr val="accent1"/>
+          </a:effectRef>
+          <a:fontRef idx="minor">
+            <a:schemeClr val="lt1"/>
+          </a:fontRef>
+        </p:style>
+        <p:txBody>
+          <a:bodyPr rtlCol="0" anchor="ctr"/>
+          <a:lstStyle/>
+          <a:p>
+            <a:pPr algn="ctr"/>
+          </a:p>
+        </p:txBody>
+      </p:sp>
+      <p:sp>
+        <p:nvSpPr>
+          <p:cNvPr id="30" name="Rectangle 29"/>
+          <p:cNvSpPr/>
+          <p:nvPr/>
+        </p:nvSpPr>
+        <p:spPr>
+          <a:xfrm>
+            <a:off x="7955279" y="3931920"/>
+            <a:ext cx="3566160" cy="54864"/>
+          </a:xfrm>
+          <a:prstGeom prst="rect">
+            <a:avLst/>
+          </a:prstGeom>
+          <a:solidFill>
+            <a:srgbClr val="38BDF8"/>
+          </a:solidFill>
+          <a:ln>
+            <a:noFill/>
+          </a:ln>
+        </p:spPr>
+        <p:style>
+          <a:lnRef idx="1">
+            <a:schemeClr val="accent1"/>
+          </a:lnRef>
+          <a:fillRef idx="3">
+            <a:schemeClr val="accent1"/>
+          </a:fillRef>
+          <a:effectRef idx="2">
+            <a:schemeClr val="accent1"/>
+          </a:effectRef>
+          <a:fontRef idx="minor">
+            <a:schemeClr val="lt1"/>
+          </a:fontRef>
+        </p:style>
+        <p:txBody>
+          <a:bodyPr rtlCol="0" anchor="ctr"/>
+          <a:lstStyle/>
+          <a:p>
+            <a:pPr algn="ctr"/>
+          </a:p>
+        </p:txBody>
+      </p:sp>
+      <p:sp>
+        <p:nvSpPr>
+          <p:cNvPr id="31" name="TextBox 30"/>
+          <p:cNvSpPr txBox="1"/>
+          <p:nvPr/>
+        </p:nvSpPr>
+        <p:spPr>
+          <a:xfrm>
+            <a:off x="7955279" y="4663440"/>
+            <a:ext cx="3566160" cy="365760"/>
+          </a:xfrm>
+          <a:prstGeom prst="rect">
+            <a:avLst/>
+          </a:prstGeom>
+          <a:noFill/>
+        </p:spPr>
+        <p:txBody>
+          <a:bodyPr wrap="square">
+            <a:spAutoFit/>
+          </a:bodyPr>
+          <a:lstStyle/>
+          <a:p>
+            <a:pPr algn="ctr">
+              <a:defRPr sz="1500" b="1">
+                <a:solidFill>
+                  <a:srgbClr val="38BDF8"/>
+                </a:solidFill>
+                <a:latin typeface="Segoe UI"/>
+              </a:defRPr>
+            </a:pPr>
+            <a:r>
+              <a:t>Visual Insights</a:t>
+            </a:r>
+          </a:p>
+        </p:txBody>
+      </p:sp>
+      <p:sp>
+        <p:nvSpPr>
+          <p:cNvPr id="32" name="TextBox 31"/>
+          <p:cNvSpPr txBox="1"/>
+          <p:nvPr/>
+        </p:nvSpPr>
+        <p:spPr>
+          <a:xfrm>
+            <a:off x="7955279" y="5074920"/>
+            <a:ext cx="3566160" cy="274320"/>
+          </a:xfrm>
+          <a:prstGeom prst="rect">
+            <a:avLst/>
+          </a:prstGeom>
+          <a:noFill/>
+        </p:spPr>
+        <p:txBody>
+          <a:bodyPr wrap="square">
+            <a:spAutoFit/>
+          </a:bodyPr>
+          <a:lstStyle/>
+          <a:p>
+            <a:pPr algn="ctr">
+              <a:defRPr sz="1000" b="0">
+                <a:solidFill>
+                  <a:srgbClr val="94A3B8"/>
+                </a:solidFill>
+                <a:latin typeface="Segoe UI"/>
+              </a:defRPr>
+            </a:pPr>
+            <a:r>
+              <a:t>4-plot dashboard</a:t>
+            </a:r>
+          </a:p>
+        </p:txBody>
+      </p:sp>
+      <p:sp>
+        <p:nvSpPr>
+          <p:cNvPr id="33" name="TextBox 32"/>
+          <p:cNvSpPr txBox="1"/>
+          <p:nvPr/>
+        </p:nvSpPr>
+        <p:spPr>
+          <a:xfrm>
+            <a:off x="7955279" y="5486400"/>
+            <a:ext cx="3566160" cy="274320"/>
+          </a:xfrm>
+          <a:prstGeom prst="rect">
+            <a:avLst/>
+          </a:prstGeom>
+          <a:noFill/>
+        </p:spPr>
+        <p:txBody>
+          <a:bodyPr wrap="square">
+            <a:spAutoFit/>
+          </a:bodyPr>
+          <a:lstStyle/>
+          <a:p>
+            <a:pPr algn="ctr">
+              <a:defRPr sz="1000" b="0">
+                <a:solidFill>
+                  <a:srgbClr val="475569"/>
+                </a:solidFill>
+                <a:latin typeface="Segoe UI"/>
+              </a:defRPr>
+            </a:pPr>
+            <a:r>
+              <a:t>[Paste Screenshot]</a:t>
             </a:r>
           </a:p>
         </p:txBody>
@@ -5464,14 +8645,14 @@
               </a:defRPr>
             </a:pPr>
             <a:r>
-              <a:t>Visual Insights — Plots</a:t>
+              <a:t>Visual Insights &amp; Key Findings</a:t>
             </a:r>
           </a:p>
         </p:txBody>
       </p:sp>
       <p:pic>
         <p:nvPicPr>
-          <p:cNvPr id="3" name="Picture 2" descr="_plots.png"/>
+          <p:cNvPr id="3" name="Picture 2" descr="_plots_dark.png"/>
           <p:cNvPicPr>
             <a:picLocks noChangeAspect="1"/>
           </p:cNvPicPr>
@@ -5485,14 +8666,907 @@
         </p:blipFill>
         <p:spPr>
           <a:xfrm>
-            <a:off x="731520" y="1097280"/>
-            <a:ext cx="10698480" cy="5303520"/>
+            <a:off x="274320" y="1005840"/>
+            <a:ext cx="7772400" cy="5303520"/>
           </a:xfrm>
           <a:prstGeom prst="rect">
             <a:avLst/>
           </a:prstGeom>
         </p:spPr>
       </p:pic>
+      <p:sp>
+        <p:nvSpPr>
+          <p:cNvPr id="4" name="Rounded Rectangle 3"/>
+          <p:cNvSpPr/>
+          <p:nvPr/>
+        </p:nvSpPr>
+        <p:spPr>
+          <a:xfrm>
+            <a:off x="8229600" y="1005840"/>
+            <a:ext cx="3657600" cy="5303520"/>
+          </a:xfrm>
+          <a:prstGeom prst="roundRect">
+            <a:avLst/>
+          </a:prstGeom>
+          <a:solidFill>
+            <a:srgbClr val="0F172A"/>
+          </a:solidFill>
+          <a:ln>
+            <a:noFill/>
+          </a:ln>
+        </p:spPr>
+        <p:style>
+          <a:lnRef idx="1">
+            <a:schemeClr val="accent1"/>
+          </a:lnRef>
+          <a:fillRef idx="3">
+            <a:schemeClr val="accent1"/>
+          </a:fillRef>
+          <a:effectRef idx="2">
+            <a:schemeClr val="accent1"/>
+          </a:effectRef>
+          <a:fontRef idx="minor">
+            <a:schemeClr val="lt1"/>
+          </a:fontRef>
+        </p:style>
+        <p:txBody>
+          <a:bodyPr rtlCol="0" anchor="ctr"/>
+          <a:lstStyle/>
+          <a:p>
+            <a:pPr algn="ctr"/>
+          </a:p>
+        </p:txBody>
+      </p:sp>
+      <p:sp>
+        <p:nvSpPr>
+          <p:cNvPr id="5" name="TextBox 4"/>
+          <p:cNvSpPr txBox="1"/>
+          <p:nvPr/>
+        </p:nvSpPr>
+        <p:spPr>
+          <a:xfrm>
+            <a:off x="8412480" y="1097280"/>
+            <a:ext cx="3291840" cy="365760"/>
+          </a:xfrm>
+          <a:prstGeom prst="rect">
+            <a:avLst/>
+          </a:prstGeom>
+          <a:noFill/>
+        </p:spPr>
+        <p:txBody>
+          <a:bodyPr wrap="square">
+            <a:spAutoFit/>
+          </a:bodyPr>
+          <a:lstStyle/>
+          <a:p>
+            <a:pPr algn="l">
+              <a:defRPr sz="1800" b="1">
+                <a:solidFill>
+                  <a:srgbClr val="22C55E"/>
+                </a:solidFill>
+                <a:latin typeface="Segoe UI"/>
+              </a:defRPr>
+            </a:pPr>
+            <a:r>
+              <a:t>Key Findings</a:t>
+            </a:r>
+          </a:p>
+        </p:txBody>
+      </p:sp>
+      <p:sp>
+        <p:nvSpPr>
+          <p:cNvPr id="6" name="TextBox 5"/>
+          <p:cNvSpPr txBox="1"/>
+          <p:nvPr/>
+        </p:nvSpPr>
+        <p:spPr>
+          <a:xfrm>
+            <a:off x="8412480" y="1645920"/>
+            <a:ext cx="3291840" cy="4389120"/>
+          </a:xfrm>
+          <a:prstGeom prst="rect">
+            <a:avLst/>
+          </a:prstGeom>
+          <a:noFill/>
+        </p:spPr>
+        <p:txBody>
+          <a:bodyPr wrap="square">
+            <a:spAutoFit/>
+          </a:bodyPr>
+          <a:lstStyle/>
+          <a:p>
+            <a:pPr>
+              <a:spcAft>
+                <a:spcPts val="400"/>
+              </a:spcAft>
+              <a:defRPr sz="1200">
+                <a:solidFill>
+                  <a:srgbClr val="CBD5E1"/>
+                </a:solidFill>
+                <a:latin typeface="Segoe UI"/>
+              </a:defRPr>
+            </a:pPr>
+            <a:r>
+              <a:t>•  10 passengers registered</a:t>
+            </a:r>
+          </a:p>
+          <a:p>
+            <a:pPr>
+              <a:spcAft>
+                <a:spcPts val="400"/>
+              </a:spcAft>
+              <a:defRPr sz="1200">
+                <a:solidFill>
+                  <a:srgbClr val="CBD5E1"/>
+                </a:solidFill>
+                <a:latin typeface="Segoe UI"/>
+              </a:defRPr>
+            </a:pPr>
+            <a:r>
+              <a:t>•  10 unique destinations</a:t>
+            </a:r>
+          </a:p>
+          <a:p>
+            <a:pPr>
+              <a:spcAft>
+                <a:spcPts val="400"/>
+              </a:spcAft>
+              <a:defRPr sz="1200">
+                <a:solidFill>
+                  <a:srgbClr val="CBD5E1"/>
+                </a:solidFill>
+                <a:latin typeface="Segoe UI"/>
+              </a:defRPr>
+            </a:pPr>
+            <a:r>
+              <a:t>•  4 first-time travelers</a:t>
+            </a:r>
+          </a:p>
+          <a:p>
+            <a:pPr>
+              <a:spcAft>
+                <a:spcPts val="400"/>
+              </a:spcAft>
+              <a:defRPr sz="1200">
+                <a:solidFill>
+                  <a:srgbClr val="CBD5E1"/>
+                </a:solidFill>
+                <a:latin typeface="Segoe UI"/>
+              </a:defRPr>
+            </a:pPr>
+            <a:r>
+              <a:t>•  5 with accessibility needs</a:t>
+            </a:r>
+          </a:p>
+          <a:p>
+            <a:pPr>
+              <a:spcAft>
+                <a:spcPts val="400"/>
+              </a:spcAft>
+              <a:defRPr sz="1200">
+                <a:solidFill>
+                  <a:srgbClr val="CBD5E1"/>
+                </a:solidFill>
+                <a:latin typeface="Segoe UI"/>
+              </a:defRPr>
+            </a:pPr>
+          </a:p>
+          <a:p>
+            <a:pPr>
+              <a:spcAft>
+                <a:spcPts val="400"/>
+              </a:spcAft>
+              <a:defRPr sz="1200">
+                <a:solidFill>
+                  <a:srgbClr val="CBD5E1"/>
+                </a:solidFill>
+                <a:latin typeface="Segoe UI"/>
+              </a:defRPr>
+            </a:pPr>
+            <a:r>
+              <a:t>Sentiment Breakdown:</a:t>
+            </a:r>
+          </a:p>
+          <a:p>
+            <a:pPr>
+              <a:spcAft>
+                <a:spcPts val="400"/>
+              </a:spcAft>
+              <a:defRPr sz="1200">
+                <a:solidFill>
+                  <a:srgbClr val="CBD5E1"/>
+                </a:solidFill>
+                <a:latin typeface="Segoe UI"/>
+              </a:defRPr>
+            </a:pPr>
+            <a:r>
+              <a:t>  ✓ Positive: 6</a:t>
+            </a:r>
+          </a:p>
+          <a:p>
+            <a:pPr>
+              <a:spcAft>
+                <a:spcPts val="400"/>
+              </a:spcAft>
+              <a:defRPr sz="1200">
+                <a:solidFill>
+                  <a:srgbClr val="CBD5E1"/>
+                </a:solidFill>
+                <a:latin typeface="Segoe UI"/>
+              </a:defRPr>
+            </a:pPr>
+            <a:r>
+              <a:t>  ‒ Neutral: 3</a:t>
+            </a:r>
+          </a:p>
+          <a:p>
+            <a:pPr>
+              <a:spcAft>
+                <a:spcPts val="400"/>
+              </a:spcAft>
+              <a:defRPr sz="1200">
+                <a:solidFill>
+                  <a:srgbClr val="CBD5E1"/>
+                </a:solidFill>
+                <a:latin typeface="Segoe UI"/>
+              </a:defRPr>
+            </a:pPr>
+            <a:r>
+              <a:t>  ✗ Negative: 1</a:t>
+            </a:r>
+          </a:p>
+          <a:p>
+            <a:pPr>
+              <a:spcAft>
+                <a:spcPts val="400"/>
+              </a:spcAft>
+              <a:defRPr sz="1200">
+                <a:solidFill>
+                  <a:srgbClr val="CBD5E1"/>
+                </a:solidFill>
+                <a:latin typeface="Segoe UI"/>
+              </a:defRPr>
+            </a:pPr>
+          </a:p>
+          <a:p>
+            <a:pPr>
+              <a:spcAft>
+                <a:spcPts val="400"/>
+              </a:spcAft>
+              <a:defRPr sz="1200">
+                <a:solidFill>
+                  <a:srgbClr val="CBD5E1"/>
+                </a:solidFill>
+                <a:latin typeface="Segoe UI"/>
+              </a:defRPr>
+            </a:pPr>
+            <a:r>
+              <a:t>Top Purposes:</a:t>
+            </a:r>
+          </a:p>
+          <a:p>
+            <a:pPr>
+              <a:spcAft>
+                <a:spcPts val="400"/>
+              </a:spcAft>
+              <a:defRPr sz="1200">
+                <a:solidFill>
+                  <a:srgbClr val="CBD5E1"/>
+                </a:solidFill>
+                <a:latin typeface="Segoe UI"/>
+              </a:defRPr>
+            </a:pPr>
+            <a:r>
+              <a:t>  Tourism: 4</a:t>
+            </a:r>
+          </a:p>
+          <a:p>
+            <a:pPr>
+              <a:spcAft>
+                <a:spcPts val="400"/>
+              </a:spcAft>
+              <a:defRPr sz="1200">
+                <a:solidFill>
+                  <a:srgbClr val="CBD5E1"/>
+                </a:solidFill>
+                <a:latin typeface="Segoe UI"/>
+              </a:defRPr>
+            </a:pPr>
+            <a:r>
+              <a:t>  Business: 3</a:t>
+            </a:r>
+          </a:p>
+          <a:p>
+            <a:pPr>
+              <a:spcAft>
+                <a:spcPts val="400"/>
+              </a:spcAft>
+              <a:defRPr sz="1200">
+                <a:solidFill>
+                  <a:srgbClr val="CBD5E1"/>
+                </a:solidFill>
+                <a:latin typeface="Segoe UI"/>
+              </a:defRPr>
+            </a:pPr>
+            <a:r>
+              <a:t>  Education: 2</a:t>
+            </a:r>
+          </a:p>
+        </p:txBody>
+      </p:sp>
+    </p:spTree>
+  </p:cSld>
+  <p:clrMapOvr>
+    <a:masterClrMapping/>
+  </p:clrMapOvr>
+</p:sld>
+</file>
+
+<file path=ppt/slides/slide6.xml><?xml version="1.0" encoding="utf-8"?>
+<p:sld xmlns:a="http://schemas.openxmlformats.org/drawingml/2006/main" xmlns:p="http://schemas.openxmlformats.org/presentationml/2006/main" xmlns:r="http://schemas.openxmlformats.org/officeDocument/2006/relationships">
+  <p:cSld>
+    <p:bg>
+      <p:bgPr>
+        <a:solidFill>
+          <a:srgbClr val="1E293B"/>
+        </a:solidFill>
+        <a:effectLst/>
+      </p:bgPr>
+    </p:bg>
+    <p:spTree>
+      <p:nvGrpSpPr>
+        <p:cNvPr id="1" name=""/>
+        <p:cNvGrpSpPr/>
+        <p:nvPr/>
+      </p:nvGrpSpPr>
+      <p:grpSpPr/>
+      <p:sp>
+        <p:nvSpPr>
+          <p:cNvPr id="2" name="TextBox 1"/>
+          <p:cNvSpPr txBox="1"/>
+          <p:nvPr/>
+        </p:nvSpPr>
+        <p:spPr>
+          <a:xfrm>
+            <a:off x="731520" y="274320"/>
+            <a:ext cx="10058400" cy="548640"/>
+          </a:xfrm>
+          <a:prstGeom prst="rect">
+            <a:avLst/>
+          </a:prstGeom>
+          <a:noFill/>
+        </p:spPr>
+        <p:txBody>
+          <a:bodyPr wrap="square">
+            <a:spAutoFit/>
+          </a:bodyPr>
+          <a:lstStyle/>
+          <a:p>
+            <a:pPr algn="l">
+              <a:defRPr sz="3200" b="1">
+                <a:solidFill>
+                  <a:srgbClr val="FFFFFF"/>
+                </a:solidFill>
+                <a:latin typeface="Segoe UI"/>
+              </a:defRPr>
+            </a:pPr>
+            <a:r>
+              <a:t>Conclusion &amp; Future Scope</a:t>
+            </a:r>
+          </a:p>
+        </p:txBody>
+      </p:sp>
+      <p:sp>
+        <p:nvSpPr>
+          <p:cNvPr id="3" name="Rounded Rectangle 2"/>
+          <p:cNvSpPr/>
+          <p:nvPr/>
+        </p:nvSpPr>
+        <p:spPr>
+          <a:xfrm>
+            <a:off x="457200" y="1188720"/>
+            <a:ext cx="5394960" cy="2560320"/>
+          </a:xfrm>
+          <a:prstGeom prst="roundRect">
+            <a:avLst/>
+          </a:prstGeom>
+          <a:solidFill>
+            <a:srgbClr val="0F172A"/>
+          </a:solidFill>
+          <a:ln>
+            <a:noFill/>
+          </a:ln>
+        </p:spPr>
+        <p:style>
+          <a:lnRef idx="1">
+            <a:schemeClr val="accent1"/>
+          </a:lnRef>
+          <a:fillRef idx="3">
+            <a:schemeClr val="accent1"/>
+          </a:fillRef>
+          <a:effectRef idx="2">
+            <a:schemeClr val="accent1"/>
+          </a:effectRef>
+          <a:fontRef idx="minor">
+            <a:schemeClr val="lt1"/>
+          </a:fontRef>
+        </p:style>
+        <p:txBody>
+          <a:bodyPr rtlCol="0" anchor="ctr"/>
+          <a:lstStyle/>
+          <a:p>
+            <a:pPr algn="ctr"/>
+          </a:p>
+        </p:txBody>
+      </p:sp>
+      <p:sp>
+        <p:nvSpPr>
+          <p:cNvPr id="4" name="TextBox 3"/>
+          <p:cNvSpPr txBox="1"/>
+          <p:nvPr/>
+        </p:nvSpPr>
+        <p:spPr>
+          <a:xfrm>
+            <a:off x="731520" y="1280160"/>
+            <a:ext cx="4846320" cy="365760"/>
+          </a:xfrm>
+          <a:prstGeom prst="rect">
+            <a:avLst/>
+          </a:prstGeom>
+          <a:noFill/>
+        </p:spPr>
+        <p:txBody>
+          <a:bodyPr wrap="square">
+            <a:spAutoFit/>
+          </a:bodyPr>
+          <a:lstStyle/>
+          <a:p>
+            <a:pPr algn="l">
+              <a:defRPr sz="2000" b="1">
+                <a:solidFill>
+                  <a:srgbClr val="38BDF8"/>
+                </a:solidFill>
+                <a:latin typeface="Segoe UI"/>
+              </a:defRPr>
+            </a:pPr>
+            <a:r>
+              <a:t>What We Built</a:t>
+            </a:r>
+          </a:p>
+        </p:txBody>
+      </p:sp>
+      <p:sp>
+        <p:nvSpPr>
+          <p:cNvPr id="5" name="TextBox 4"/>
+          <p:cNvSpPr txBox="1"/>
+          <p:nvPr/>
+        </p:nvSpPr>
+        <p:spPr>
+          <a:xfrm>
+            <a:off x="731520" y="1828800"/>
+            <a:ext cx="4846320" cy="1828800"/>
+          </a:xfrm>
+          <a:prstGeom prst="rect">
+            <a:avLst/>
+          </a:prstGeom>
+          <a:noFill/>
+        </p:spPr>
+        <p:txBody>
+          <a:bodyPr wrap="square">
+            <a:spAutoFit/>
+          </a:bodyPr>
+          <a:lstStyle/>
+          <a:p>
+            <a:pPr>
+              <a:spcAft>
+                <a:spcPts val="400"/>
+              </a:spcAft>
+              <a:defRPr sz="1300">
+                <a:solidFill>
+                  <a:srgbClr val="CBD5E1"/>
+                </a:solidFill>
+                <a:latin typeface="Segoe UI"/>
+              </a:defRPr>
+            </a:pPr>
+            <a:r>
+              <a:t>•  End-to-end travel data management system</a:t>
+            </a:r>
+          </a:p>
+          <a:p>
+            <a:pPr>
+              <a:spcAft>
+                <a:spcPts val="400"/>
+              </a:spcAft>
+              <a:defRPr sz="1300">
+                <a:solidFill>
+                  <a:srgbClr val="CBD5E1"/>
+                </a:solidFill>
+                <a:latin typeface="Segoe UI"/>
+              </a:defRPr>
+            </a:pPr>
+            <a:r>
+              <a:t>•  NLP pipeline: Sentiment + NER + Summarization</a:t>
+            </a:r>
+          </a:p>
+          <a:p>
+            <a:pPr>
+              <a:spcAft>
+                <a:spcPts val="400"/>
+              </a:spcAft>
+              <a:defRPr sz="1300">
+                <a:solidFill>
+                  <a:srgbClr val="CBD5E1"/>
+                </a:solidFill>
+                <a:latin typeface="Segoe UI"/>
+              </a:defRPr>
+            </a:pPr>
+            <a:r>
+              <a:t>•  Interactive Tkinter GUI with 6 modules</a:t>
+            </a:r>
+          </a:p>
+          <a:p>
+            <a:pPr>
+              <a:spcAft>
+                <a:spcPts val="400"/>
+              </a:spcAft>
+              <a:defRPr sz="1300">
+                <a:solidFill>
+                  <a:srgbClr val="CBD5E1"/>
+                </a:solidFill>
+                <a:latin typeface="Segoe UI"/>
+              </a:defRPr>
+            </a:pPr>
+            <a:r>
+              <a:t>•  4-plot visual dashboard for pattern analysis</a:t>
+            </a:r>
+          </a:p>
+          <a:p>
+            <a:pPr>
+              <a:spcAft>
+                <a:spcPts val="400"/>
+              </a:spcAft>
+              <a:defRPr sz="1300">
+                <a:solidFill>
+                  <a:srgbClr val="CBD5E1"/>
+                </a:solidFill>
+                <a:latin typeface="Segoe UI"/>
+              </a:defRPr>
+            </a:pPr>
+            <a:r>
+              <a:t>•  Inclusive design: accessibility, health, dietary</a:t>
+            </a:r>
+          </a:p>
+          <a:p>
+            <a:pPr>
+              <a:spcAft>
+                <a:spcPts val="400"/>
+              </a:spcAft>
+              <a:defRPr sz="1300">
+                <a:solidFill>
+                  <a:srgbClr val="CBD5E1"/>
+                </a:solidFill>
+                <a:latin typeface="Segoe UI"/>
+              </a:defRPr>
+            </a:pPr>
+            <a:r>
+              <a:t>•  Clean CSV data pipeline with auto-generation</a:t>
+            </a:r>
+          </a:p>
+        </p:txBody>
+      </p:sp>
+      <p:sp>
+        <p:nvSpPr>
+          <p:cNvPr id="6" name="Rounded Rectangle 5"/>
+          <p:cNvSpPr/>
+          <p:nvPr/>
+        </p:nvSpPr>
+        <p:spPr>
+          <a:xfrm>
+            <a:off x="6217920" y="1188720"/>
+            <a:ext cx="5394960" cy="2560320"/>
+          </a:xfrm>
+          <a:prstGeom prst="roundRect">
+            <a:avLst/>
+          </a:prstGeom>
+          <a:solidFill>
+            <a:srgbClr val="0F172A"/>
+          </a:solidFill>
+          <a:ln>
+            <a:noFill/>
+          </a:ln>
+        </p:spPr>
+        <p:style>
+          <a:lnRef idx="1">
+            <a:schemeClr val="accent1"/>
+          </a:lnRef>
+          <a:fillRef idx="3">
+            <a:schemeClr val="accent1"/>
+          </a:fillRef>
+          <a:effectRef idx="2">
+            <a:schemeClr val="accent1"/>
+          </a:effectRef>
+          <a:fontRef idx="minor">
+            <a:schemeClr val="lt1"/>
+          </a:fontRef>
+        </p:style>
+        <p:txBody>
+          <a:bodyPr rtlCol="0" anchor="ctr"/>
+          <a:lstStyle/>
+          <a:p>
+            <a:pPr algn="ctr"/>
+          </a:p>
+        </p:txBody>
+      </p:sp>
+      <p:sp>
+        <p:nvSpPr>
+          <p:cNvPr id="7" name="TextBox 6"/>
+          <p:cNvSpPr txBox="1"/>
+          <p:nvPr/>
+        </p:nvSpPr>
+        <p:spPr>
+          <a:xfrm>
+            <a:off x="6492240" y="1280160"/>
+            <a:ext cx="4846320" cy="365760"/>
+          </a:xfrm>
+          <a:prstGeom prst="rect">
+            <a:avLst/>
+          </a:prstGeom>
+          <a:noFill/>
+        </p:spPr>
+        <p:txBody>
+          <a:bodyPr wrap="square">
+            <a:spAutoFit/>
+          </a:bodyPr>
+          <a:lstStyle/>
+          <a:p>
+            <a:pPr algn="l">
+              <a:defRPr sz="2000" b="1">
+                <a:solidFill>
+                  <a:srgbClr val="FB923C"/>
+                </a:solidFill>
+                <a:latin typeface="Segoe UI"/>
+              </a:defRPr>
+            </a:pPr>
+            <a:r>
+              <a:t>Future Scope</a:t>
+            </a:r>
+          </a:p>
+        </p:txBody>
+      </p:sp>
+      <p:sp>
+        <p:nvSpPr>
+          <p:cNvPr id="8" name="TextBox 7"/>
+          <p:cNvSpPr txBox="1"/>
+          <p:nvPr/>
+        </p:nvSpPr>
+        <p:spPr>
+          <a:xfrm>
+            <a:off x="6492240" y="1828800"/>
+            <a:ext cx="4846320" cy="1828800"/>
+          </a:xfrm>
+          <a:prstGeom prst="rect">
+            <a:avLst/>
+          </a:prstGeom>
+          <a:noFill/>
+        </p:spPr>
+        <p:txBody>
+          <a:bodyPr wrap="square">
+            <a:spAutoFit/>
+          </a:bodyPr>
+          <a:lstStyle/>
+          <a:p>
+            <a:pPr>
+              <a:spcAft>
+                <a:spcPts val="400"/>
+              </a:spcAft>
+              <a:defRPr sz="1300">
+                <a:solidFill>
+                  <a:srgbClr val="CBD5E1"/>
+                </a:solidFill>
+                <a:latin typeface="Segoe UI"/>
+              </a:defRPr>
+            </a:pPr>
+            <a:r>
+              <a:t>•  Database integration (SQLite / PostgreSQL)</a:t>
+            </a:r>
+          </a:p>
+          <a:p>
+            <a:pPr>
+              <a:spcAft>
+                <a:spcPts val="400"/>
+              </a:spcAft>
+              <a:defRPr sz="1300">
+                <a:solidFill>
+                  <a:srgbClr val="CBD5E1"/>
+                </a:solidFill>
+                <a:latin typeface="Segoe UI"/>
+              </a:defRPr>
+            </a:pPr>
+            <a:r>
+              <a:t>•  ML-based sentiment (transformers / BERT)</a:t>
+            </a:r>
+          </a:p>
+          <a:p>
+            <a:pPr>
+              <a:spcAft>
+                <a:spcPts val="400"/>
+              </a:spcAft>
+              <a:defRPr sz="1300">
+                <a:solidFill>
+                  <a:srgbClr val="CBD5E1"/>
+                </a:solidFill>
+                <a:latin typeface="Segoe UI"/>
+              </a:defRPr>
+            </a:pPr>
+            <a:r>
+              <a:t>•  Real-time flight API integration</a:t>
+            </a:r>
+          </a:p>
+          <a:p>
+            <a:pPr>
+              <a:spcAft>
+                <a:spcPts val="400"/>
+              </a:spcAft>
+              <a:defRPr sz="1300">
+                <a:solidFill>
+                  <a:srgbClr val="CBD5E1"/>
+                </a:solidFill>
+                <a:latin typeface="Segoe UI"/>
+              </a:defRPr>
+            </a:pPr>
+            <a:r>
+              <a:t>•  Web-based UI (Flask / Streamlit)</a:t>
+            </a:r>
+          </a:p>
+          <a:p>
+            <a:pPr>
+              <a:spcAft>
+                <a:spcPts val="400"/>
+              </a:spcAft>
+              <a:defRPr sz="1300">
+                <a:solidFill>
+                  <a:srgbClr val="CBD5E1"/>
+                </a:solidFill>
+                <a:latin typeface="Segoe UI"/>
+              </a:defRPr>
+            </a:pPr>
+            <a:r>
+              <a:t>•  Multi-language NER support</a:t>
+            </a:r>
+          </a:p>
+          <a:p>
+            <a:pPr>
+              <a:spcAft>
+                <a:spcPts val="400"/>
+              </a:spcAft>
+              <a:defRPr sz="1300">
+                <a:solidFill>
+                  <a:srgbClr val="CBD5E1"/>
+                </a:solidFill>
+                <a:latin typeface="Segoe UI"/>
+              </a:defRPr>
+            </a:pPr>
+            <a:r>
+              <a:t>•  Predictive analytics for travel trends</a:t>
+            </a:r>
+          </a:p>
+        </p:txBody>
+      </p:sp>
+      <p:sp>
+        <p:nvSpPr>
+          <p:cNvPr id="9" name="Rounded Rectangle 8"/>
+          <p:cNvSpPr/>
+          <p:nvPr/>
+        </p:nvSpPr>
+        <p:spPr>
+          <a:xfrm>
+            <a:off x="457200" y="4114800"/>
+            <a:ext cx="11155680" cy="2286000"/>
+          </a:xfrm>
+          <a:prstGeom prst="roundRect">
+            <a:avLst/>
+          </a:prstGeom>
+          <a:solidFill>
+            <a:srgbClr val="0F172A"/>
+          </a:solidFill>
+          <a:ln>
+            <a:noFill/>
+          </a:ln>
+        </p:spPr>
+        <p:style>
+          <a:lnRef idx="1">
+            <a:schemeClr val="accent1"/>
+          </a:lnRef>
+          <a:fillRef idx="3">
+            <a:schemeClr val="accent1"/>
+          </a:fillRef>
+          <a:effectRef idx="2">
+            <a:schemeClr val="accent1"/>
+          </a:effectRef>
+          <a:fontRef idx="minor">
+            <a:schemeClr val="lt1"/>
+          </a:fontRef>
+        </p:style>
+        <p:txBody>
+          <a:bodyPr rtlCol="0" anchor="ctr"/>
+          <a:lstStyle/>
+          <a:p>
+            <a:pPr algn="ctr"/>
+          </a:p>
+        </p:txBody>
+      </p:sp>
+      <p:sp>
+        <p:nvSpPr>
+          <p:cNvPr id="10" name="TextBox 9"/>
+          <p:cNvSpPr txBox="1"/>
+          <p:nvPr/>
+        </p:nvSpPr>
+        <p:spPr>
+          <a:xfrm>
+            <a:off x="457200" y="4572000"/>
+            <a:ext cx="11155680" cy="548640"/>
+          </a:xfrm>
+          <a:prstGeom prst="rect">
+            <a:avLst/>
+          </a:prstGeom>
+          <a:noFill/>
+        </p:spPr>
+        <p:txBody>
+          <a:bodyPr wrap="square">
+            <a:spAutoFit/>
+          </a:bodyPr>
+          <a:lstStyle/>
+          <a:p>
+            <a:pPr algn="ctr">
+              <a:defRPr sz="3600" b="1">
+                <a:solidFill>
+                  <a:srgbClr val="22C55E"/>
+                </a:solidFill>
+                <a:latin typeface="Segoe UI"/>
+              </a:defRPr>
+            </a:pPr>
+            <a:r>
+              <a:t>Thank You!</a:t>
+            </a:r>
+          </a:p>
+        </p:txBody>
+      </p:sp>
+      <p:sp>
+        <p:nvSpPr>
+          <p:cNvPr id="11" name="TextBox 10"/>
+          <p:cNvSpPr txBox="1"/>
+          <p:nvPr/>
+        </p:nvSpPr>
+        <p:spPr>
+          <a:xfrm>
+            <a:off x="457200" y="5212080"/>
+            <a:ext cx="11155680" cy="365760"/>
+          </a:xfrm>
+          <a:prstGeom prst="rect">
+            <a:avLst/>
+          </a:prstGeom>
+          <a:noFill/>
+        </p:spPr>
+        <p:txBody>
+          <a:bodyPr wrap="square">
+            <a:spAutoFit/>
+          </a:bodyPr>
+          <a:lstStyle/>
+          <a:p>
+            <a:pPr algn="ctr">
+              <a:defRPr sz="1400" b="0">
+                <a:solidFill>
+                  <a:srgbClr val="94A3B8"/>
+                </a:solidFill>
+                <a:latin typeface="Segoe UI"/>
+              </a:defRPr>
+            </a:pPr>
+            <a:r>
+              <a:t>Passport Travel Readiness System  |  Data Science Case Study</a:t>
+            </a:r>
+          </a:p>
+        </p:txBody>
+      </p:sp>
     </p:spTree>
   </p:cSld>
   <p:clrMapOvr>
